--- a/맥 중간발표.pptx
+++ b/맥 중간발표.pptx
@@ -5,27 +5,33 @@
     <p:sldMasterId id="2147483672" r:id="rId1"/>
   </p:sldMasterIdLst>
   <p:notesMasterIdLst>
-    <p:notesMasterId r:id="rId20"/>
+    <p:notesMasterId r:id="rId26"/>
   </p:notesMasterIdLst>
   <p:sldIdLst>
     <p:sldId id="256" r:id="rId2"/>
-    <p:sldId id="317" r:id="rId3"/>
-    <p:sldId id="333" r:id="rId4"/>
-    <p:sldId id="328" r:id="rId5"/>
-    <p:sldId id="329" r:id="rId6"/>
-    <p:sldId id="330" r:id="rId7"/>
-    <p:sldId id="340" r:id="rId8"/>
-    <p:sldId id="344" r:id="rId9"/>
-    <p:sldId id="345" r:id="rId10"/>
-    <p:sldId id="341" r:id="rId11"/>
-    <p:sldId id="342" r:id="rId12"/>
-    <p:sldId id="346" r:id="rId13"/>
-    <p:sldId id="347" r:id="rId14"/>
-    <p:sldId id="334" r:id="rId15"/>
-    <p:sldId id="335" r:id="rId16"/>
-    <p:sldId id="339" r:id="rId17"/>
-    <p:sldId id="331" r:id="rId18"/>
-    <p:sldId id="332" r:id="rId19"/>
+    <p:sldId id="348" r:id="rId3"/>
+    <p:sldId id="317" r:id="rId4"/>
+    <p:sldId id="333" r:id="rId5"/>
+    <p:sldId id="328" r:id="rId6"/>
+    <p:sldId id="329" r:id="rId7"/>
+    <p:sldId id="330" r:id="rId8"/>
+    <p:sldId id="340" r:id="rId9"/>
+    <p:sldId id="354" r:id="rId10"/>
+    <p:sldId id="353" r:id="rId11"/>
+    <p:sldId id="345" r:id="rId12"/>
+    <p:sldId id="341" r:id="rId13"/>
+    <p:sldId id="342" r:id="rId14"/>
+    <p:sldId id="346" r:id="rId15"/>
+    <p:sldId id="352" r:id="rId16"/>
+    <p:sldId id="347" r:id="rId17"/>
+    <p:sldId id="334" r:id="rId18"/>
+    <p:sldId id="335" r:id="rId19"/>
+    <p:sldId id="339" r:id="rId20"/>
+    <p:sldId id="331" r:id="rId21"/>
+    <p:sldId id="350" r:id="rId22"/>
+    <p:sldId id="351" r:id="rId23"/>
+    <p:sldId id="349" r:id="rId24"/>
+    <p:sldId id="332" r:id="rId25"/>
   </p:sldIdLst>
   <p:sldSz cx="9144000" cy="6858000" type="screen4x3"/>
   <p:notesSz cx="6858000" cy="9144000"/>
@@ -225,7 +231,8 @@
           <a:p>
             <a:fld id="{A82D494B-6F9D-4F64-B067-44D7C971C3DA}" type="datetimeFigureOut">
               <a:rPr lang="ko-KR" altLang="en-US" smtClean="0"/>
-              <a:t>2016. 7. 19.</a:t>
+              <a:pPr/>
+              <a:t>2016. 7. 20.</a:t>
             </a:fld>
             <a:endParaRPr lang="ko-KR" altLang="en-US"/>
           </a:p>
@@ -384,6 +391,7 @@
           <a:p>
             <a:fld id="{EB353253-9BDD-4B79-9EA3-AF2AAEE65584}" type="slidenum">
               <a:rPr lang="ko-KR" altLang="en-US" smtClean="0"/>
+              <a:pPr/>
               <a:t>‹#›</a:t>
             </a:fld>
             <a:endParaRPr lang="ko-KR" altLang="en-US"/>
@@ -558,6 +566,7 @@
           <a:p>
             <a:fld id="{EB353253-9BDD-4B79-9EA3-AF2AAEE65584}" type="slidenum">
               <a:rPr lang="ko-KR" altLang="en-US" smtClean="0"/>
+              <a:pPr/>
               <a:t>1</a:t>
             </a:fld>
             <a:endParaRPr lang="ko-KR" altLang="en-US"/>
@@ -568,6 +577,91 @@
     <p:extLst>
       <p:ext uri="{BB962C8B-B14F-4D97-AF65-F5344CB8AC3E}">
         <p14:creationId xmlns:p14="http://schemas.microsoft.com/office/powerpoint/2010/main" val="2643642128"/>
+      </p:ext>
+    </p:extLst>
+  </p:cSld>
+  <p:clrMapOvr>
+    <a:masterClrMapping/>
+  </p:clrMapOvr>
+</p:notes>
+</file>
+
+<file path=ppt/notesSlides/notesSlide10.xml><?xml version="1.0" encoding="utf-8"?>
+<p:notes xmlns:a="http://schemas.openxmlformats.org/drawingml/2006/main" xmlns:r="http://schemas.openxmlformats.org/officeDocument/2006/relationships" xmlns:p="http://schemas.openxmlformats.org/presentationml/2006/main">
+  <p:cSld>
+    <p:spTree>
+      <p:nvGrpSpPr>
+        <p:cNvPr id="1" name=""/>
+        <p:cNvGrpSpPr/>
+        <p:nvPr/>
+      </p:nvGrpSpPr>
+      <p:grpSpPr>
+        <a:xfrm>
+          <a:off x="0" y="0"/>
+          <a:ext cx="0" cy="0"/>
+          <a:chOff x="0" y="0"/>
+          <a:chExt cx="0" cy="0"/>
+        </a:xfrm>
+      </p:grpSpPr>
+      <p:sp>
+        <p:nvSpPr>
+          <p:cNvPr id="2" name="슬라이드 이미지 개체 틀 1"/>
+          <p:cNvSpPr>
+            <a:spLocks noGrp="1" noRot="1" noChangeAspect="1"/>
+          </p:cNvSpPr>
+          <p:nvPr>
+            <p:ph type="sldImg"/>
+          </p:nvPr>
+        </p:nvSpPr>
+        <p:spPr/>
+      </p:sp>
+      <p:sp>
+        <p:nvSpPr>
+          <p:cNvPr id="3" name="슬라이드 노트 개체 틀 2"/>
+          <p:cNvSpPr>
+            <a:spLocks noGrp="1"/>
+          </p:cNvSpPr>
+          <p:nvPr>
+            <p:ph type="body" idx="1"/>
+          </p:nvPr>
+        </p:nvSpPr>
+        <p:spPr/>
+        <p:txBody>
+          <a:bodyPr/>
+          <a:lstStyle/>
+          <a:p>
+            <a:endParaRPr kumimoji="1" lang="ko-KR" altLang="en-US" dirty="0"/>
+          </a:p>
+        </p:txBody>
+      </p:sp>
+      <p:sp>
+        <p:nvSpPr>
+          <p:cNvPr id="4" name="슬라이드 번호 개체 틀 3"/>
+          <p:cNvSpPr>
+            <a:spLocks noGrp="1"/>
+          </p:cNvSpPr>
+          <p:nvPr>
+            <p:ph type="sldNum" sz="quarter" idx="10"/>
+          </p:nvPr>
+        </p:nvSpPr>
+        <p:spPr/>
+        <p:txBody>
+          <a:bodyPr/>
+          <a:lstStyle/>
+          <a:p>
+            <a:fld id="{EB353253-9BDD-4B79-9EA3-AF2AAEE65584}" type="slidenum">
+              <a:rPr lang="ko-KR" altLang="en-US" smtClean="0"/>
+              <a:pPr/>
+              <a:t>22</a:t>
+            </a:fld>
+            <a:endParaRPr lang="ko-KR" altLang="en-US"/>
+          </a:p>
+        </p:txBody>
+      </p:sp>
+    </p:spTree>
+    <p:extLst>
+      <p:ext uri="{BB962C8B-B14F-4D97-AF65-F5344CB8AC3E}">
+        <p14:creationId xmlns:p14="http://schemas.microsoft.com/office/powerpoint/2010/main" val="1221604050"/>
       </p:ext>
     </p:extLst>
   </p:cSld>
@@ -642,6 +736,7 @@
           <a:p>
             <a:fld id="{EB353253-9BDD-4B79-9EA3-AF2AAEE65584}" type="slidenum">
               <a:rPr lang="ko-KR" altLang="en-US" smtClean="0"/>
+              <a:pPr/>
               <a:t>2</a:t>
             </a:fld>
             <a:endParaRPr lang="ko-KR" altLang="en-US"/>
@@ -726,6 +821,7 @@
           <a:p>
             <a:fld id="{EB353253-9BDD-4B79-9EA3-AF2AAEE65584}" type="slidenum">
               <a:rPr lang="ko-KR" altLang="en-US" smtClean="0"/>
+              <a:pPr/>
               <a:t>3</a:t>
             </a:fld>
             <a:endParaRPr lang="ko-KR" altLang="en-US"/>
@@ -735,7 +831,7 @@
     </p:spTree>
     <p:extLst>
       <p:ext uri="{BB962C8B-B14F-4D97-AF65-F5344CB8AC3E}">
-        <p14:creationId xmlns:p14="http://schemas.microsoft.com/office/powerpoint/2010/main" val="413671577"/>
+        <p14:creationId xmlns:p14="http://schemas.microsoft.com/office/powerpoint/2010/main" val="956333453"/>
       </p:ext>
     </p:extLst>
   </p:cSld>
@@ -810,6 +906,7 @@
           <a:p>
             <a:fld id="{EB353253-9BDD-4B79-9EA3-AF2AAEE65584}" type="slidenum">
               <a:rPr lang="ko-KR" altLang="en-US" smtClean="0"/>
+              <a:pPr/>
               <a:t>4</a:t>
             </a:fld>
             <a:endParaRPr lang="ko-KR" altLang="en-US"/>
@@ -819,7 +916,7 @@
     </p:spTree>
     <p:extLst>
       <p:ext uri="{BB962C8B-B14F-4D97-AF65-F5344CB8AC3E}">
-        <p14:creationId xmlns:p14="http://schemas.microsoft.com/office/powerpoint/2010/main" val="956333453"/>
+        <p14:creationId xmlns:p14="http://schemas.microsoft.com/office/powerpoint/2010/main" val="413671577"/>
       </p:ext>
     </p:extLst>
   </p:cSld>
@@ -894,7 +991,8 @@
           <a:p>
             <a:fld id="{EB353253-9BDD-4B79-9EA3-AF2AAEE65584}" type="slidenum">
               <a:rPr lang="ko-KR" altLang="en-US" smtClean="0"/>
-              <a:t>6</a:t>
+              <a:pPr/>
+              <a:t>5</a:t>
             </a:fld>
             <a:endParaRPr lang="ko-KR" altLang="en-US"/>
           </a:p>
@@ -978,7 +1076,8 @@
           <a:p>
             <a:fld id="{EB353253-9BDD-4B79-9EA3-AF2AAEE65584}" type="slidenum">
               <a:rPr lang="ko-KR" altLang="en-US" smtClean="0"/>
-              <a:t>14</a:t>
+              <a:pPr/>
+              <a:t>7</a:t>
             </a:fld>
             <a:endParaRPr lang="ko-KR" altLang="en-US"/>
           </a:p>
@@ -1062,7 +1161,8 @@
           <a:p>
             <a:fld id="{EB353253-9BDD-4B79-9EA3-AF2AAEE65584}" type="slidenum">
               <a:rPr lang="ko-KR" altLang="en-US" smtClean="0"/>
-              <a:t>15</a:t>
+              <a:pPr/>
+              <a:t>17</a:t>
             </a:fld>
             <a:endParaRPr lang="ko-KR" altLang="en-US"/>
           </a:p>
@@ -1146,7 +1246,93 @@
           <a:p>
             <a:fld id="{EB353253-9BDD-4B79-9EA3-AF2AAEE65584}" type="slidenum">
               <a:rPr lang="ko-KR" altLang="en-US" smtClean="0"/>
-              <a:t>16</a:t>
+              <a:pPr/>
+              <a:t>18</a:t>
+            </a:fld>
+            <a:endParaRPr lang="ko-KR" altLang="en-US"/>
+          </a:p>
+        </p:txBody>
+      </p:sp>
+    </p:spTree>
+    <p:extLst>
+      <p:ext uri="{BB962C8B-B14F-4D97-AF65-F5344CB8AC3E}">
+        <p14:creationId xmlns:p14="http://schemas.microsoft.com/office/powerpoint/2010/main" val="956333453"/>
+      </p:ext>
+    </p:extLst>
+  </p:cSld>
+  <p:clrMapOvr>
+    <a:masterClrMapping/>
+  </p:clrMapOvr>
+</p:notes>
+</file>
+
+<file path=ppt/notesSlides/notesSlide9.xml><?xml version="1.0" encoding="utf-8"?>
+<p:notes xmlns:a="http://schemas.openxmlformats.org/drawingml/2006/main" xmlns:r="http://schemas.openxmlformats.org/officeDocument/2006/relationships" xmlns:p="http://schemas.openxmlformats.org/presentationml/2006/main">
+  <p:cSld>
+    <p:spTree>
+      <p:nvGrpSpPr>
+        <p:cNvPr id="1" name=""/>
+        <p:cNvGrpSpPr/>
+        <p:nvPr/>
+      </p:nvGrpSpPr>
+      <p:grpSpPr>
+        <a:xfrm>
+          <a:off x="0" y="0"/>
+          <a:ext cx="0" cy="0"/>
+          <a:chOff x="0" y="0"/>
+          <a:chExt cx="0" cy="0"/>
+        </a:xfrm>
+      </p:grpSpPr>
+      <p:sp>
+        <p:nvSpPr>
+          <p:cNvPr id="2" name="슬라이드 이미지 개체 틀 1"/>
+          <p:cNvSpPr>
+            <a:spLocks noGrp="1" noRot="1" noChangeAspect="1"/>
+          </p:cNvSpPr>
+          <p:nvPr>
+            <p:ph type="sldImg"/>
+          </p:nvPr>
+        </p:nvSpPr>
+        <p:spPr/>
+      </p:sp>
+      <p:sp>
+        <p:nvSpPr>
+          <p:cNvPr id="3" name="슬라이드 노트 개체 틀 2"/>
+          <p:cNvSpPr>
+            <a:spLocks noGrp="1"/>
+          </p:cNvSpPr>
+          <p:nvPr>
+            <p:ph type="body" idx="1"/>
+          </p:nvPr>
+        </p:nvSpPr>
+        <p:spPr/>
+        <p:txBody>
+          <a:bodyPr/>
+          <a:lstStyle/>
+          <a:p>
+            <a:endParaRPr lang="ko-KR" altLang="en-US" dirty="0"/>
+          </a:p>
+        </p:txBody>
+      </p:sp>
+      <p:sp>
+        <p:nvSpPr>
+          <p:cNvPr id="4" name="슬라이드 번호 개체 틀 3"/>
+          <p:cNvSpPr>
+            <a:spLocks noGrp="1"/>
+          </p:cNvSpPr>
+          <p:nvPr>
+            <p:ph type="sldNum" sz="quarter" idx="10"/>
+          </p:nvPr>
+        </p:nvSpPr>
+        <p:spPr/>
+        <p:txBody>
+          <a:bodyPr/>
+          <a:lstStyle/>
+          <a:p>
+            <a:fld id="{EB353253-9BDD-4B79-9EA3-AF2AAEE65584}" type="slidenum">
+              <a:rPr lang="ko-KR" altLang="en-US" smtClean="0"/>
+              <a:pPr/>
+              <a:t>19</a:t>
             </a:fld>
             <a:endParaRPr lang="ko-KR" altLang="en-US"/>
           </a:p>
@@ -1353,7 +1539,8 @@
           <a:p>
             <a:fld id="{42D1A1ED-05D8-4AB3-84E6-8F00343FDE0A}" type="datetimeFigureOut">
               <a:rPr lang="ko-KR" altLang="en-US" smtClean="0"/>
-              <a:t>2016. 7. 19.</a:t>
+              <a:pPr/>
+              <a:t>2016. 7. 20.</a:t>
             </a:fld>
             <a:endParaRPr lang="ko-KR" altLang="en-US"/>
           </a:p>
@@ -1395,6 +1582,7 @@
           <a:p>
             <a:fld id="{1D7F9D63-B8EE-4FFF-AB17-F3867F482EEB}" type="slidenum">
               <a:rPr lang="ko-KR" altLang="en-US" smtClean="0"/>
+              <a:pPr/>
               <a:t>‹#›</a:t>
             </a:fld>
             <a:endParaRPr lang="ko-KR" altLang="en-US"/>
@@ -1553,7 +1741,8 @@
           <a:p>
             <a:fld id="{42D1A1ED-05D8-4AB3-84E6-8F00343FDE0A}" type="datetimeFigureOut">
               <a:rPr lang="ko-KR" altLang="en-US" smtClean="0"/>
-              <a:t>2016. 7. 19.</a:t>
+              <a:pPr/>
+              <a:t>2016. 7. 20.</a:t>
             </a:fld>
             <a:endParaRPr lang="ko-KR" altLang="en-US"/>
           </a:p>
@@ -1595,6 +1784,7 @@
           <a:p>
             <a:fld id="{1D7F9D63-B8EE-4FFF-AB17-F3867F482EEB}" type="slidenum">
               <a:rPr lang="ko-KR" altLang="en-US" smtClean="0"/>
+              <a:pPr/>
               <a:t>‹#›</a:t>
             </a:fld>
             <a:endParaRPr lang="ko-KR" altLang="en-US"/>
@@ -1728,7 +1918,8 @@
           <a:p>
             <a:fld id="{42D1A1ED-05D8-4AB3-84E6-8F00343FDE0A}" type="datetimeFigureOut">
               <a:rPr lang="ko-KR" altLang="en-US" smtClean="0"/>
-              <a:t>2016. 7. 19.</a:t>
+              <a:pPr/>
+              <a:t>2016. 7. 20.</a:t>
             </a:fld>
             <a:endParaRPr lang="ko-KR" altLang="en-US"/>
           </a:p>
@@ -1770,6 +1961,7 @@
           <a:p>
             <a:fld id="{1D7F9D63-B8EE-4FFF-AB17-F3867F482EEB}" type="slidenum">
               <a:rPr lang="ko-KR" altLang="en-US" smtClean="0"/>
+              <a:pPr/>
               <a:t>‹#›</a:t>
             </a:fld>
             <a:endParaRPr lang="ko-KR" altLang="en-US"/>
@@ -1893,7 +2085,8 @@
           <a:p>
             <a:fld id="{42D1A1ED-05D8-4AB3-84E6-8F00343FDE0A}" type="datetimeFigureOut">
               <a:rPr lang="ko-KR" altLang="en-US" smtClean="0"/>
-              <a:t>2016. 7. 19.</a:t>
+              <a:pPr/>
+              <a:t>2016. 7. 20.</a:t>
             </a:fld>
             <a:endParaRPr lang="ko-KR" altLang="en-US"/>
           </a:p>
@@ -1935,6 +2128,7 @@
           <a:p>
             <a:fld id="{1D7F9D63-B8EE-4FFF-AB17-F3867F482EEB}" type="slidenum">
               <a:rPr lang="ko-KR" altLang="en-US" smtClean="0"/>
+              <a:pPr/>
               <a:t>‹#›</a:t>
             </a:fld>
             <a:endParaRPr lang="ko-KR" altLang="en-US"/>
@@ -2141,7 +2335,8 @@
           <a:p>
             <a:fld id="{42D1A1ED-05D8-4AB3-84E6-8F00343FDE0A}" type="datetimeFigureOut">
               <a:rPr lang="ko-KR" altLang="en-US" smtClean="0"/>
-              <a:t>2016. 7. 19.</a:t>
+              <a:pPr/>
+              <a:t>2016. 7. 20.</a:t>
             </a:fld>
             <a:endParaRPr lang="ko-KR" altLang="en-US"/>
           </a:p>
@@ -2183,6 +2378,7 @@
           <a:p>
             <a:fld id="{1D7F9D63-B8EE-4FFF-AB17-F3867F482EEB}" type="slidenum">
               <a:rPr lang="ko-KR" altLang="en-US" smtClean="0"/>
+              <a:pPr/>
               <a:t>‹#›</a:t>
             </a:fld>
             <a:endParaRPr lang="ko-KR" altLang="en-US"/>
@@ -2459,7 +2655,8 @@
           <a:p>
             <a:fld id="{42D1A1ED-05D8-4AB3-84E6-8F00343FDE0A}" type="datetimeFigureOut">
               <a:rPr lang="ko-KR" altLang="en-US" smtClean="0"/>
-              <a:t>2016. 7. 19.</a:t>
+              <a:pPr/>
+              <a:t>2016. 7. 20.</a:t>
             </a:fld>
             <a:endParaRPr lang="ko-KR" altLang="en-US"/>
           </a:p>
@@ -2501,6 +2698,7 @@
           <a:p>
             <a:fld id="{1D7F9D63-B8EE-4FFF-AB17-F3867F482EEB}" type="slidenum">
               <a:rPr lang="ko-KR" altLang="en-US" smtClean="0"/>
+              <a:pPr/>
               <a:t>‹#›</a:t>
             </a:fld>
             <a:endParaRPr lang="ko-KR" altLang="en-US"/>
@@ -2925,7 +3123,8 @@
           <a:p>
             <a:fld id="{42D1A1ED-05D8-4AB3-84E6-8F00343FDE0A}" type="datetimeFigureOut">
               <a:rPr lang="ko-KR" altLang="en-US" smtClean="0"/>
-              <a:t>2016. 7. 19.</a:t>
+              <a:pPr/>
+              <a:t>2016. 7. 20.</a:t>
             </a:fld>
             <a:endParaRPr lang="ko-KR" altLang="en-US"/>
           </a:p>
@@ -2967,6 +3166,7 @@
           <a:p>
             <a:fld id="{1D7F9D63-B8EE-4FFF-AB17-F3867F482EEB}" type="slidenum">
               <a:rPr lang="ko-KR" altLang="en-US" smtClean="0"/>
+              <a:pPr/>
               <a:t>‹#›</a:t>
             </a:fld>
             <a:endParaRPr lang="ko-KR" altLang="en-US"/>
@@ -3073,7 +3273,8 @@
           <a:p>
             <a:fld id="{42D1A1ED-05D8-4AB3-84E6-8F00343FDE0A}" type="datetimeFigureOut">
               <a:rPr lang="ko-KR" altLang="en-US" smtClean="0"/>
-              <a:t>2016. 7. 19.</a:t>
+              <a:pPr/>
+              <a:t>2016. 7. 20.</a:t>
             </a:fld>
             <a:endParaRPr lang="ko-KR" altLang="en-US"/>
           </a:p>
@@ -3115,6 +3316,7 @@
           <a:p>
             <a:fld id="{1D7F9D63-B8EE-4FFF-AB17-F3867F482EEB}" type="slidenum">
               <a:rPr lang="ko-KR" altLang="en-US" smtClean="0"/>
+              <a:pPr/>
               <a:t>‹#›</a:t>
             </a:fld>
             <a:endParaRPr lang="ko-KR" altLang="en-US"/>
@@ -3163,7 +3365,8 @@
           <a:p>
             <a:fld id="{42D1A1ED-05D8-4AB3-84E6-8F00343FDE0A}" type="datetimeFigureOut">
               <a:rPr lang="ko-KR" altLang="en-US" smtClean="0"/>
-              <a:t>2016. 7. 19.</a:t>
+              <a:pPr/>
+              <a:t>2016. 7. 20.</a:t>
             </a:fld>
             <a:endParaRPr lang="ko-KR" altLang="en-US"/>
           </a:p>
@@ -3205,6 +3408,7 @@
           <a:p>
             <a:fld id="{1D7F9D63-B8EE-4FFF-AB17-F3867F482EEB}" type="slidenum">
               <a:rPr lang="ko-KR" altLang="en-US" smtClean="0"/>
+              <a:pPr/>
               <a:t>‹#›</a:t>
             </a:fld>
             <a:endParaRPr lang="ko-KR" altLang="en-US"/>
@@ -3437,7 +3641,8 @@
           <a:p>
             <a:fld id="{42D1A1ED-05D8-4AB3-84E6-8F00343FDE0A}" type="datetimeFigureOut">
               <a:rPr lang="ko-KR" altLang="en-US" smtClean="0"/>
-              <a:t>2016. 7. 19.</a:t>
+              <a:pPr/>
+              <a:t>2016. 7. 20.</a:t>
             </a:fld>
             <a:endParaRPr lang="ko-KR" altLang="en-US"/>
           </a:p>
@@ -3479,6 +3684,7 @@
           <a:p>
             <a:fld id="{1D7F9D63-B8EE-4FFF-AB17-F3867F482EEB}" type="slidenum">
               <a:rPr lang="ko-KR" altLang="en-US" smtClean="0"/>
+              <a:pPr/>
               <a:t>‹#›</a:t>
             </a:fld>
             <a:endParaRPr lang="ko-KR" altLang="en-US"/>
@@ -3742,7 +3948,8 @@
           <a:p>
             <a:fld id="{42D1A1ED-05D8-4AB3-84E6-8F00343FDE0A}" type="datetimeFigureOut">
               <a:rPr lang="ko-KR" altLang="en-US" smtClean="0"/>
-              <a:t>2016. 7. 19.</a:t>
+              <a:pPr/>
+              <a:t>2016. 7. 20.</a:t>
             </a:fld>
             <a:endParaRPr lang="ko-KR" altLang="en-US"/>
           </a:p>
@@ -3784,6 +3991,7 @@
           <a:p>
             <a:fld id="{1D7F9D63-B8EE-4FFF-AB17-F3867F482EEB}" type="slidenum">
               <a:rPr lang="ko-KR" altLang="en-US" smtClean="0"/>
+              <a:pPr/>
               <a:t>‹#›</a:t>
             </a:fld>
             <a:endParaRPr lang="ko-KR" altLang="en-US"/>
@@ -4040,7 +4248,8 @@
           <a:p>
             <a:fld id="{42D1A1ED-05D8-4AB3-84E6-8F00343FDE0A}" type="datetimeFigureOut">
               <a:rPr lang="ko-KR" altLang="en-US" smtClean="0"/>
-              <a:t>2016. 7. 19.</a:t>
+              <a:pPr/>
+              <a:t>2016. 7. 20.</a:t>
             </a:fld>
             <a:endParaRPr lang="ko-KR" altLang="en-US"/>
           </a:p>
@@ -4114,6 +4323,7 @@
           <a:p>
             <a:fld id="{1D7F9D63-B8EE-4FFF-AB17-F3867F482EEB}" type="slidenum">
               <a:rPr lang="ko-KR" altLang="en-US" smtClean="0"/>
+              <a:pPr/>
               <a:t>‹#›</a:t>
             </a:fld>
             <a:endParaRPr lang="ko-KR" altLang="en-US"/>
@@ -4650,62 +4860,412 @@
           <a:lstStyle/>
           <a:p>
             <a:r>
+              <a:rPr kumimoji="1" lang="ko-KR" altLang="en-US" dirty="0" smtClean="0"/>
+              <a:t>코드 블록 간 단순 패턴 매칭을 통한</a:t>
+            </a:r>
+            <a:r>
               <a:rPr kumimoji="1" lang="en-US" altLang="ko-KR" dirty="0" smtClean="0"/>
-              <a:t>Flow Graph</a:t>
-            </a:r>
+              <a:t/>
+            </a:r>
+            <a:br>
+              <a:rPr kumimoji="1" lang="en-US" altLang="ko-KR" dirty="0" smtClean="0"/>
+            </a:br>
             <a:r>
               <a:rPr kumimoji="1" lang="ko-KR" altLang="en-US" dirty="0" smtClean="0"/>
-              <a:t>의 코드 </a:t>
-            </a:r>
-            <a:r>
-              <a:rPr kumimoji="1" lang="ko-KR" altLang="en-US" dirty="0"/>
-              <a:t>블록 간 단순 패턴 매칭을 </a:t>
-            </a:r>
-            <a:r>
-              <a:rPr kumimoji="1" lang="ko-KR" altLang="en-US" dirty="0" smtClean="0"/>
-              <a:t>통한 유사도 </a:t>
-            </a:r>
-            <a:r>
-              <a:rPr kumimoji="1" lang="ko-KR" altLang="en-US" dirty="0"/>
-              <a:t>분석</a:t>
-            </a:r>
+              <a:t>유사도 분석</a:t>
+            </a:r>
+            <a:endParaRPr kumimoji="1" lang="ko-KR" altLang="en-US" dirty="0"/>
           </a:p>
         </p:txBody>
       </p:sp>
+      <p:graphicFrame>
+        <p:nvGraphicFramePr>
+          <p:cNvPr id="10" name="표 9"/>
+          <p:cNvGraphicFramePr>
+            <a:graphicFrameLocks noGrp="1"/>
+          </p:cNvGraphicFramePr>
+          <p:nvPr>
+            <p:extLst/>
+          </p:nvPr>
+        </p:nvGraphicFramePr>
+        <p:xfrm>
+          <a:off x="323528" y="2400712"/>
+          <a:ext cx="8496944" cy="4104456"/>
+        </p:xfrm>
+        <a:graphic>
+          <a:graphicData uri="http://schemas.openxmlformats.org/drawingml/2006/table">
+            <a:tbl>
+              <a:tblPr firstRow="1" bandRow="1">
+                <a:tableStyleId>{5C22544A-7EE6-4342-B048-85BDC9FD1C3A}</a:tableStyleId>
+              </a:tblPr>
+              <a:tblGrid>
+                <a:gridCol w="4248472"/>
+                <a:gridCol w="4248472"/>
+              </a:tblGrid>
+              <a:tr h="413837">
+                <a:tc>
+                  <a:txBody>
+                    <a:bodyPr/>
+                    <a:lstStyle/>
+                    <a:p>
+                      <a:pPr latinLnBrk="1"/>
+                      <a:r>
+                        <a:rPr lang="en-US" altLang="ko-KR" dirty="0" smtClean="0"/>
+                        <a:t>MacBook</a:t>
+                      </a:r>
+                      <a:r>
+                        <a:rPr lang="en-US" altLang="ko-KR" baseline="0" dirty="0" smtClean="0"/>
+                        <a:t> Air EFI 2.9 </a:t>
+                      </a:r>
+                      <a:r>
+                        <a:rPr lang="ko-KR" altLang="en-US" baseline="0" dirty="0" smtClean="0"/>
+                        <a:t>펌웨어</a:t>
+                      </a:r>
+                      <a:endParaRPr lang="ko-KR" altLang="en-US" dirty="0"/>
+                    </a:p>
+                  </a:txBody>
+                  <a:tcPr/>
+                </a:tc>
+                <a:tc>
+                  <a:txBody>
+                    <a:bodyPr/>
+                    <a:lstStyle/>
+                    <a:p>
+                      <a:pPr latinLnBrk="1"/>
+                      <a:r>
+                        <a:rPr lang="en-US" altLang="ko-KR" dirty="0" smtClean="0"/>
+                        <a:t>EFI</a:t>
+                      </a:r>
+                      <a:r>
+                        <a:rPr lang="en-US" altLang="ko-KR" baseline="0" dirty="0" smtClean="0"/>
+                        <a:t> </a:t>
+                      </a:r>
+                      <a:r>
+                        <a:rPr lang="ko-KR" altLang="en-US" baseline="0" dirty="0" smtClean="0"/>
+                        <a:t>인터페이스 컴파일 결과물</a:t>
+                      </a:r>
+                      <a:endParaRPr lang="ko-KR" altLang="en-US" dirty="0"/>
+                    </a:p>
+                  </a:txBody>
+                  <a:tcPr/>
+                </a:tc>
+              </a:tr>
+              <a:tr h="3690619">
+                <a:tc>
+                  <a:txBody>
+                    <a:bodyPr/>
+                    <a:lstStyle/>
+                    <a:p>
+                      <a:pPr latinLnBrk="1"/>
+                      <a:endParaRPr lang="ko-KR" altLang="en-US" dirty="0"/>
+                    </a:p>
+                  </a:txBody>
+                  <a:tcPr/>
+                </a:tc>
+                <a:tc>
+                  <a:txBody>
+                    <a:bodyPr/>
+                    <a:lstStyle/>
+                    <a:p>
+                      <a:pPr latinLnBrk="1"/>
+                      <a:endParaRPr lang="ko-KR" altLang="en-US" dirty="0"/>
+                    </a:p>
+                  </a:txBody>
+                  <a:tcPr/>
+                </a:tc>
+              </a:tr>
+            </a:tbl>
+          </a:graphicData>
+        </a:graphic>
+      </p:graphicFrame>
       <p:pic>
         <p:nvPicPr>
-          <p:cNvPr id="8" name="그림 7"/>
+          <p:cNvPr id="6" name="내용 개체 틀 5"/>
+          <p:cNvPicPr>
+            <a:picLocks noGrp="1" noChangeAspect="1"/>
+          </p:cNvPicPr>
+          <p:nvPr>
+            <p:ph idx="1"/>
+          </p:nvPr>
+        </p:nvPicPr>
+        <p:blipFill rotWithShape="1">
+          <a:blip r:embed="rId2">
+            <a:extLst>
+              <a:ext uri="{28A0092B-C50C-407E-A947-70E740481C1C}">
+                <a14:useLocalDpi xmlns:a14="http://schemas.microsoft.com/office/drawing/2010/main" val="0"/>
+              </a:ext>
+            </a:extLst>
+          </a:blip>
+          <a:srcRect l="40722"/>
+          <a:stretch/>
+        </p:blipFill>
+        <p:spPr>
+          <a:xfrm>
+            <a:off x="1116471" y="3336816"/>
+            <a:ext cx="3353154" cy="2520280"/>
+          </a:xfrm>
+        </p:spPr>
+      </p:pic>
+      <p:pic>
+        <p:nvPicPr>
+          <p:cNvPr id="9" name="내용 개체 틀 5"/>
+          <p:cNvPicPr>
+            <a:picLocks noChangeAspect="1"/>
+          </p:cNvPicPr>
+          <p:nvPr/>
+        </p:nvPicPr>
+        <p:blipFill rotWithShape="1">
+          <a:blip r:embed="rId2">
+            <a:extLst>
+              <a:ext uri="{28A0092B-C50C-407E-A947-70E740481C1C}">
+                <a14:useLocalDpi xmlns:a14="http://schemas.microsoft.com/office/drawing/2010/main" val="0"/>
+              </a:ext>
+            </a:extLst>
+          </a:blip>
+          <a:srcRect r="88534"/>
+          <a:stretch/>
+        </p:blipFill>
+        <p:spPr>
+          <a:xfrm>
+            <a:off x="467544" y="3336816"/>
+            <a:ext cx="648927" cy="2520280"/>
+          </a:xfrm>
+          <a:prstGeom prst="rect">
+            <a:avLst/>
+          </a:prstGeom>
+        </p:spPr>
+      </p:pic>
+      <p:pic>
+        <p:nvPicPr>
+          <p:cNvPr id="11" name="그림 10"/>
+          <p:cNvPicPr>
+            <a:picLocks noChangeAspect="1"/>
+          </p:cNvPicPr>
+          <p:nvPr/>
+        </p:nvPicPr>
+        <p:blipFill rotWithShape="1">
+          <a:blip r:embed="rId3">
+            <a:extLst>
+              <a:ext uri="{28A0092B-C50C-407E-A947-70E740481C1C}">
+                <a14:useLocalDpi xmlns:a14="http://schemas.microsoft.com/office/drawing/2010/main" val="0"/>
+              </a:ext>
+            </a:extLst>
+          </a:blip>
+          <a:srcRect r="88407"/>
+          <a:stretch/>
+        </p:blipFill>
+        <p:spPr>
+          <a:xfrm>
+            <a:off x="4712736" y="2976776"/>
+            <a:ext cx="645786" cy="3384376"/>
+          </a:xfrm>
+          <a:prstGeom prst="rect">
+            <a:avLst/>
+          </a:prstGeom>
+        </p:spPr>
+      </p:pic>
+      <p:pic>
+        <p:nvPicPr>
+          <p:cNvPr id="12" name="그림 11"/>
+          <p:cNvPicPr>
+            <a:picLocks noChangeAspect="1"/>
+          </p:cNvPicPr>
+          <p:nvPr/>
+        </p:nvPicPr>
+        <p:blipFill rotWithShape="1">
+          <a:blip r:embed="rId3">
+            <a:extLst>
+              <a:ext uri="{28A0092B-C50C-407E-A947-70E740481C1C}">
+                <a14:useLocalDpi xmlns:a14="http://schemas.microsoft.com/office/drawing/2010/main" val="0"/>
+              </a:ext>
+            </a:extLst>
+          </a:blip>
+          <a:srcRect l="40439"/>
+          <a:stretch/>
+        </p:blipFill>
+        <p:spPr>
+          <a:xfrm>
+            <a:off x="5358522" y="2976776"/>
+            <a:ext cx="3317934" cy="3384376"/>
+          </a:xfrm>
+          <a:prstGeom prst="rect">
+            <a:avLst/>
+          </a:prstGeom>
+        </p:spPr>
+      </p:pic>
+      <p:pic>
+        <p:nvPicPr>
+          <p:cNvPr id="13" name="그림 12"/>
           <p:cNvPicPr>
             <a:picLocks noChangeAspect="1"/>
           </p:cNvPicPr>
           <p:nvPr/>
         </p:nvPicPr>
         <p:blipFill>
-          <a:blip r:embed="rId2"/>
+          <a:blip r:embed="rId4">
+            <a:extLst>
+              <a:ext uri="{28A0092B-C50C-407E-A947-70E740481C1C}">
+                <a14:useLocalDpi xmlns:a14="http://schemas.microsoft.com/office/drawing/2010/main" val="0"/>
+              </a:ext>
+            </a:extLst>
+          </a:blip>
           <a:stretch>
             <a:fillRect/>
           </a:stretch>
         </p:blipFill>
         <p:spPr>
           <a:xfrm>
-            <a:off x="1449757" y="1670844"/>
-            <a:ext cx="6578627" cy="4998516"/>
+            <a:off x="602668" y="2101340"/>
+            <a:ext cx="5105276" cy="280242"/>
           </a:xfrm>
           <a:prstGeom prst="rect">
             <a:avLst/>
           </a:prstGeom>
         </p:spPr>
       </p:pic>
+      <p:sp>
+        <p:nvSpPr>
+          <p:cNvPr id="14" name="TextBox 13"/>
+          <p:cNvSpPr txBox="1"/>
+          <p:nvPr/>
+        </p:nvSpPr>
+        <p:spPr>
+          <a:xfrm>
+            <a:off x="509798" y="1626499"/>
+            <a:ext cx="4833374" cy="461665"/>
+          </a:xfrm>
+          <a:prstGeom prst="rect">
+            <a:avLst/>
+          </a:prstGeom>
+          <a:noFill/>
+        </p:spPr>
+        <p:txBody>
+          <a:bodyPr wrap="none" rtlCol="0">
+            <a:spAutoFit/>
+          </a:bodyPr>
+          <a:lstStyle/>
+          <a:p>
+            <a:r>
+              <a:rPr lang="ko-KR" altLang="en-US" sz="2400" dirty="0" smtClean="0"/>
+              <a:t>같은 코드를 포함한 블록의 </a:t>
+            </a:r>
+            <a:r>
+              <a:rPr lang="ko-KR" altLang="en-US" sz="2400" dirty="0" err="1" smtClean="0"/>
+              <a:t>일치율</a:t>
+            </a:r>
+            <a:endParaRPr lang="ko-KR" altLang="en-US" sz="2400" dirty="0"/>
+          </a:p>
+        </p:txBody>
+      </p:sp>
+      <p:sp>
+        <p:nvSpPr>
+          <p:cNvPr id="15" name="직사각형 14"/>
+          <p:cNvSpPr/>
+          <p:nvPr/>
+        </p:nvSpPr>
+        <p:spPr>
+          <a:xfrm>
+            <a:off x="477430" y="3366287"/>
+            <a:ext cx="3940821" cy="2459978"/>
+          </a:xfrm>
+          <a:prstGeom prst="rect">
+            <a:avLst/>
+          </a:prstGeom>
+          <a:noFill/>
+          <a:ln>
+            <a:solidFill>
+              <a:srgbClr val="FF0000"/>
+            </a:solidFill>
+          </a:ln>
+        </p:spPr>
+        <p:style>
+          <a:lnRef idx="2">
+            <a:schemeClr val="accent1">
+              <a:shade val="50000"/>
+            </a:schemeClr>
+          </a:lnRef>
+          <a:fillRef idx="1">
+            <a:schemeClr val="accent1"/>
+          </a:fillRef>
+          <a:effectRef idx="0">
+            <a:schemeClr val="accent1"/>
+          </a:effectRef>
+          <a:fontRef idx="minor">
+            <a:schemeClr val="lt1"/>
+          </a:fontRef>
+        </p:style>
+        <p:txBody>
+          <a:bodyPr rtlCol="0" anchor="ctr"/>
+          <a:lstStyle/>
+          <a:p>
+            <a:pPr algn="ctr"/>
+            <a:endParaRPr lang="ko-KR" altLang="en-US"/>
+          </a:p>
+        </p:txBody>
+      </p:sp>
+      <p:sp>
+        <p:nvSpPr>
+          <p:cNvPr id="16" name="직사각형 15"/>
+          <p:cNvSpPr/>
+          <p:nvPr/>
+        </p:nvSpPr>
+        <p:spPr>
+          <a:xfrm>
+            <a:off x="4700123" y="3866645"/>
+            <a:ext cx="3940821" cy="2459978"/>
+          </a:xfrm>
+          <a:prstGeom prst="rect">
+            <a:avLst/>
+          </a:prstGeom>
+          <a:noFill/>
+          <a:ln>
+            <a:solidFill>
+              <a:srgbClr val="FF0000"/>
+            </a:solidFill>
+          </a:ln>
+        </p:spPr>
+        <p:style>
+          <a:lnRef idx="2">
+            <a:schemeClr val="accent1">
+              <a:shade val="50000"/>
+            </a:schemeClr>
+          </a:lnRef>
+          <a:fillRef idx="1">
+            <a:schemeClr val="accent1"/>
+          </a:fillRef>
+          <a:effectRef idx="0">
+            <a:schemeClr val="accent1"/>
+          </a:effectRef>
+          <a:fontRef idx="minor">
+            <a:schemeClr val="lt1"/>
+          </a:fontRef>
+        </p:style>
+        <p:txBody>
+          <a:bodyPr rtlCol="0" anchor="ctr"/>
+          <a:lstStyle/>
+          <a:p>
+            <a:pPr algn="ctr"/>
+            <a:endParaRPr lang="ko-KR" altLang="en-US"/>
+          </a:p>
+        </p:txBody>
+      </p:sp>
     </p:spTree>
     <p:extLst>
       <p:ext uri="{BB962C8B-B14F-4D97-AF65-F5344CB8AC3E}">
-        <p14:creationId xmlns:p14="http://schemas.microsoft.com/office/powerpoint/2010/main" val="981766043"/>
+        <p14:creationId xmlns:p14="http://schemas.microsoft.com/office/powerpoint/2010/main" val="1073226153"/>
       </p:ext>
     </p:extLst>
   </p:cSld>
   <p:clrMapOvr>
     <a:masterClrMapping/>
   </p:clrMapOvr>
+  <p:timing>
+    <p:tnLst>
+      <p:par>
+        <p:cTn id="1" dur="indefinite" restart="never" nodeType="tmRoot"/>
+      </p:par>
+    </p:tnLst>
+  </p:timing>
 </p:sld>
 </file>
 
@@ -4744,12 +5304,763 @@
           <a:lstStyle/>
           <a:p>
             <a:r>
+              <a:rPr kumimoji="1" lang="ko-KR" altLang="en-US" dirty="0" smtClean="0"/>
+              <a:t>코드 블록 간 단순 패턴 매칭을 통한</a:t>
+            </a:r>
+            <a:r>
+              <a:rPr kumimoji="1" lang="en-US" altLang="ko-KR" dirty="0" smtClean="0"/>
+              <a:t/>
+            </a:r>
+            <a:br>
+              <a:rPr kumimoji="1" lang="en-US" altLang="ko-KR" dirty="0" smtClean="0"/>
+            </a:br>
+            <a:r>
+              <a:rPr kumimoji="1" lang="ko-KR" altLang="en-US" dirty="0" smtClean="0"/>
+              <a:t>유사도 분석</a:t>
+            </a:r>
+            <a:endParaRPr kumimoji="1" lang="ko-KR" altLang="en-US" dirty="0"/>
+          </a:p>
+        </p:txBody>
+      </p:sp>
+      <p:pic>
+        <p:nvPicPr>
+          <p:cNvPr id="3" name="그림 2"/>
+          <p:cNvPicPr>
+            <a:picLocks noChangeAspect="1"/>
+          </p:cNvPicPr>
+          <p:nvPr/>
+        </p:nvPicPr>
+        <p:blipFill>
+          <a:blip r:embed="rId2">
+            <a:extLst>
+              <a:ext uri="{28A0092B-C50C-407E-A947-70E740481C1C}">
+                <a14:useLocalDpi xmlns:a14="http://schemas.microsoft.com/office/drawing/2010/main" val="0"/>
+              </a:ext>
+            </a:extLst>
+          </a:blip>
+          <a:stretch>
+            <a:fillRect/>
+          </a:stretch>
+        </p:blipFill>
+        <p:spPr>
+          <a:xfrm>
+            <a:off x="619651" y="2135749"/>
+            <a:ext cx="4896545" cy="281141"/>
+          </a:xfrm>
+          <a:prstGeom prst="rect">
+            <a:avLst/>
+          </a:prstGeom>
+        </p:spPr>
+      </p:pic>
+      <p:graphicFrame>
+        <p:nvGraphicFramePr>
+          <p:cNvPr id="14" name="표 13"/>
+          <p:cNvGraphicFramePr>
+            <a:graphicFrameLocks noGrp="1"/>
+          </p:cNvGraphicFramePr>
+          <p:nvPr>
+            <p:extLst>
+              <p:ext uri="{D42A27DB-BD31-4B8C-83A1-F6EECF244321}">
+                <p14:modId xmlns:p14="http://schemas.microsoft.com/office/powerpoint/2010/main" val="1959908231"/>
+              </p:ext>
+            </p:extLst>
+          </p:nvPr>
+        </p:nvGraphicFramePr>
+        <p:xfrm>
+          <a:off x="331620" y="2429827"/>
+          <a:ext cx="8496944" cy="4056379"/>
+        </p:xfrm>
+        <a:graphic>
+          <a:graphicData uri="http://schemas.openxmlformats.org/drawingml/2006/table">
+            <a:tbl>
+              <a:tblPr firstRow="1" bandRow="1">
+                <a:tableStyleId>{5C22544A-7EE6-4342-B048-85BDC9FD1C3A}</a:tableStyleId>
+              </a:tblPr>
+              <a:tblGrid>
+                <a:gridCol w="4248472"/>
+                <a:gridCol w="4248472"/>
+              </a:tblGrid>
+              <a:tr h="341829">
+                <a:tc>
+                  <a:txBody>
+                    <a:bodyPr/>
+                    <a:lstStyle/>
+                    <a:p>
+                      <a:pPr latinLnBrk="1"/>
+                      <a:r>
+                        <a:rPr lang="en-US" altLang="ko-KR" dirty="0" smtClean="0"/>
+                        <a:t>MacBook</a:t>
+                      </a:r>
+                      <a:r>
+                        <a:rPr lang="en-US" altLang="ko-KR" baseline="0" dirty="0" smtClean="0"/>
+                        <a:t> Air EFI 2.9 </a:t>
+                      </a:r>
+                      <a:r>
+                        <a:rPr lang="ko-KR" altLang="en-US" baseline="0" dirty="0" smtClean="0"/>
+                        <a:t>펌웨어</a:t>
+                      </a:r>
+                      <a:endParaRPr lang="ko-KR" altLang="en-US" dirty="0"/>
+                    </a:p>
+                  </a:txBody>
+                  <a:tcPr/>
+                </a:tc>
+                <a:tc>
+                  <a:txBody>
+                    <a:bodyPr/>
+                    <a:lstStyle/>
+                    <a:p>
+                      <a:pPr latinLnBrk="1"/>
+                      <a:r>
+                        <a:rPr lang="en-US" altLang="ko-KR" dirty="0" smtClean="0"/>
+                        <a:t>EFI</a:t>
+                      </a:r>
+                      <a:r>
+                        <a:rPr lang="en-US" altLang="ko-KR" baseline="0" dirty="0" smtClean="0"/>
+                        <a:t> </a:t>
+                      </a:r>
+                      <a:r>
+                        <a:rPr lang="ko-KR" altLang="en-US" baseline="0" dirty="0" smtClean="0"/>
+                        <a:t>인터페이스 컴파일 결과물</a:t>
+                      </a:r>
+                      <a:endParaRPr lang="ko-KR" altLang="en-US" dirty="0"/>
+                    </a:p>
+                  </a:txBody>
+                  <a:tcPr/>
+                </a:tc>
+              </a:tr>
+              <a:tr h="3690619">
+                <a:tc>
+                  <a:txBody>
+                    <a:bodyPr/>
+                    <a:lstStyle/>
+                    <a:p>
+                      <a:pPr latinLnBrk="1"/>
+                      <a:endParaRPr lang="ko-KR" altLang="en-US" dirty="0"/>
+                    </a:p>
+                  </a:txBody>
+                  <a:tcPr/>
+                </a:tc>
+                <a:tc>
+                  <a:txBody>
+                    <a:bodyPr/>
+                    <a:lstStyle/>
+                    <a:p>
+                      <a:pPr latinLnBrk="1"/>
+                      <a:endParaRPr lang="ko-KR" altLang="en-US" dirty="0"/>
+                    </a:p>
+                  </a:txBody>
+                  <a:tcPr/>
+                </a:tc>
+              </a:tr>
+            </a:tbl>
+          </a:graphicData>
+        </a:graphic>
+      </p:graphicFrame>
+      <p:pic>
+        <p:nvPicPr>
+          <p:cNvPr id="15" name="내용 개체 틀 5"/>
+          <p:cNvPicPr>
+            <a:picLocks noGrp="1" noChangeAspect="1"/>
+          </p:cNvPicPr>
+          <p:nvPr>
+            <p:ph idx="1"/>
+          </p:nvPr>
+        </p:nvPicPr>
+        <p:blipFill rotWithShape="1">
+          <a:blip r:embed="rId3">
+            <a:extLst>
+              <a:ext uri="{28A0092B-C50C-407E-A947-70E740481C1C}">
+                <a14:useLocalDpi xmlns:a14="http://schemas.microsoft.com/office/drawing/2010/main" val="0"/>
+              </a:ext>
+            </a:extLst>
+          </a:blip>
+          <a:srcRect l="40722"/>
+          <a:stretch/>
+        </p:blipFill>
+        <p:spPr>
+          <a:xfrm>
+            <a:off x="1124563" y="3304450"/>
+            <a:ext cx="3353154" cy="2520280"/>
+          </a:xfrm>
+        </p:spPr>
+      </p:pic>
+      <p:pic>
+        <p:nvPicPr>
+          <p:cNvPr id="16" name="내용 개체 틀 5"/>
+          <p:cNvPicPr>
+            <a:picLocks noChangeAspect="1"/>
+          </p:cNvPicPr>
+          <p:nvPr/>
+        </p:nvPicPr>
+        <p:blipFill rotWithShape="1">
+          <a:blip r:embed="rId3">
+            <a:extLst>
+              <a:ext uri="{28A0092B-C50C-407E-A947-70E740481C1C}">
+                <a14:useLocalDpi xmlns:a14="http://schemas.microsoft.com/office/drawing/2010/main" val="0"/>
+              </a:ext>
+            </a:extLst>
+          </a:blip>
+          <a:srcRect r="88534"/>
+          <a:stretch/>
+        </p:blipFill>
+        <p:spPr>
+          <a:xfrm>
+            <a:off x="475636" y="3304450"/>
+            <a:ext cx="648927" cy="2520280"/>
+          </a:xfrm>
+          <a:prstGeom prst="rect">
+            <a:avLst/>
+          </a:prstGeom>
+        </p:spPr>
+      </p:pic>
+      <p:pic>
+        <p:nvPicPr>
+          <p:cNvPr id="8" name="그림 7"/>
+          <p:cNvPicPr>
+            <a:picLocks noChangeAspect="1"/>
+          </p:cNvPicPr>
+          <p:nvPr/>
+        </p:nvPicPr>
+        <p:blipFill rotWithShape="1">
+          <a:blip r:embed="rId4">
+            <a:extLst>
+              <a:ext uri="{28A0092B-C50C-407E-A947-70E740481C1C}">
+                <a14:useLocalDpi xmlns:a14="http://schemas.microsoft.com/office/drawing/2010/main" val="0"/>
+              </a:ext>
+            </a:extLst>
+          </a:blip>
+          <a:srcRect r="88556"/>
+          <a:stretch/>
+        </p:blipFill>
+        <p:spPr>
+          <a:xfrm>
+            <a:off x="4732802" y="2944410"/>
+            <a:ext cx="631583" cy="3330584"/>
+          </a:xfrm>
+          <a:prstGeom prst="rect">
+            <a:avLst/>
+          </a:prstGeom>
+        </p:spPr>
+      </p:pic>
+      <p:pic>
+        <p:nvPicPr>
+          <p:cNvPr id="18" name="그림 17"/>
+          <p:cNvPicPr>
+            <a:picLocks noChangeAspect="1"/>
+          </p:cNvPicPr>
+          <p:nvPr/>
+        </p:nvPicPr>
+        <p:blipFill rotWithShape="1">
+          <a:blip r:embed="rId4">
+            <a:extLst>
+              <a:ext uri="{28A0092B-C50C-407E-A947-70E740481C1C}">
+                <a14:useLocalDpi xmlns:a14="http://schemas.microsoft.com/office/drawing/2010/main" val="0"/>
+              </a:ext>
+            </a:extLst>
+          </a:blip>
+          <a:srcRect l="41661"/>
+          <a:stretch/>
+        </p:blipFill>
+        <p:spPr>
+          <a:xfrm>
+            <a:off x="5364385" y="2944410"/>
+            <a:ext cx="3219719" cy="3330584"/>
+          </a:xfrm>
+          <a:prstGeom prst="rect">
+            <a:avLst/>
+          </a:prstGeom>
+        </p:spPr>
+      </p:pic>
+      <p:sp>
+        <p:nvSpPr>
+          <p:cNvPr id="9" name="TextBox 8"/>
+          <p:cNvSpPr txBox="1"/>
+          <p:nvPr/>
+        </p:nvSpPr>
+        <p:spPr>
+          <a:xfrm>
+            <a:off x="509798" y="1626499"/>
+            <a:ext cx="4217821" cy="461665"/>
+          </a:xfrm>
+          <a:prstGeom prst="rect">
+            <a:avLst/>
+          </a:prstGeom>
+          <a:noFill/>
+        </p:spPr>
+        <p:txBody>
+          <a:bodyPr wrap="none" rtlCol="0">
+            <a:spAutoFit/>
+          </a:bodyPr>
+          <a:lstStyle/>
+          <a:p>
+            <a:r>
+              <a:rPr lang="ko-KR" altLang="en-US" sz="2400" dirty="0" smtClean="0"/>
+              <a:t>서로 다른 코드 블록의 </a:t>
+            </a:r>
+            <a:r>
+              <a:rPr lang="ko-KR" altLang="en-US" sz="2400" dirty="0" err="1" smtClean="0"/>
+              <a:t>일치율</a:t>
+            </a:r>
+            <a:endParaRPr lang="ko-KR" altLang="en-US" sz="2400" dirty="0"/>
+          </a:p>
+        </p:txBody>
+      </p:sp>
+    </p:spTree>
+    <p:extLst>
+      <p:ext uri="{BB962C8B-B14F-4D97-AF65-F5344CB8AC3E}">
+        <p14:creationId xmlns:p14="http://schemas.microsoft.com/office/powerpoint/2010/main" val="735868641"/>
+      </p:ext>
+    </p:extLst>
+  </p:cSld>
+  <p:clrMapOvr>
+    <a:masterClrMapping/>
+  </p:clrMapOvr>
+  <p:timing>
+    <p:tnLst>
+      <p:par>
+        <p:cTn id="1" dur="indefinite" restart="never" nodeType="tmRoot"/>
+      </p:par>
+    </p:tnLst>
+  </p:timing>
+</p:sld>
+</file>
+
+<file path=ppt/slides/slide12.xml><?xml version="1.0" encoding="utf-8"?>
+<p:sld xmlns:a="http://schemas.openxmlformats.org/drawingml/2006/main" xmlns:r="http://schemas.openxmlformats.org/officeDocument/2006/relationships" xmlns:p="http://schemas.openxmlformats.org/presentationml/2006/main">
+  <p:cSld>
+    <p:spTree>
+      <p:nvGrpSpPr>
+        <p:cNvPr id="1" name=""/>
+        <p:cNvGrpSpPr/>
+        <p:nvPr/>
+      </p:nvGrpSpPr>
+      <p:grpSpPr>
+        <a:xfrm>
+          <a:off x="0" y="0"/>
+          <a:ext cx="0" cy="0"/>
+          <a:chOff x="0" y="0"/>
+          <a:chExt cx="0" cy="0"/>
+        </a:xfrm>
+      </p:grpSpPr>
+      <p:sp>
+        <p:nvSpPr>
+          <p:cNvPr id="2" name="제목 1"/>
+          <p:cNvSpPr>
+            <a:spLocks noGrp="1"/>
+          </p:cNvSpPr>
+          <p:nvPr>
+            <p:ph type="title"/>
+          </p:nvPr>
+        </p:nvSpPr>
+        <p:spPr/>
+        <p:txBody>
+          <a:bodyPr>
+            <a:normAutofit fontScale="90000"/>
+          </a:bodyPr>
+          <a:lstStyle/>
+          <a:p>
+            <a:r>
+              <a:rPr kumimoji="1" lang="en-US" altLang="ko-KR" dirty="0" smtClean="0"/>
+              <a:t>Flow Graph</a:t>
+            </a:r>
+            <a:r>
+              <a:rPr kumimoji="1" lang="ko-KR" altLang="en-US" dirty="0" smtClean="0"/>
+              <a:t>의 코드 </a:t>
+            </a:r>
+            <a:r>
+              <a:rPr kumimoji="1" lang="ko-KR" altLang="en-US" dirty="0"/>
+              <a:t>블록 간 단순 </a:t>
+            </a:r>
+            <a:r>
+              <a:rPr kumimoji="1" lang="ko-KR" altLang="en-US" dirty="0" smtClean="0"/>
+              <a:t>패턴</a:t>
+            </a:r>
+            <a:r>
+              <a:rPr kumimoji="1" lang="en-US" altLang="ko-KR" dirty="0" smtClean="0"/>
+              <a:t/>
+            </a:r>
+            <a:br>
+              <a:rPr kumimoji="1" lang="en-US" altLang="ko-KR" dirty="0" smtClean="0"/>
+            </a:br>
+            <a:r>
+              <a:rPr kumimoji="1" lang="ko-KR" altLang="en-US" dirty="0" err="1" smtClean="0"/>
+              <a:t>매칭을</a:t>
+            </a:r>
+            <a:r>
+              <a:rPr kumimoji="1" lang="ko-KR" altLang="en-US" dirty="0" smtClean="0"/>
+              <a:t> 통한 유사도 </a:t>
+            </a:r>
+            <a:r>
+              <a:rPr kumimoji="1" lang="ko-KR" altLang="en-US" dirty="0"/>
+              <a:t>분석</a:t>
+            </a:r>
+          </a:p>
+        </p:txBody>
+      </p:sp>
+      <p:pic>
+        <p:nvPicPr>
+          <p:cNvPr id="8" name="그림 7"/>
+          <p:cNvPicPr>
+            <a:picLocks noChangeAspect="1"/>
+          </p:cNvPicPr>
+          <p:nvPr/>
+        </p:nvPicPr>
+        <p:blipFill>
+          <a:blip r:embed="rId2"/>
+          <a:stretch>
+            <a:fillRect/>
+          </a:stretch>
+        </p:blipFill>
+        <p:spPr>
+          <a:xfrm>
+            <a:off x="1251453" y="1670844"/>
+            <a:ext cx="6578627" cy="4998516"/>
+          </a:xfrm>
+          <a:prstGeom prst="rect">
+            <a:avLst/>
+          </a:prstGeom>
+        </p:spPr>
+      </p:pic>
+      <p:cxnSp>
+        <p:nvCxnSpPr>
+          <p:cNvPr id="18" name="꺾인 연결선 17"/>
+          <p:cNvCxnSpPr/>
+          <p:nvPr/>
+        </p:nvCxnSpPr>
+        <p:spPr>
+          <a:xfrm>
+            <a:off x="4681193" y="2573267"/>
+            <a:ext cx="3058790" cy="161841"/>
+          </a:xfrm>
+          <a:prstGeom prst="bentConnector3">
+            <a:avLst>
+              <a:gd name="adj1" fmla="val -265"/>
+            </a:avLst>
+          </a:prstGeom>
+          <a:ln w="25400">
+            <a:solidFill>
+              <a:srgbClr val="FF0000"/>
+            </a:solidFill>
+          </a:ln>
+        </p:spPr>
+        <p:style>
+          <a:lnRef idx="1">
+            <a:schemeClr val="accent1"/>
+          </a:lnRef>
+          <a:fillRef idx="0">
+            <a:schemeClr val="accent1"/>
+          </a:fillRef>
+          <a:effectRef idx="0">
+            <a:schemeClr val="accent1"/>
+          </a:effectRef>
+          <a:fontRef idx="minor">
+            <a:schemeClr val="tx1"/>
+          </a:fontRef>
+        </p:style>
+      </p:cxnSp>
+      <p:cxnSp>
+        <p:nvCxnSpPr>
+          <p:cNvPr id="22" name="꺾인 연결선 21"/>
+          <p:cNvCxnSpPr/>
+          <p:nvPr/>
+        </p:nvCxnSpPr>
+        <p:spPr>
+          <a:xfrm rot="10800000" flipV="1">
+            <a:off x="4656918" y="2743197"/>
+            <a:ext cx="3083071" cy="1221899"/>
+          </a:xfrm>
+          <a:prstGeom prst="bentConnector3">
+            <a:avLst>
+              <a:gd name="adj1" fmla="val 394"/>
+            </a:avLst>
+          </a:prstGeom>
+          <a:ln w="25400">
+            <a:solidFill>
+              <a:srgbClr val="FF0000"/>
+            </a:solidFill>
+          </a:ln>
+        </p:spPr>
+        <p:style>
+          <a:lnRef idx="1">
+            <a:schemeClr val="accent1"/>
+          </a:lnRef>
+          <a:fillRef idx="0">
+            <a:schemeClr val="accent1"/>
+          </a:fillRef>
+          <a:effectRef idx="0">
+            <a:schemeClr val="accent1"/>
+          </a:effectRef>
+          <a:fontRef idx="minor">
+            <a:schemeClr val="tx1"/>
+          </a:fontRef>
+        </p:style>
+      </p:cxnSp>
+      <p:cxnSp>
+        <p:nvCxnSpPr>
+          <p:cNvPr id="31" name="직선 화살표 연결선 30"/>
+          <p:cNvCxnSpPr/>
+          <p:nvPr/>
+        </p:nvCxnSpPr>
+        <p:spPr>
+          <a:xfrm rot="16200000" flipH="1">
+            <a:off x="4559813" y="4062201"/>
+            <a:ext cx="194213" cy="2"/>
+          </a:xfrm>
+          <a:prstGeom prst="straightConnector1">
+            <a:avLst/>
+          </a:prstGeom>
+          <a:ln w="25400">
+            <a:solidFill>
+              <a:srgbClr val="FF0000"/>
+            </a:solidFill>
+            <a:tailEnd type="arrow"/>
+          </a:ln>
+        </p:spPr>
+        <p:style>
+          <a:lnRef idx="1">
+            <a:schemeClr val="accent1"/>
+          </a:lnRef>
+          <a:fillRef idx="0">
+            <a:schemeClr val="accent1"/>
+          </a:fillRef>
+          <a:effectRef idx="0">
+            <a:schemeClr val="accent1"/>
+          </a:effectRef>
+          <a:fontRef idx="minor">
+            <a:schemeClr val="tx1"/>
+          </a:fontRef>
+        </p:style>
+      </p:cxnSp>
+    </p:spTree>
+    <p:extLst>
+      <p:ext uri="{BB962C8B-B14F-4D97-AF65-F5344CB8AC3E}">
+        <p14:creationId xmlns:p14="http://schemas.microsoft.com/office/powerpoint/2010/main" val="981766043"/>
+      </p:ext>
+    </p:extLst>
+  </p:cSld>
+  <p:clrMapOvr>
+    <a:masterClrMapping/>
+  </p:clrMapOvr>
+  <p:timing>
+    <p:tnLst>
+      <p:par>
+        <p:cTn id="1" dur="indefinite" restart="never" nodeType="tmRoot">
+          <p:childTnLst>
+            <p:seq concurrent="1" nextAc="seek">
+              <p:cTn id="2" dur="indefinite" nodeType="mainSeq">
+                <p:childTnLst>
+                  <p:par>
+                    <p:cTn id="3" fill="hold">
+                      <p:stCondLst>
+                        <p:cond delay="indefinite"/>
+                      </p:stCondLst>
+                      <p:childTnLst>
+                        <p:par>
+                          <p:cTn id="4" fill="hold">
+                            <p:stCondLst>
+                              <p:cond delay="0"/>
+                            </p:stCondLst>
+                            <p:childTnLst>
+                              <p:par>
+                                <p:cTn id="5" presetID="10" presetClass="entr" presetSubtype="0" fill="hold" nodeType="clickEffect">
+                                  <p:stCondLst>
+                                    <p:cond delay="0"/>
+                                  </p:stCondLst>
+                                  <p:childTnLst>
+                                    <p:set>
+                                      <p:cBhvr>
+                                        <p:cTn id="6" dur="1" fill="hold">
+                                          <p:stCondLst>
+                                            <p:cond delay="0"/>
+                                          </p:stCondLst>
+                                        </p:cTn>
+                                        <p:tgtEl>
+                                          <p:spTgt spid="18"/>
+                                        </p:tgtEl>
+                                        <p:attrNameLst>
+                                          <p:attrName>style.visibility</p:attrName>
+                                        </p:attrNameLst>
+                                      </p:cBhvr>
+                                      <p:to>
+                                        <p:strVal val="visible"/>
+                                      </p:to>
+                                    </p:set>
+                                    <p:animEffect transition="in" filter="fade">
+                                      <p:cBhvr>
+                                        <p:cTn id="7" dur="2000"/>
+                                        <p:tgtEl>
+                                          <p:spTgt spid="18"/>
+                                        </p:tgtEl>
+                                      </p:cBhvr>
+                                    </p:animEffect>
+                                  </p:childTnLst>
+                                </p:cTn>
+                              </p:par>
+                              <p:par>
+                                <p:cTn id="8" presetID="10" presetClass="entr" presetSubtype="0" fill="hold" nodeType="withEffect">
+                                  <p:stCondLst>
+                                    <p:cond delay="0"/>
+                                  </p:stCondLst>
+                                  <p:childTnLst>
+                                    <p:set>
+                                      <p:cBhvr>
+                                        <p:cTn id="9" dur="1" fill="hold">
+                                          <p:stCondLst>
+                                            <p:cond delay="0"/>
+                                          </p:stCondLst>
+                                        </p:cTn>
+                                        <p:tgtEl>
+                                          <p:spTgt spid="22"/>
+                                        </p:tgtEl>
+                                        <p:attrNameLst>
+                                          <p:attrName>style.visibility</p:attrName>
+                                        </p:attrNameLst>
+                                      </p:cBhvr>
+                                      <p:to>
+                                        <p:strVal val="visible"/>
+                                      </p:to>
+                                    </p:set>
+                                    <p:animEffect transition="in" filter="fade">
+                                      <p:cBhvr>
+                                        <p:cTn id="10" dur="2000"/>
+                                        <p:tgtEl>
+                                          <p:spTgt spid="22"/>
+                                        </p:tgtEl>
+                                      </p:cBhvr>
+                                    </p:animEffect>
+                                  </p:childTnLst>
+                                </p:cTn>
+                              </p:par>
+                              <p:par>
+                                <p:cTn id="11" presetID="10" presetClass="entr" presetSubtype="0" fill="hold" nodeType="withEffect">
+                                  <p:stCondLst>
+                                    <p:cond delay="0"/>
+                                  </p:stCondLst>
+                                  <p:childTnLst>
+                                    <p:set>
+                                      <p:cBhvr>
+                                        <p:cTn id="12" dur="1" fill="hold">
+                                          <p:stCondLst>
+                                            <p:cond delay="0"/>
+                                          </p:stCondLst>
+                                        </p:cTn>
+                                        <p:tgtEl>
+                                          <p:spTgt spid="31"/>
+                                        </p:tgtEl>
+                                        <p:attrNameLst>
+                                          <p:attrName>style.visibility</p:attrName>
+                                        </p:attrNameLst>
+                                      </p:cBhvr>
+                                      <p:to>
+                                        <p:strVal val="visible"/>
+                                      </p:to>
+                                    </p:set>
+                                    <p:animEffect transition="in" filter="fade">
+                                      <p:cBhvr>
+                                        <p:cTn id="13" dur="2000"/>
+                                        <p:tgtEl>
+                                          <p:spTgt spid="31"/>
+                                        </p:tgtEl>
+                                      </p:cBhvr>
+                                    </p:animEffect>
+                                  </p:childTnLst>
+                                </p:cTn>
+                              </p:par>
+                            </p:childTnLst>
+                          </p:cTn>
+                        </p:par>
+                      </p:childTnLst>
+                    </p:cTn>
+                  </p:par>
+                </p:childTnLst>
+              </p:cTn>
+              <p:prevCondLst>
+                <p:cond evt="onPrev" delay="0">
+                  <p:tgtEl>
+                    <p:sldTgt/>
+                  </p:tgtEl>
+                </p:cond>
+              </p:prevCondLst>
+              <p:nextCondLst>
+                <p:cond evt="onNext" delay="0">
+                  <p:tgtEl>
+                    <p:sldTgt/>
+                  </p:tgtEl>
+                </p:cond>
+              </p:nextCondLst>
+            </p:seq>
+          </p:childTnLst>
+        </p:cTn>
+      </p:par>
+    </p:tnLst>
+  </p:timing>
+</p:sld>
+</file>
+
+<file path=ppt/slides/slide13.xml><?xml version="1.0" encoding="utf-8"?>
+<p:sld xmlns:a="http://schemas.openxmlformats.org/drawingml/2006/main" xmlns:r="http://schemas.openxmlformats.org/officeDocument/2006/relationships" xmlns:p="http://schemas.openxmlformats.org/presentationml/2006/main">
+  <p:cSld>
+    <p:spTree>
+      <p:nvGrpSpPr>
+        <p:cNvPr id="1" name=""/>
+        <p:cNvGrpSpPr/>
+        <p:nvPr/>
+      </p:nvGrpSpPr>
+      <p:grpSpPr>
+        <a:xfrm>
+          <a:off x="0" y="0"/>
+          <a:ext cx="0" cy="0"/>
+          <a:chOff x="0" y="0"/>
+          <a:chExt cx="0" cy="0"/>
+        </a:xfrm>
+      </p:grpSpPr>
+      <p:sp>
+        <p:nvSpPr>
+          <p:cNvPr id="2" name="제목 1"/>
+          <p:cNvSpPr>
+            <a:spLocks noGrp="1"/>
+          </p:cNvSpPr>
+          <p:nvPr>
+            <p:ph type="title"/>
+          </p:nvPr>
+        </p:nvSpPr>
+        <p:spPr/>
+        <p:txBody>
+          <a:bodyPr>
+            <a:normAutofit fontScale="90000"/>
+          </a:bodyPr>
+          <a:lstStyle/>
+          <a:p>
+            <a:r>
               <a:rPr kumimoji="1" lang="en-US" altLang="ko-KR" dirty="0"/>
               <a:t>Flow Graph</a:t>
             </a:r>
             <a:r>
               <a:rPr kumimoji="1" lang="ko-KR" altLang="en-US" dirty="0"/>
-              <a:t>의 코드 블록 간 단순 패턴 매칭을 통한 유사도 분석</a:t>
+              <a:t>의 코드 블록 간 단순 </a:t>
+            </a:r>
+            <a:r>
+              <a:rPr kumimoji="1" lang="ko-KR" altLang="en-US" dirty="0" smtClean="0"/>
+              <a:t>패턴</a:t>
+            </a:r>
+            <a:r>
+              <a:rPr kumimoji="1" lang="en-US" altLang="ko-KR" dirty="0" smtClean="0"/>
+              <a:t/>
+            </a:r>
+            <a:br>
+              <a:rPr kumimoji="1" lang="en-US" altLang="ko-KR" dirty="0" smtClean="0"/>
+            </a:br>
+            <a:r>
+              <a:rPr kumimoji="1" lang="ko-KR" altLang="en-US" dirty="0" err="1" smtClean="0"/>
+              <a:t>매칭을</a:t>
+            </a:r>
+            <a:r>
+              <a:rPr kumimoji="1" lang="ko-KR" altLang="en-US" dirty="0" smtClean="0"/>
+              <a:t> </a:t>
+            </a:r>
+            <a:r>
+              <a:rPr kumimoji="1" lang="ko-KR" altLang="en-US" dirty="0"/>
+              <a:t>통한 유사도 분석</a:t>
             </a:r>
           </a:p>
         </p:txBody>
@@ -4766,12 +6077,14 @@
         </p:nvSpPr>
         <p:spPr>
           <a:xfrm>
-            <a:off x="457200" y="1600200"/>
-            <a:ext cx="8229600" cy="1324744"/>
+            <a:off x="457200" y="1600199"/>
+            <a:ext cx="8229600" cy="1693259"/>
           </a:xfrm>
         </p:spPr>
         <p:txBody>
-          <a:bodyPr/>
+          <a:bodyPr>
+            <a:normAutofit/>
+          </a:bodyPr>
           <a:lstStyle/>
           <a:p>
             <a:r>
@@ -4814,28 +6127,12 @@
           </a:p>
           <a:p>
             <a:r>
+              <a:rPr kumimoji="1" lang="ko-KR" altLang="en-US" dirty="0" err="1" smtClean="0"/>
+              <a:t>역어셈블된</a:t>
+            </a:r>
+            <a:r>
               <a:rPr kumimoji="1" lang="ko-KR" altLang="en-US" dirty="0" smtClean="0"/>
-              <a:t>코드 블록 별로 </a:t>
-            </a:r>
-            <a:r>
-              <a:rPr kumimoji="1" lang="en-US" altLang="ko-KR" dirty="0" smtClean="0"/>
-              <a:t>opcode</a:t>
-            </a:r>
-            <a:r>
-              <a:rPr kumimoji="1" lang="ko-KR" altLang="en-US" dirty="0" smtClean="0"/>
-              <a:t>의 패턴만 비교</a:t>
-            </a:r>
-            <a:r>
-              <a:rPr kumimoji="1" lang="en-US" altLang="ko-KR" dirty="0" smtClean="0"/>
-              <a:t>(operand </a:t>
-            </a:r>
-            <a:r>
-              <a:rPr kumimoji="1" lang="ko-KR" altLang="en-US" dirty="0" smtClean="0"/>
-              <a:t>무시</a:t>
-            </a:r>
-            <a:r>
-              <a:rPr kumimoji="1" lang="en-US" altLang="ko-KR" dirty="0" smtClean="0"/>
-              <a:t>)</a:t>
+              <a:t> 코드를 한번 더 읽으면서 점프 당하는 주소를 기준으로 자동 블록화</a:t>
             </a:r>
             <a:endParaRPr kumimoji="1" lang="ko-KR" altLang="en-US" dirty="0"/>
           </a:p>
@@ -4856,7 +6153,7 @@
           </p:nvPr>
         </p:nvGraphicFramePr>
         <p:xfrm>
-          <a:off x="251520" y="3140968"/>
+          <a:off x="251520" y="3294716"/>
           <a:ext cx="8712968" cy="3187580"/>
         </p:xfrm>
         <a:graphic>
@@ -4961,7 +6258,7 @@
         </p:blipFill>
         <p:spPr>
           <a:xfrm>
-            <a:off x="344882" y="3861048"/>
+            <a:off x="4699369" y="3995410"/>
             <a:ext cx="4155110" cy="2174751"/>
           </a:xfrm>
           <a:prstGeom prst="rect">
@@ -4985,7 +6282,7 @@
         </p:blipFill>
         <p:spPr>
           <a:xfrm>
-            <a:off x="4717392" y="3885307"/>
+            <a:off x="457200" y="4034180"/>
             <a:ext cx="4003438" cy="2135981"/>
           </a:xfrm>
           <a:prstGeom prst="rect">
@@ -5003,10 +6300,17 @@
   <p:clrMapOvr>
     <a:masterClrMapping/>
   </p:clrMapOvr>
+  <p:timing>
+    <p:tnLst>
+      <p:par>
+        <p:cTn id="1" dur="indefinite" restart="never" nodeType="tmRoot"/>
+      </p:par>
+    </p:tnLst>
+  </p:timing>
 </p:sld>
 </file>
 
-<file path=ppt/slides/slide12.xml><?xml version="1.0" encoding="utf-8"?>
+<file path=ppt/slides/slide14.xml><?xml version="1.0" encoding="utf-8"?>
 <p:sld xmlns:a="http://schemas.openxmlformats.org/drawingml/2006/main" xmlns:r="http://schemas.openxmlformats.org/officeDocument/2006/relationships" xmlns:p="http://schemas.openxmlformats.org/presentationml/2006/main">
   <p:cSld>
     <p:spTree>
@@ -5046,7 +6350,200 @@
             </a:r>
             <a:r>
               <a:rPr kumimoji="1" lang="ko-KR" altLang="en-US" dirty="0"/>
-              <a:t>의 코드 블록 간 단순 패턴 매칭을 통한 유사도 분석</a:t>
+              <a:t>의 코드 블록 간 단순 </a:t>
+            </a:r>
+            <a:r>
+              <a:rPr kumimoji="1" lang="ko-KR" altLang="en-US" dirty="0" smtClean="0"/>
+              <a:t>패턴</a:t>
+            </a:r>
+            <a:r>
+              <a:rPr kumimoji="1" lang="en-US" altLang="ko-KR" dirty="0" smtClean="0"/>
+              <a:t/>
+            </a:r>
+            <a:br>
+              <a:rPr kumimoji="1" lang="en-US" altLang="ko-KR" dirty="0" smtClean="0"/>
+            </a:br>
+            <a:r>
+              <a:rPr kumimoji="1" lang="ko-KR" altLang="en-US" dirty="0" err="1" smtClean="0"/>
+              <a:t>매칭을</a:t>
+            </a:r>
+            <a:r>
+              <a:rPr kumimoji="1" lang="ko-KR" altLang="en-US" dirty="0" smtClean="0"/>
+              <a:t> </a:t>
+            </a:r>
+            <a:r>
+              <a:rPr kumimoji="1" lang="ko-KR" altLang="en-US" dirty="0"/>
+              <a:t>통한 유사도 분석</a:t>
+            </a:r>
+          </a:p>
+        </p:txBody>
+      </p:sp>
+      <p:pic>
+        <p:nvPicPr>
+          <p:cNvPr id="12" name="그림 11"/>
+          <p:cNvPicPr>
+            <a:picLocks noChangeAspect="1"/>
+          </p:cNvPicPr>
+          <p:nvPr/>
+        </p:nvPicPr>
+        <p:blipFill>
+          <a:blip r:embed="rId2">
+            <a:extLst>
+              <a:ext uri="{28A0092B-C50C-407E-A947-70E740481C1C}">
+                <a14:useLocalDpi xmlns:a14="http://schemas.microsoft.com/office/drawing/2010/main" val="0"/>
+              </a:ext>
+            </a:extLst>
+          </a:blip>
+          <a:stretch>
+            <a:fillRect/>
+          </a:stretch>
+        </p:blipFill>
+        <p:spPr>
+          <a:xfrm>
+            <a:off x="715316" y="1689254"/>
+            <a:ext cx="4210000" cy="5031036"/>
+          </a:xfrm>
+          <a:prstGeom prst="rect">
+            <a:avLst/>
+          </a:prstGeom>
+        </p:spPr>
+      </p:pic>
+      <p:sp>
+        <p:nvSpPr>
+          <p:cNvPr id="16" name="내용 개체 틀 2"/>
+          <p:cNvSpPr>
+            <a:spLocks noGrp="1"/>
+          </p:cNvSpPr>
+          <p:nvPr>
+            <p:ph idx="1"/>
+          </p:nvPr>
+        </p:nvSpPr>
+        <p:spPr>
+          <a:xfrm>
+            <a:off x="5056742" y="2423710"/>
+            <a:ext cx="3630058" cy="3360145"/>
+          </a:xfrm>
+        </p:spPr>
+        <p:txBody>
+          <a:bodyPr/>
+          <a:lstStyle/>
+          <a:p>
+            <a:r>
+              <a:rPr kumimoji="1" lang="ko-KR" altLang="en-US" dirty="0" smtClean="0"/>
+              <a:t>유사도 분석 결과 화면</a:t>
+            </a:r>
+            <a:endParaRPr kumimoji="1" lang="en-US" altLang="ko-KR" dirty="0" smtClean="0"/>
+          </a:p>
+          <a:p>
+            <a:endParaRPr kumimoji="1" lang="en-US" altLang="ko-KR" dirty="0"/>
+          </a:p>
+          <a:p>
+            <a:r>
+              <a:rPr kumimoji="1" lang="ko-KR" altLang="en-US" dirty="0" smtClean="0"/>
+              <a:t>각 블록이 몇 퍼센트의 일치율을 보이는지 분석</a:t>
+            </a:r>
+            <a:endParaRPr kumimoji="1" lang="en-US" altLang="ko-KR" dirty="0" smtClean="0"/>
+          </a:p>
+          <a:p>
+            <a:endParaRPr kumimoji="1" lang="en-US" altLang="ko-KR" dirty="0"/>
+          </a:p>
+          <a:p>
+            <a:r>
+              <a:rPr kumimoji="1" lang="en-US" altLang="ko-KR" dirty="0" smtClean="0"/>
+              <a:t>70%</a:t>
+            </a:r>
+            <a:r>
+              <a:rPr kumimoji="1" lang="ko-KR" altLang="en-US" dirty="0" smtClean="0"/>
+              <a:t> 이상의 일치율만 출력</a:t>
+            </a:r>
+            <a:endParaRPr kumimoji="1" lang="ko-KR" altLang="en-US" dirty="0"/>
+          </a:p>
+        </p:txBody>
+      </p:sp>
+    </p:spTree>
+    <p:extLst>
+      <p:ext uri="{BB962C8B-B14F-4D97-AF65-F5344CB8AC3E}">
+        <p14:creationId xmlns:p14="http://schemas.microsoft.com/office/powerpoint/2010/main" val="1250878024"/>
+      </p:ext>
+    </p:extLst>
+  </p:cSld>
+  <p:clrMapOvr>
+    <a:masterClrMapping/>
+  </p:clrMapOvr>
+  <p:timing>
+    <p:tnLst>
+      <p:par>
+        <p:cTn id="1" dur="indefinite" restart="never" nodeType="tmRoot"/>
+      </p:par>
+    </p:tnLst>
+  </p:timing>
+</p:sld>
+</file>
+
+<file path=ppt/slides/slide15.xml><?xml version="1.0" encoding="utf-8"?>
+<p:sld xmlns:a="http://schemas.openxmlformats.org/drawingml/2006/main" xmlns:r="http://schemas.openxmlformats.org/officeDocument/2006/relationships" xmlns:p="http://schemas.openxmlformats.org/presentationml/2006/main">
+  <p:cSld>
+    <p:spTree>
+      <p:nvGrpSpPr>
+        <p:cNvPr id="1" name=""/>
+        <p:cNvGrpSpPr/>
+        <p:nvPr/>
+      </p:nvGrpSpPr>
+      <p:grpSpPr>
+        <a:xfrm>
+          <a:off x="0" y="0"/>
+          <a:ext cx="0" cy="0"/>
+          <a:chOff x="0" y="0"/>
+          <a:chExt cx="0" cy="0"/>
+        </a:xfrm>
+      </p:grpSpPr>
+      <p:sp>
+        <p:nvSpPr>
+          <p:cNvPr id="2" name="제목 1"/>
+          <p:cNvSpPr>
+            <a:spLocks noGrp="1"/>
+          </p:cNvSpPr>
+          <p:nvPr>
+            <p:ph type="title"/>
+          </p:nvPr>
+        </p:nvSpPr>
+        <p:spPr/>
+        <p:txBody>
+          <a:bodyPr>
+            <a:normAutofit fontScale="90000"/>
+          </a:bodyPr>
+          <a:lstStyle/>
+          <a:p>
+            <a:r>
+              <a:rPr kumimoji="1" lang="en-US" altLang="ko-KR" dirty="0"/>
+              <a:t>Flow Graph</a:t>
+            </a:r>
+            <a:r>
+              <a:rPr kumimoji="1" lang="ko-KR" altLang="en-US" dirty="0"/>
+              <a:t>의 코드 블록 간 단순 </a:t>
+            </a:r>
+            <a:r>
+              <a:rPr kumimoji="1" lang="ko-KR" altLang="en-US" dirty="0" smtClean="0"/>
+              <a:t>패턴</a:t>
+            </a:r>
+            <a:r>
+              <a:rPr kumimoji="1" lang="en-US" altLang="ko-KR" dirty="0" smtClean="0"/>
+              <a:t/>
+            </a:r>
+            <a:br>
+              <a:rPr kumimoji="1" lang="en-US" altLang="ko-KR" dirty="0" smtClean="0"/>
+            </a:br>
+            <a:r>
+              <a:rPr kumimoji="1" lang="ko-KR" altLang="en-US" dirty="0" err="1" smtClean="0"/>
+              <a:t>매칭을</a:t>
+            </a:r>
+            <a:r>
+              <a:rPr kumimoji="1" lang="ko-KR" altLang="en-US" dirty="0" smtClean="0"/>
+              <a:t> </a:t>
+            </a:r>
+            <a:r>
+              <a:rPr kumimoji="1" lang="ko-KR" altLang="en-US" dirty="0"/>
+              <a:t>통한 유사도 분석</a:t>
             </a:r>
           </a:p>
         </p:txBody>
@@ -5062,7 +6559,7 @@
           </p:nvPr>
         </p:nvGraphicFramePr>
         <p:xfrm>
-          <a:off x="323528" y="2060848"/>
+          <a:off x="323528" y="2392620"/>
           <a:ext cx="8496944" cy="4104456"/>
         </p:xfrm>
         <a:graphic>
@@ -5174,7 +6671,7 @@
         </p:blipFill>
         <p:spPr>
           <a:xfrm>
-            <a:off x="1116471" y="2996952"/>
+            <a:off x="1116471" y="3328724"/>
             <a:ext cx="3353154" cy="2520280"/>
           </a:xfrm>
         </p:spPr>
@@ -5200,7 +6697,7 @@
         </p:blipFill>
         <p:spPr>
           <a:xfrm>
-            <a:off x="467544" y="2996952"/>
+            <a:off x="467544" y="3328724"/>
             <a:ext cx="648927" cy="2520280"/>
           </a:xfrm>
           <a:prstGeom prst="rect">
@@ -5230,7 +6727,7 @@
         </p:blipFill>
         <p:spPr>
           <a:xfrm>
-            <a:off x="576560" y="1650132"/>
+            <a:off x="576560" y="2111376"/>
             <a:ext cx="5435600" cy="266700"/>
           </a:xfrm>
           <a:prstGeom prst="rect">
@@ -5259,7 +6756,7 @@
         </p:blipFill>
         <p:spPr>
           <a:xfrm>
-            <a:off x="4644008" y="2996952"/>
+            <a:off x="4644008" y="3328724"/>
             <a:ext cx="692877" cy="2520280"/>
           </a:xfrm>
           <a:prstGeom prst="rect">
@@ -5288,7 +6785,7 @@
         </p:blipFill>
         <p:spPr>
           <a:xfrm>
-            <a:off x="5336885" y="2996952"/>
+            <a:off x="5336885" y="3328724"/>
             <a:ext cx="3418922" cy="2520280"/>
           </a:xfrm>
           <a:prstGeom prst="rect">
@@ -5296,20 +6793,61 @@
           </a:prstGeom>
         </p:spPr>
       </p:pic>
+      <p:sp>
+        <p:nvSpPr>
+          <p:cNvPr id="11" name="TextBox 10"/>
+          <p:cNvSpPr txBox="1"/>
+          <p:nvPr/>
+        </p:nvSpPr>
+        <p:spPr>
+          <a:xfrm>
+            <a:off x="509798" y="1626499"/>
+            <a:ext cx="3517310" cy="461665"/>
+          </a:xfrm>
+          <a:prstGeom prst="rect">
+            <a:avLst/>
+          </a:prstGeom>
+          <a:noFill/>
+        </p:spPr>
+        <p:txBody>
+          <a:bodyPr wrap="none" rtlCol="0">
+            <a:spAutoFit/>
+          </a:bodyPr>
+          <a:lstStyle/>
+          <a:p>
+            <a:r>
+              <a:rPr lang="ko-KR" altLang="en-US" sz="2400" dirty="0" smtClean="0"/>
+              <a:t>같은 코드 블록의 </a:t>
+            </a:r>
+            <a:r>
+              <a:rPr lang="ko-KR" altLang="en-US" sz="2400" dirty="0" err="1" smtClean="0"/>
+              <a:t>일치율</a:t>
+            </a:r>
+            <a:endParaRPr lang="ko-KR" altLang="en-US" sz="2400" dirty="0"/>
+          </a:p>
+        </p:txBody>
+      </p:sp>
     </p:spTree>
     <p:extLst>
       <p:ext uri="{BB962C8B-B14F-4D97-AF65-F5344CB8AC3E}">
-        <p14:creationId xmlns:p14="http://schemas.microsoft.com/office/powerpoint/2010/main" val="1250878024"/>
+        <p14:creationId xmlns:p14="http://schemas.microsoft.com/office/powerpoint/2010/main" val="761168997"/>
       </p:ext>
     </p:extLst>
   </p:cSld>
   <p:clrMapOvr>
     <a:masterClrMapping/>
   </p:clrMapOvr>
+  <p:timing>
+    <p:tnLst>
+      <p:par>
+        <p:cTn id="1" dur="indefinite" restart="never" nodeType="tmRoot"/>
+      </p:par>
+    </p:tnLst>
+  </p:timing>
 </p:sld>
 </file>
 
-<file path=ppt/slides/slide13.xml><?xml version="1.0" encoding="utf-8"?>
+<file path=ppt/slides/slide16.xml><?xml version="1.0" encoding="utf-8"?>
 <p:sld xmlns:a="http://schemas.openxmlformats.org/drawingml/2006/main" xmlns:r="http://schemas.openxmlformats.org/officeDocument/2006/relationships" xmlns:p="http://schemas.openxmlformats.org/presentationml/2006/main">
   <p:cSld>
     <p:spTree>
@@ -5349,7 +6887,30 @@
             </a:r>
             <a:r>
               <a:rPr kumimoji="1" lang="ko-KR" altLang="en-US" dirty="0"/>
-              <a:t>의 코드 블록 간 단순 패턴 매칭을 통한 유사도 분석</a:t>
+              <a:t>의 코드 블록 간 단순 </a:t>
+            </a:r>
+            <a:r>
+              <a:rPr kumimoji="1" lang="ko-KR" altLang="en-US" dirty="0" smtClean="0"/>
+              <a:t>패턴</a:t>
+            </a:r>
+            <a:r>
+              <a:rPr kumimoji="1" lang="en-US" altLang="ko-KR" dirty="0" smtClean="0"/>
+              <a:t/>
+            </a:r>
+            <a:br>
+              <a:rPr kumimoji="1" lang="en-US" altLang="ko-KR" dirty="0" smtClean="0"/>
+            </a:br>
+            <a:r>
+              <a:rPr kumimoji="1" lang="ko-KR" altLang="en-US" dirty="0" err="1" smtClean="0"/>
+              <a:t>매칭을</a:t>
+            </a:r>
+            <a:r>
+              <a:rPr kumimoji="1" lang="ko-KR" altLang="en-US" dirty="0" smtClean="0"/>
+              <a:t> </a:t>
+            </a:r>
+            <a:r>
+              <a:rPr kumimoji="1" lang="ko-KR" altLang="en-US" dirty="0"/>
+              <a:t>통한 유사도 분석</a:t>
             </a:r>
           </a:p>
         </p:txBody>
@@ -5376,7 +6937,7 @@
         </p:blipFill>
         <p:spPr>
           <a:xfrm>
-            <a:off x="611559" y="1682594"/>
+            <a:off x="611559" y="2079102"/>
             <a:ext cx="5256585" cy="301813"/>
           </a:xfrm>
           <a:prstGeom prst="rect">
@@ -5395,7 +6956,7 @@
           </p:nvPr>
         </p:nvGraphicFramePr>
         <p:xfrm>
-          <a:off x="323528" y="2122329"/>
+          <a:off x="323528" y="2397457"/>
           <a:ext cx="8496944" cy="4056379"/>
         </p:xfrm>
         <a:graphic>
@@ -5507,7 +7068,7 @@
         </p:blipFill>
         <p:spPr>
           <a:xfrm>
-            <a:off x="1116471" y="2996952"/>
+            <a:off x="1116471" y="3272080"/>
             <a:ext cx="3353154" cy="2520280"/>
           </a:xfrm>
         </p:spPr>
@@ -5533,7 +7094,7 @@
         </p:blipFill>
         <p:spPr>
           <a:xfrm>
-            <a:off x="467544" y="2996952"/>
+            <a:off x="467544" y="3272080"/>
             <a:ext cx="648927" cy="2520280"/>
           </a:xfrm>
           <a:prstGeom prst="rect">
@@ -5562,7 +7123,7 @@
         </p:blipFill>
         <p:spPr>
           <a:xfrm>
-            <a:off x="4724710" y="2636912"/>
+            <a:off x="4724710" y="2912040"/>
             <a:ext cx="631583" cy="3330584"/>
           </a:xfrm>
           <a:prstGeom prst="rect">
@@ -5591,7 +7152,7 @@
         </p:blipFill>
         <p:spPr>
           <a:xfrm>
-            <a:off x="5356293" y="2636912"/>
+            <a:off x="5356293" y="2912040"/>
             <a:ext cx="3219719" cy="3330584"/>
           </a:xfrm>
           <a:prstGeom prst="rect">
@@ -5599,6 +7160,40 @@
           </a:prstGeom>
         </p:spPr>
       </p:pic>
+      <p:sp>
+        <p:nvSpPr>
+          <p:cNvPr id="9" name="TextBox 8"/>
+          <p:cNvSpPr txBox="1"/>
+          <p:nvPr/>
+        </p:nvSpPr>
+        <p:spPr>
+          <a:xfrm>
+            <a:off x="509798" y="1626499"/>
+            <a:ext cx="4217821" cy="461665"/>
+          </a:xfrm>
+          <a:prstGeom prst="rect">
+            <a:avLst/>
+          </a:prstGeom>
+          <a:noFill/>
+        </p:spPr>
+        <p:txBody>
+          <a:bodyPr wrap="none" rtlCol="0">
+            <a:spAutoFit/>
+          </a:bodyPr>
+          <a:lstStyle/>
+          <a:p>
+            <a:r>
+              <a:rPr lang="ko-KR" altLang="en-US" sz="2400" dirty="0" smtClean="0"/>
+              <a:t>서로 다른 코드 블록의 </a:t>
+            </a:r>
+            <a:r>
+              <a:rPr lang="ko-KR" altLang="en-US" sz="2400" dirty="0" err="1" smtClean="0"/>
+              <a:t>일치율</a:t>
+            </a:r>
+            <a:endParaRPr lang="ko-KR" altLang="en-US" sz="2400" dirty="0"/>
+          </a:p>
+        </p:txBody>
+      </p:sp>
     </p:spTree>
     <p:extLst>
       <p:ext uri="{BB962C8B-B14F-4D97-AF65-F5344CB8AC3E}">
@@ -5609,10 +7204,17 @@
   <p:clrMapOvr>
     <a:masterClrMapping/>
   </p:clrMapOvr>
+  <p:timing>
+    <p:tnLst>
+      <p:par>
+        <p:cTn id="1" dur="indefinite" restart="never" nodeType="tmRoot"/>
+      </p:par>
+    </p:tnLst>
+  </p:timing>
 </p:sld>
 </file>
 
-<file path=ppt/slides/slide14.xml><?xml version="1.0" encoding="utf-8"?>
+<file path=ppt/slides/slide17.xml><?xml version="1.0" encoding="utf-8"?>
 <p:sld xmlns:a="http://schemas.openxmlformats.org/drawingml/2006/main" xmlns:r="http://schemas.openxmlformats.org/officeDocument/2006/relationships" xmlns:p="http://schemas.openxmlformats.org/presentationml/2006/main">
   <p:cSld>
     <p:spTree>
@@ -5786,7 +7388,7 @@
 </p:sld>
 </file>
 
-<file path=ppt/slides/slide15.xml><?xml version="1.0" encoding="utf-8"?>
+<file path=ppt/slides/slide18.xml><?xml version="1.0" encoding="utf-8"?>
 <p:sld xmlns:a="http://schemas.openxmlformats.org/drawingml/2006/main" xmlns:r="http://schemas.openxmlformats.org/officeDocument/2006/relationships" xmlns:p="http://schemas.openxmlformats.org/presentationml/2006/main">
   <p:cSld>
     <p:spTree>
@@ -5812,7 +7414,7 @@
           <p:nvPr>
             <p:extLst>
               <p:ext uri="{D42A27DB-BD31-4B8C-83A1-F6EECF244321}">
-                <p14:modId xmlns:p14="http://schemas.microsoft.com/office/powerpoint/2010/main" val="3402372118"/>
+                <p14:modId xmlns:p14="http://schemas.microsoft.com/office/powerpoint/2010/main" val="499586134"/>
               </p:ext>
             </p:extLst>
           </p:nvPr>
@@ -5844,7 +7446,15 @@
                       </a:r>
                       <a:r>
                         <a:rPr lang="en-US" altLang="ko-KR" baseline="0" dirty="0" smtClean="0"/>
-                        <a:t> Air EFI 2.4</a:t>
+                        <a:t> Air EFI </a:t>
+                      </a:r>
+                      <a:r>
+                        <a:rPr lang="en-US" altLang="ko-KR" baseline="0" dirty="0" smtClean="0"/>
+                        <a:t>2.4</a:t>
+                      </a:r>
+                      <a:r>
+                        <a:rPr lang="ko-KR" altLang="en-US" baseline="0" dirty="0" smtClean="0"/>
+                        <a:t> 펌웨어</a:t>
                       </a:r>
                       <a:endParaRPr lang="ko-KR" altLang="en-US" dirty="0"/>
                     </a:p>
@@ -5859,7 +7469,15 @@
                       <a:pPr latinLnBrk="1"/>
                       <a:r>
                         <a:rPr lang="en-US" altLang="ko-KR" dirty="0" smtClean="0"/>
-                        <a:t>MacBook Air EFI 2.9</a:t>
+                        <a:t>MacBook Air EFI </a:t>
+                      </a:r>
+                      <a:r>
+                        <a:rPr lang="en-US" altLang="ko-KR" dirty="0" smtClean="0"/>
+                        <a:t>2.9</a:t>
+                      </a:r>
+                      <a:r>
+                        <a:rPr lang="ko-KR" altLang="en-US" dirty="0" smtClean="0"/>
+                        <a:t> 펌웨어</a:t>
                       </a:r>
                       <a:endParaRPr lang="ko-KR" altLang="en-US" dirty="0"/>
                     </a:p>
@@ -6070,7 +7688,7 @@
         </p:nvCxnSpPr>
         <p:spPr>
           <a:xfrm>
-            <a:off x="5724128" y="3356992"/>
+            <a:off x="5732220" y="3340808"/>
             <a:ext cx="720080" cy="0"/>
           </a:xfrm>
           <a:prstGeom prst="line">
@@ -6105,7 +7723,7 @@
         </p:nvSpPr>
         <p:spPr>
           <a:xfrm>
-            <a:off x="899592" y="4869160"/>
+            <a:off x="899592" y="4885344"/>
             <a:ext cx="1440160" cy="306000"/>
           </a:xfrm>
           <a:prstGeom prst="rect">
@@ -6151,7 +7769,7 @@
         </p:nvSpPr>
         <p:spPr>
           <a:xfrm>
-            <a:off x="5076056" y="4923200"/>
+            <a:off x="5076056" y="4915108"/>
             <a:ext cx="1440160" cy="306000"/>
           </a:xfrm>
           <a:prstGeom prst="rect">
@@ -6197,8 +7815,8 @@
         </p:nvSpPr>
         <p:spPr>
           <a:xfrm>
-            <a:off x="899592" y="5805264"/>
-            <a:ext cx="2448272" cy="504056"/>
+            <a:off x="899592" y="5813356"/>
+            <a:ext cx="2448272" cy="312315"/>
           </a:xfrm>
           <a:prstGeom prst="rect">
             <a:avLst/>
@@ -6244,7 +7862,7 @@
         <p:spPr>
           <a:xfrm>
             <a:off x="5076056" y="5850000"/>
-            <a:ext cx="2448272" cy="450000"/>
+            <a:ext cx="2448272" cy="299947"/>
           </a:xfrm>
           <a:prstGeom prst="rect">
             <a:avLst/>
@@ -6301,7 +7919,7 @@
 </p:sld>
 </file>
 
-<file path=ppt/slides/slide16.xml><?xml version="1.0" encoding="utf-8"?>
+<file path=ppt/slides/slide19.xml><?xml version="1.0" encoding="utf-8"?>
 <p:sld xmlns:a="http://schemas.openxmlformats.org/drawingml/2006/main" xmlns:r="http://schemas.openxmlformats.org/officeDocument/2006/relationships" xmlns:p="http://schemas.openxmlformats.org/presentationml/2006/main">
   <p:cSld>
     <p:spTree>
@@ -6356,7 +7974,7 @@
           <p:nvPr>
             <p:extLst>
               <p:ext uri="{D42A27DB-BD31-4B8C-83A1-F6EECF244321}">
-                <p14:modId xmlns:p14="http://schemas.microsoft.com/office/powerpoint/2010/main" val="2725778365"/>
+                <p14:modId xmlns:p14="http://schemas.microsoft.com/office/powerpoint/2010/main" val="664010758"/>
               </p:ext>
             </p:extLst>
           </p:nvPr>
@@ -6388,7 +8006,15 @@
                       </a:r>
                       <a:r>
                         <a:rPr lang="en-US" altLang="ko-KR" baseline="0" dirty="0" smtClean="0"/>
-                        <a:t> Air EFI 2.4</a:t>
+                        <a:t> Air EFI </a:t>
+                      </a:r>
+                      <a:r>
+                        <a:rPr lang="en-US" altLang="ko-KR" baseline="0" dirty="0" smtClean="0"/>
+                        <a:t>2.4</a:t>
+                      </a:r>
+                      <a:r>
+                        <a:rPr lang="ko-KR" altLang="en-US" baseline="0" dirty="0" smtClean="0"/>
+                        <a:t> 펌웨어</a:t>
                       </a:r>
                       <a:endParaRPr lang="ko-KR" altLang="en-US" dirty="0"/>
                     </a:p>
@@ -6403,7 +8029,15 @@
                       <a:pPr latinLnBrk="1"/>
                       <a:r>
                         <a:rPr lang="en-US" altLang="ko-KR" dirty="0" smtClean="0"/>
-                        <a:t>MacBook Air EFI 2.9</a:t>
+                        <a:t>MacBook Air EFI </a:t>
+                      </a:r>
+                      <a:r>
+                        <a:rPr lang="en-US" altLang="ko-KR" dirty="0" smtClean="0"/>
+                        <a:t>2.9</a:t>
+                      </a:r>
+                      <a:r>
+                        <a:rPr lang="ko-KR" altLang="en-US" dirty="0" smtClean="0"/>
+                        <a:t> 펌웨어</a:t>
                       </a:r>
                       <a:endParaRPr lang="ko-KR" altLang="en-US" dirty="0"/>
                     </a:p>
@@ -6613,7 +8247,7 @@
 </p:sld>
 </file>
 
-<file path=ppt/slides/slide17.xml><?xml version="1.0" encoding="utf-8"?>
+<file path=ppt/slides/slide2.xml><?xml version="1.0" encoding="utf-8"?>
 <p:sld xmlns:a="http://schemas.openxmlformats.org/drawingml/2006/main" xmlns:r="http://schemas.openxmlformats.org/officeDocument/2006/relationships" xmlns:p="http://schemas.openxmlformats.org/presentationml/2006/main">
   <p:cSld>
     <p:spTree>
@@ -6642,12 +8276,26 @@
         </p:nvSpPr>
         <p:spPr/>
         <p:txBody>
-          <a:bodyPr/>
+          <a:bodyPr>
+            <a:normAutofit fontScale="90000"/>
+          </a:bodyPr>
           <a:lstStyle/>
           <a:p>
             <a:r>
+              <a:rPr lang="ko-KR" altLang="en-US" dirty="0" err="1" smtClean="0"/>
+              <a:t>펌웨어</a:t>
+            </a:r>
+            <a:r>
               <a:rPr lang="ko-KR" altLang="en-US" dirty="0" smtClean="0"/>
-              <a:t>향후 연구 방향</a:t>
+              <a:t> 보안 분석 자동화 기법의</a:t>
+            </a:r>
+            <a:r>
+              <a:rPr lang="en-US" altLang="ko-KR" dirty="0" smtClean="0"/>
+              <a:t> </a:t>
+            </a:r>
+            <a:r>
+              <a:rPr lang="ko-KR" altLang="en-US" dirty="0" smtClean="0"/>
+              <a:t>필요성</a:t>
             </a:r>
             <a:endParaRPr lang="ko-KR" altLang="en-US" dirty="0"/>
           </a:p>
@@ -6668,25 +8316,70 @@
           <a:bodyPr/>
           <a:lstStyle/>
           <a:p>
+            <a:pPr lvl="0"/>
             <a:r>
               <a:rPr lang="ko-KR" altLang="en-US" dirty="0" smtClean="0"/>
-              <a:t>단순 </a:t>
+              <a:t>기존의 </a:t>
+            </a:r>
+            <a:r>
+              <a:rPr lang="ko-KR" altLang="en-US" dirty="0" err="1" smtClean="0"/>
+              <a:t>펌웨어</a:t>
+            </a:r>
+            <a:r>
+              <a:rPr lang="ko-KR" altLang="en-US" dirty="0" smtClean="0"/>
+              <a:t> 보안 분석 방법의 한계</a:t>
+            </a:r>
+            <a:endParaRPr lang="en-US" altLang="ko-KR" dirty="0" smtClean="0"/>
+          </a:p>
+          <a:p>
+            <a:pPr lvl="1"/>
+            <a:r>
+              <a:rPr lang="ko-KR" altLang="en-US" dirty="0" err="1" smtClean="0"/>
+              <a:t>함수명</a:t>
             </a:r>
             <a:r>
               <a:rPr lang="en-US" altLang="ko-KR" dirty="0" smtClean="0"/>
-              <a:t>opcode</a:t>
+              <a:t>, </a:t>
+            </a:r>
+            <a:r>
+              <a:rPr lang="ko-KR" altLang="en-US" dirty="0" err="1" smtClean="0"/>
+              <a:t>변수명</a:t>
             </a:r>
             <a:r>
               <a:rPr lang="ko-KR" altLang="en-US" dirty="0" smtClean="0"/>
-              <a:t>의 패턴 매칭이 아닌 </a:t>
+              <a:t> 등의 심볼 정보 부재</a:t>
+            </a:r>
+            <a:endParaRPr lang="en-US" altLang="ko-KR" dirty="0" smtClean="0"/>
+          </a:p>
+          <a:p>
+            <a:pPr lvl="1"/>
+            <a:r>
+              <a:rPr lang="ko-KR" altLang="en-US" dirty="0" smtClean="0"/>
+              <a:t>샘플 코드의 패턴 </a:t>
+            </a:r>
+            <a:r>
+              <a:rPr lang="ko-KR" altLang="en-US" dirty="0" err="1" smtClean="0"/>
+              <a:t>매칭</a:t>
+            </a:r>
+            <a:r>
+              <a:rPr lang="ko-KR" altLang="en-US" dirty="0" smtClean="0"/>
+              <a:t> 같은 경우</a:t>
             </a:r>
             <a:r>
               <a:rPr lang="en-US" altLang="ko-KR" dirty="0" smtClean="0"/>
-              <a:t>operand</a:t>
+              <a:t>, </a:t>
             </a:r>
             <a:r>
               <a:rPr lang="ko-KR" altLang="en-US" dirty="0" smtClean="0"/>
-              <a:t>까지 포함한 패턴 매칭</a:t>
+              <a:t>기계</a:t>
+            </a:r>
+            <a:r>
+              <a:rPr lang="ko-KR" altLang="en-US" dirty="0"/>
+              <a:t>적</a:t>
+            </a:r>
+            <a:r>
+              <a:rPr lang="ko-KR" altLang="en-US" dirty="0" smtClean="0"/>
+              <a:t> 작업에 소비하는 시간 증가</a:t>
             </a:r>
             <a:endParaRPr lang="en-US" altLang="ko-KR" dirty="0" smtClean="0"/>
           </a:p>
@@ -6694,37 +8387,143 @@
             <a:pPr lvl="1"/>
             <a:r>
               <a:rPr lang="ko-KR" altLang="en-US" dirty="0" smtClean="0"/>
-              <a:t>패턴 매칭 알고리즘의 개선</a:t>
-            </a:r>
+              <a:t>새로운 버전의 </a:t>
+            </a:r>
+            <a:r>
+              <a:rPr lang="ko-KR" altLang="en-US" dirty="0" err="1" smtClean="0"/>
+              <a:t>펌웨어에</a:t>
+            </a:r>
+            <a:r>
+              <a:rPr lang="ko-KR" altLang="en-US" dirty="0" smtClean="0"/>
+              <a:t> 대해 같은 작업을 반복</a:t>
+            </a:r>
+            <a:endParaRPr lang="ko-KR" altLang="en-US" dirty="0"/>
+          </a:p>
+          <a:p>
+            <a:pPr lvl="0"/>
             <a:endParaRPr lang="en-US" altLang="ko-KR" dirty="0" smtClean="0"/>
           </a:p>
           <a:p>
+            <a:pPr lvl="0"/>
+            <a:r>
+              <a:rPr lang="ko-KR" altLang="en-US" dirty="0" err="1" smtClean="0"/>
+              <a:t>펌웨어에</a:t>
+            </a:r>
+            <a:r>
+              <a:rPr lang="ko-KR" altLang="en-US" dirty="0" smtClean="0"/>
+              <a:t> 대해 미리 알려진 정보를 자동화하여 적용하는 방법의 필요</a:t>
+            </a:r>
+            <a:endParaRPr lang="en-US" altLang="ko-KR" dirty="0" smtClean="0"/>
+          </a:p>
+          <a:p>
             <a:pPr lvl="1"/>
             <a:r>
-              <a:rPr lang="en-US" altLang="ko-KR" dirty="0" smtClean="0"/>
-              <a:t>Diff </a:t>
-            </a:r>
-            <a:r>
               <a:rPr lang="ko-KR" altLang="en-US" dirty="0" smtClean="0"/>
-              <a:t>알고리즘 이식</a:t>
+              <a:t>사람의 수작업을 통해 분석하는 것을 부분적으로 자동화</a:t>
             </a:r>
             <a:endParaRPr lang="en-US" altLang="ko-KR" dirty="0" smtClean="0"/>
           </a:p>
           <a:p>
-            <a:endParaRPr lang="en-US" altLang="ko-KR" dirty="0"/>
-          </a:p>
-          <a:p>
+            <a:pPr lvl="1"/>
             <a:r>
               <a:rPr lang="ko-KR" altLang="en-US" dirty="0" smtClean="0"/>
-              <a:t>패턴 매칭과 더불어 </a:t>
-            </a:r>
-            <a:r>
-              <a:rPr lang="ko-KR" altLang="en-US" smtClean="0"/>
-              <a:t>코드의 의미 </a:t>
+              <a:t>새로운 버전의 </a:t>
+            </a:r>
+            <a:r>
+              <a:rPr lang="ko-KR" altLang="en-US" dirty="0" err="1" smtClean="0"/>
+              <a:t>펌웨어에</a:t>
             </a:r>
             <a:r>
               <a:rPr lang="ko-KR" altLang="en-US" dirty="0" smtClean="0"/>
-              <a:t>비교 분석</a:t>
+              <a:t> 대한 반복 작업 축소</a:t>
+            </a:r>
+            <a:endParaRPr lang="ko-KR" altLang="en-US" dirty="0"/>
+          </a:p>
+        </p:txBody>
+      </p:sp>
+    </p:spTree>
+    <p:extLst>
+      <p:ext uri="{BB962C8B-B14F-4D97-AF65-F5344CB8AC3E}">
+        <p14:creationId xmlns:p14="http://schemas.microsoft.com/office/powerpoint/2010/main" val="786180261"/>
+      </p:ext>
+    </p:extLst>
+  </p:cSld>
+  <p:clrMapOvr>
+    <a:masterClrMapping/>
+  </p:clrMapOvr>
+  <p:timing>
+    <p:tnLst>
+      <p:par>
+        <p:cTn id="1" dur="indefinite" restart="never" nodeType="tmRoot"/>
+      </p:par>
+    </p:tnLst>
+  </p:timing>
+</p:sld>
+</file>
+
+<file path=ppt/slides/slide20.xml><?xml version="1.0" encoding="utf-8"?>
+<p:sld xmlns:a="http://schemas.openxmlformats.org/drawingml/2006/main" xmlns:r="http://schemas.openxmlformats.org/officeDocument/2006/relationships" xmlns:p="http://schemas.openxmlformats.org/presentationml/2006/main">
+  <p:cSld>
+    <p:spTree>
+      <p:nvGrpSpPr>
+        <p:cNvPr id="1" name=""/>
+        <p:cNvGrpSpPr/>
+        <p:nvPr/>
+      </p:nvGrpSpPr>
+      <p:grpSpPr>
+        <a:xfrm>
+          <a:off x="0" y="0"/>
+          <a:ext cx="0" cy="0"/>
+          <a:chOff x="0" y="0"/>
+          <a:chExt cx="0" cy="0"/>
+        </a:xfrm>
+      </p:grpSpPr>
+      <p:sp>
+        <p:nvSpPr>
+          <p:cNvPr id="2" name="제목 1"/>
+          <p:cNvSpPr>
+            <a:spLocks noGrp="1"/>
+          </p:cNvSpPr>
+          <p:nvPr>
+            <p:ph type="title"/>
+          </p:nvPr>
+        </p:nvSpPr>
+        <p:spPr/>
+        <p:txBody>
+          <a:bodyPr/>
+          <a:lstStyle/>
+          <a:p>
+            <a:r>
+              <a:rPr lang="ko-KR" altLang="en-US" dirty="0" smtClean="0"/>
+              <a:t>향후 연구 방향</a:t>
+            </a:r>
+            <a:endParaRPr lang="ko-KR" altLang="en-US" dirty="0"/>
+          </a:p>
+        </p:txBody>
+      </p:sp>
+      <p:sp>
+        <p:nvSpPr>
+          <p:cNvPr id="3" name="내용 개체 틀 2"/>
+          <p:cNvSpPr>
+            <a:spLocks noGrp="1"/>
+          </p:cNvSpPr>
+          <p:nvPr>
+            <p:ph idx="1"/>
+          </p:nvPr>
+        </p:nvSpPr>
+        <p:spPr>
+          <a:xfrm>
+            <a:off x="457200" y="1357826"/>
+            <a:ext cx="8229600" cy="848962"/>
+          </a:xfrm>
+        </p:spPr>
+        <p:txBody>
+          <a:bodyPr/>
+          <a:lstStyle/>
+          <a:p>
+            <a:r>
+              <a:rPr lang="ko-KR" altLang="en-US" dirty="0" smtClean="0"/>
+              <a:t>레지스터 값의 의존성 분석</a:t>
             </a:r>
             <a:endParaRPr lang="en-US" altLang="ko-KR" dirty="0" smtClean="0"/>
           </a:p>
@@ -6732,12 +8531,788 @@
             <a:pPr lvl="1"/>
             <a:r>
               <a:rPr lang="ko-KR" altLang="en-US" dirty="0" smtClean="0"/>
-              <a:t>어셈블리 코드의 시맨틱 유사도 분석</a:t>
+              <a:t>레지스터가 갖는 값을 심볼화</a:t>
             </a:r>
             <a:endParaRPr lang="en-US" altLang="ko-KR" dirty="0" smtClean="0"/>
           </a:p>
+          <a:p>
+            <a:pPr lvl="1"/>
+            <a:endParaRPr lang="en-US" altLang="ko-KR" dirty="0" smtClean="0"/>
+          </a:p>
         </p:txBody>
       </p:sp>
+      <p:graphicFrame>
+        <p:nvGraphicFramePr>
+          <p:cNvPr id="5" name="표 4"/>
+          <p:cNvGraphicFramePr>
+            <a:graphicFrameLocks noGrp="1"/>
+          </p:cNvGraphicFramePr>
+          <p:nvPr>
+            <p:extLst>
+              <p:ext uri="{D42A27DB-BD31-4B8C-83A1-F6EECF244321}">
+                <p14:modId xmlns:p14="http://schemas.microsoft.com/office/powerpoint/2010/main" val="1458465644"/>
+              </p:ext>
+            </p:extLst>
+          </p:nvPr>
+        </p:nvGraphicFramePr>
+        <p:xfrm>
+          <a:off x="251520" y="2162720"/>
+          <a:ext cx="8712968" cy="4601637"/>
+        </p:xfrm>
+        <a:graphic>
+          <a:graphicData uri="http://schemas.openxmlformats.org/drawingml/2006/table">
+            <a:tbl>
+              <a:tblPr firstRow="1" bandRow="1">
+                <a:tableStyleId>{5C22544A-7EE6-4342-B048-85BDC9FD1C3A}</a:tableStyleId>
+              </a:tblPr>
+              <a:tblGrid>
+                <a:gridCol w="4356484"/>
+                <a:gridCol w="4356484"/>
+              </a:tblGrid>
+              <a:tr h="432682">
+                <a:tc>
+                  <a:txBody>
+                    <a:bodyPr/>
+                    <a:lstStyle/>
+                    <a:p>
+                      <a:pPr latinLnBrk="1"/>
+                      <a:r>
+                        <a:rPr lang="en-US" altLang="ko-KR" dirty="0" smtClean="0"/>
+                        <a:t>MacBook</a:t>
+                      </a:r>
+                      <a:r>
+                        <a:rPr lang="en-US" altLang="ko-KR" baseline="0" dirty="0" smtClean="0"/>
+                        <a:t> Air EFI 2.9 </a:t>
+                      </a:r>
+                      <a:r>
+                        <a:rPr lang="ko-KR" altLang="en-US" baseline="0" dirty="0" smtClean="0"/>
+                        <a:t>펌웨어</a:t>
+                      </a:r>
+                      <a:endParaRPr lang="ko-KR" altLang="en-US" dirty="0"/>
+                    </a:p>
+                  </a:txBody>
+                  <a:tcPr/>
+                </a:tc>
+                <a:tc>
+                  <a:txBody>
+                    <a:bodyPr/>
+                    <a:lstStyle/>
+                    <a:p>
+                      <a:pPr latinLnBrk="1"/>
+                      <a:r>
+                        <a:rPr lang="en-US" altLang="ko-KR" dirty="0" smtClean="0"/>
+                        <a:t>EFI </a:t>
+                      </a:r>
+                      <a:r>
+                        <a:rPr lang="ko-KR" altLang="en-US" dirty="0" smtClean="0"/>
+                        <a:t>인터페이스</a:t>
+                      </a:r>
+                      <a:r>
+                        <a:rPr lang="en-US" altLang="ko-KR" baseline="0" dirty="0" smtClean="0"/>
+                        <a:t> </a:t>
+                      </a:r>
+                      <a:r>
+                        <a:rPr lang="ko-KR" altLang="en-US" baseline="0" dirty="0" smtClean="0"/>
+                        <a:t>컴파일 결과물</a:t>
+                      </a:r>
+                      <a:endParaRPr lang="ko-KR" altLang="en-US" dirty="0"/>
+                    </a:p>
+                  </a:txBody>
+                  <a:tcPr/>
+                </a:tc>
+              </a:tr>
+              <a:tr h="4168955">
+                <a:tc>
+                  <a:txBody>
+                    <a:bodyPr/>
+                    <a:lstStyle/>
+                    <a:p>
+                      <a:pPr latinLnBrk="1"/>
+                      <a:endParaRPr lang="ko-KR" altLang="en-US" dirty="0"/>
+                    </a:p>
+                  </a:txBody>
+                  <a:tcPr/>
+                </a:tc>
+                <a:tc>
+                  <a:txBody>
+                    <a:bodyPr/>
+                    <a:lstStyle/>
+                    <a:p>
+                      <a:pPr latinLnBrk="1"/>
+                      <a:endParaRPr lang="ko-KR" altLang="en-US" dirty="0"/>
+                    </a:p>
+                  </a:txBody>
+                  <a:tcPr/>
+                </a:tc>
+              </a:tr>
+            </a:tbl>
+          </a:graphicData>
+        </a:graphic>
+      </p:graphicFrame>
+      <p:pic>
+        <p:nvPicPr>
+          <p:cNvPr id="6" name="그림 5"/>
+          <p:cNvPicPr>
+            <a:picLocks noChangeAspect="1"/>
+          </p:cNvPicPr>
+          <p:nvPr/>
+        </p:nvPicPr>
+        <p:blipFill>
+          <a:blip r:embed="rId2"/>
+          <a:stretch>
+            <a:fillRect/>
+          </a:stretch>
+        </p:blipFill>
+        <p:spPr>
+          <a:xfrm>
+            <a:off x="5358023" y="2579039"/>
+            <a:ext cx="2768600" cy="1625600"/>
+          </a:xfrm>
+          <a:prstGeom prst="rect">
+            <a:avLst/>
+          </a:prstGeom>
+        </p:spPr>
+      </p:pic>
+      <p:pic>
+        <p:nvPicPr>
+          <p:cNvPr id="7" name="그림 6"/>
+          <p:cNvPicPr>
+            <a:picLocks noChangeAspect="1"/>
+          </p:cNvPicPr>
+          <p:nvPr/>
+        </p:nvPicPr>
+        <p:blipFill>
+          <a:blip r:embed="rId3"/>
+          <a:stretch>
+            <a:fillRect/>
+          </a:stretch>
+        </p:blipFill>
+        <p:spPr>
+          <a:xfrm>
+            <a:off x="981343" y="2601073"/>
+            <a:ext cx="2730500" cy="1638300"/>
+          </a:xfrm>
+          <a:prstGeom prst="rect">
+            <a:avLst/>
+          </a:prstGeom>
+        </p:spPr>
+      </p:pic>
+      <p:pic>
+        <p:nvPicPr>
+          <p:cNvPr id="8" name="그림 7"/>
+          <p:cNvPicPr>
+            <a:picLocks noChangeAspect="1"/>
+          </p:cNvPicPr>
+          <p:nvPr/>
+        </p:nvPicPr>
+        <p:blipFill>
+          <a:blip r:embed="rId4"/>
+          <a:stretch>
+            <a:fillRect/>
+          </a:stretch>
+        </p:blipFill>
+        <p:spPr>
+          <a:xfrm>
+            <a:off x="4699369" y="4568284"/>
+            <a:ext cx="4155110" cy="2174751"/>
+          </a:xfrm>
+          <a:prstGeom prst="rect">
+            <a:avLst/>
+          </a:prstGeom>
+        </p:spPr>
+      </p:pic>
+      <p:pic>
+        <p:nvPicPr>
+          <p:cNvPr id="9" name="그림 8"/>
+          <p:cNvPicPr>
+            <a:picLocks noChangeAspect="1"/>
+          </p:cNvPicPr>
+          <p:nvPr/>
+        </p:nvPicPr>
+        <p:blipFill>
+          <a:blip r:embed="rId5"/>
+          <a:stretch>
+            <a:fillRect/>
+          </a:stretch>
+        </p:blipFill>
+        <p:spPr>
+          <a:xfrm>
+            <a:off x="457200" y="4607054"/>
+            <a:ext cx="4003438" cy="2135981"/>
+          </a:xfrm>
+          <a:prstGeom prst="rect">
+            <a:avLst/>
+          </a:prstGeom>
+        </p:spPr>
+      </p:pic>
+      <p:sp>
+        <p:nvSpPr>
+          <p:cNvPr id="11" name="타원 10"/>
+          <p:cNvSpPr/>
+          <p:nvPr/>
+        </p:nvSpPr>
+        <p:spPr>
+          <a:xfrm>
+            <a:off x="2160000" y="4283442"/>
+            <a:ext cx="46800" cy="46800"/>
+          </a:xfrm>
+          <a:prstGeom prst="ellipse">
+            <a:avLst/>
+          </a:prstGeom>
+          <a:solidFill>
+            <a:schemeClr val="tx1"/>
+          </a:solidFill>
+          <a:ln w="26424">
+            <a:solidFill>
+              <a:schemeClr val="tx1"/>
+            </a:solidFill>
+          </a:ln>
+        </p:spPr>
+        <p:style>
+          <a:lnRef idx="2">
+            <a:schemeClr val="accent1">
+              <a:shade val="50000"/>
+            </a:schemeClr>
+          </a:lnRef>
+          <a:fillRef idx="1">
+            <a:schemeClr val="accent1"/>
+          </a:fillRef>
+          <a:effectRef idx="0">
+            <a:schemeClr val="accent1"/>
+          </a:effectRef>
+          <a:fontRef idx="minor">
+            <a:schemeClr val="lt1"/>
+          </a:fontRef>
+        </p:style>
+        <p:txBody>
+          <a:bodyPr rtlCol="0" anchor="ctr"/>
+          <a:lstStyle/>
+          <a:p>
+            <a:pPr algn="ctr"/>
+            <a:endParaRPr kumimoji="1" lang="ko-KR" altLang="en-US"/>
+          </a:p>
+        </p:txBody>
+      </p:sp>
+      <p:sp>
+        <p:nvSpPr>
+          <p:cNvPr id="17" name="타원 16"/>
+          <p:cNvSpPr/>
+          <p:nvPr/>
+        </p:nvSpPr>
+        <p:spPr>
+          <a:xfrm>
+            <a:off x="2160000" y="4391774"/>
+            <a:ext cx="46800" cy="46800"/>
+          </a:xfrm>
+          <a:prstGeom prst="ellipse">
+            <a:avLst/>
+          </a:prstGeom>
+          <a:solidFill>
+            <a:schemeClr val="tx1"/>
+          </a:solidFill>
+          <a:ln w="26424">
+            <a:solidFill>
+              <a:schemeClr val="tx1"/>
+            </a:solidFill>
+          </a:ln>
+        </p:spPr>
+        <p:style>
+          <a:lnRef idx="2">
+            <a:schemeClr val="accent1">
+              <a:shade val="50000"/>
+            </a:schemeClr>
+          </a:lnRef>
+          <a:fillRef idx="1">
+            <a:schemeClr val="accent1"/>
+          </a:fillRef>
+          <a:effectRef idx="0">
+            <a:schemeClr val="accent1"/>
+          </a:effectRef>
+          <a:fontRef idx="minor">
+            <a:schemeClr val="lt1"/>
+          </a:fontRef>
+        </p:style>
+        <p:txBody>
+          <a:bodyPr rtlCol="0" anchor="ctr"/>
+          <a:lstStyle/>
+          <a:p>
+            <a:pPr algn="ctr"/>
+            <a:endParaRPr kumimoji="1" lang="ko-KR" altLang="en-US"/>
+          </a:p>
+        </p:txBody>
+      </p:sp>
+      <p:sp>
+        <p:nvSpPr>
+          <p:cNvPr id="18" name="타원 17"/>
+          <p:cNvSpPr/>
+          <p:nvPr/>
+        </p:nvSpPr>
+        <p:spPr>
+          <a:xfrm>
+            <a:off x="2160000" y="4511123"/>
+            <a:ext cx="46800" cy="46800"/>
+          </a:xfrm>
+          <a:prstGeom prst="ellipse">
+            <a:avLst/>
+          </a:prstGeom>
+          <a:solidFill>
+            <a:schemeClr val="tx1"/>
+          </a:solidFill>
+          <a:ln w="26424">
+            <a:solidFill>
+              <a:schemeClr val="tx1"/>
+            </a:solidFill>
+          </a:ln>
+        </p:spPr>
+        <p:style>
+          <a:lnRef idx="2">
+            <a:schemeClr val="accent1">
+              <a:shade val="50000"/>
+            </a:schemeClr>
+          </a:lnRef>
+          <a:fillRef idx="1">
+            <a:schemeClr val="accent1"/>
+          </a:fillRef>
+          <a:effectRef idx="0">
+            <a:schemeClr val="accent1"/>
+          </a:effectRef>
+          <a:fontRef idx="minor">
+            <a:schemeClr val="lt1"/>
+          </a:fontRef>
+        </p:style>
+        <p:txBody>
+          <a:bodyPr rtlCol="0" anchor="ctr"/>
+          <a:lstStyle/>
+          <a:p>
+            <a:pPr algn="ctr"/>
+            <a:endParaRPr kumimoji="1" lang="ko-KR" altLang="en-US"/>
+          </a:p>
+        </p:txBody>
+      </p:sp>
+      <p:sp>
+        <p:nvSpPr>
+          <p:cNvPr id="19" name="타원 18"/>
+          <p:cNvSpPr/>
+          <p:nvPr/>
+        </p:nvSpPr>
+        <p:spPr>
+          <a:xfrm>
+            <a:off x="6631021" y="4259570"/>
+            <a:ext cx="46800" cy="46800"/>
+          </a:xfrm>
+          <a:prstGeom prst="ellipse">
+            <a:avLst/>
+          </a:prstGeom>
+          <a:solidFill>
+            <a:schemeClr val="tx1"/>
+          </a:solidFill>
+          <a:ln w="26424">
+            <a:solidFill>
+              <a:schemeClr val="tx1"/>
+            </a:solidFill>
+          </a:ln>
+        </p:spPr>
+        <p:style>
+          <a:lnRef idx="2">
+            <a:schemeClr val="accent1">
+              <a:shade val="50000"/>
+            </a:schemeClr>
+          </a:lnRef>
+          <a:fillRef idx="1">
+            <a:schemeClr val="accent1"/>
+          </a:fillRef>
+          <a:effectRef idx="0">
+            <a:schemeClr val="accent1"/>
+          </a:effectRef>
+          <a:fontRef idx="minor">
+            <a:schemeClr val="lt1"/>
+          </a:fontRef>
+        </p:style>
+        <p:txBody>
+          <a:bodyPr rtlCol="0" anchor="ctr"/>
+          <a:lstStyle/>
+          <a:p>
+            <a:pPr algn="ctr"/>
+            <a:endParaRPr kumimoji="1" lang="ko-KR" altLang="en-US"/>
+          </a:p>
+        </p:txBody>
+      </p:sp>
+      <p:sp>
+        <p:nvSpPr>
+          <p:cNvPr id="20" name="타원 19"/>
+          <p:cNvSpPr/>
+          <p:nvPr/>
+        </p:nvSpPr>
+        <p:spPr>
+          <a:xfrm>
+            <a:off x="6631021" y="4367902"/>
+            <a:ext cx="46800" cy="46800"/>
+          </a:xfrm>
+          <a:prstGeom prst="ellipse">
+            <a:avLst/>
+          </a:prstGeom>
+          <a:solidFill>
+            <a:schemeClr val="tx1"/>
+          </a:solidFill>
+          <a:ln w="26424">
+            <a:solidFill>
+              <a:schemeClr val="tx1"/>
+            </a:solidFill>
+          </a:ln>
+        </p:spPr>
+        <p:style>
+          <a:lnRef idx="2">
+            <a:schemeClr val="accent1">
+              <a:shade val="50000"/>
+            </a:schemeClr>
+          </a:lnRef>
+          <a:fillRef idx="1">
+            <a:schemeClr val="accent1"/>
+          </a:fillRef>
+          <a:effectRef idx="0">
+            <a:schemeClr val="accent1"/>
+          </a:effectRef>
+          <a:fontRef idx="minor">
+            <a:schemeClr val="lt1"/>
+          </a:fontRef>
+        </p:style>
+        <p:txBody>
+          <a:bodyPr rtlCol="0" anchor="ctr"/>
+          <a:lstStyle/>
+          <a:p>
+            <a:pPr algn="ctr"/>
+            <a:endParaRPr kumimoji="1" lang="ko-KR" altLang="en-US"/>
+          </a:p>
+        </p:txBody>
+      </p:sp>
+      <p:sp>
+        <p:nvSpPr>
+          <p:cNvPr id="21" name="타원 20"/>
+          <p:cNvSpPr/>
+          <p:nvPr/>
+        </p:nvSpPr>
+        <p:spPr>
+          <a:xfrm>
+            <a:off x="6631021" y="4487251"/>
+            <a:ext cx="46800" cy="46800"/>
+          </a:xfrm>
+          <a:prstGeom prst="ellipse">
+            <a:avLst/>
+          </a:prstGeom>
+          <a:solidFill>
+            <a:schemeClr val="tx1"/>
+          </a:solidFill>
+          <a:ln w="26424">
+            <a:solidFill>
+              <a:schemeClr val="tx1"/>
+            </a:solidFill>
+          </a:ln>
+        </p:spPr>
+        <p:style>
+          <a:lnRef idx="2">
+            <a:schemeClr val="accent1">
+              <a:shade val="50000"/>
+            </a:schemeClr>
+          </a:lnRef>
+          <a:fillRef idx="1">
+            <a:schemeClr val="accent1"/>
+          </a:fillRef>
+          <a:effectRef idx="0">
+            <a:schemeClr val="accent1"/>
+          </a:effectRef>
+          <a:fontRef idx="minor">
+            <a:schemeClr val="lt1"/>
+          </a:fontRef>
+        </p:style>
+        <p:txBody>
+          <a:bodyPr rtlCol="0" anchor="ctr"/>
+          <a:lstStyle/>
+          <a:p>
+            <a:pPr algn="ctr"/>
+            <a:endParaRPr kumimoji="1" lang="ko-KR" altLang="en-US"/>
+          </a:p>
+        </p:txBody>
+      </p:sp>
+      <p:cxnSp>
+        <p:nvCxnSpPr>
+          <p:cNvPr id="22" name="직선 연결선[R] 21"/>
+          <p:cNvCxnSpPr/>
+          <p:nvPr/>
+        </p:nvCxnSpPr>
+        <p:spPr>
+          <a:xfrm>
+            <a:off x="1819570" y="4193351"/>
+            <a:ext cx="288032" cy="0"/>
+          </a:xfrm>
+          <a:prstGeom prst="line">
+            <a:avLst/>
+          </a:prstGeom>
+          <a:ln w="25400">
+            <a:solidFill>
+              <a:srgbClr val="FF0000"/>
+            </a:solidFill>
+          </a:ln>
+        </p:spPr>
+        <p:style>
+          <a:lnRef idx="1">
+            <a:schemeClr val="accent1"/>
+          </a:lnRef>
+          <a:fillRef idx="0">
+            <a:schemeClr val="accent1"/>
+          </a:fillRef>
+          <a:effectRef idx="0">
+            <a:schemeClr val="accent1"/>
+          </a:effectRef>
+          <a:fontRef idx="minor">
+            <a:schemeClr val="tx1"/>
+          </a:fontRef>
+        </p:style>
+      </p:cxnSp>
+      <p:cxnSp>
+        <p:nvCxnSpPr>
+          <p:cNvPr id="23" name="직선 연결선[R] 22"/>
+          <p:cNvCxnSpPr/>
+          <p:nvPr/>
+        </p:nvCxnSpPr>
+        <p:spPr>
+          <a:xfrm>
+            <a:off x="6191439" y="4191514"/>
+            <a:ext cx="288032" cy="0"/>
+          </a:xfrm>
+          <a:prstGeom prst="line">
+            <a:avLst/>
+          </a:prstGeom>
+          <a:ln w="25400">
+            <a:solidFill>
+              <a:srgbClr val="FF0000"/>
+            </a:solidFill>
+          </a:ln>
+        </p:spPr>
+        <p:style>
+          <a:lnRef idx="1">
+            <a:schemeClr val="accent1"/>
+          </a:lnRef>
+          <a:fillRef idx="0">
+            <a:schemeClr val="accent1"/>
+          </a:fillRef>
+          <a:effectRef idx="0">
+            <a:schemeClr val="accent1"/>
+          </a:effectRef>
+          <a:fontRef idx="minor">
+            <a:schemeClr val="tx1"/>
+          </a:fontRef>
+        </p:style>
+      </p:cxnSp>
+      <p:cxnSp>
+        <p:nvCxnSpPr>
+          <p:cNvPr id="24" name="직선 연결선[R] 23"/>
+          <p:cNvCxnSpPr/>
+          <p:nvPr/>
+        </p:nvCxnSpPr>
+        <p:spPr>
+          <a:xfrm>
+            <a:off x="6046381" y="5743056"/>
+            <a:ext cx="288032" cy="0"/>
+          </a:xfrm>
+          <a:prstGeom prst="line">
+            <a:avLst/>
+          </a:prstGeom>
+          <a:ln w="25400">
+            <a:solidFill>
+              <a:srgbClr val="FF0000"/>
+            </a:solidFill>
+          </a:ln>
+        </p:spPr>
+        <p:style>
+          <a:lnRef idx="1">
+            <a:schemeClr val="accent1"/>
+          </a:lnRef>
+          <a:fillRef idx="0">
+            <a:schemeClr val="accent1"/>
+          </a:fillRef>
+          <a:effectRef idx="0">
+            <a:schemeClr val="accent1"/>
+          </a:effectRef>
+          <a:fontRef idx="minor">
+            <a:schemeClr val="tx1"/>
+          </a:fontRef>
+        </p:style>
+      </p:cxnSp>
+      <p:cxnSp>
+        <p:nvCxnSpPr>
+          <p:cNvPr id="25" name="직선 연결선[R] 24"/>
+          <p:cNvCxnSpPr/>
+          <p:nvPr/>
+        </p:nvCxnSpPr>
+        <p:spPr>
+          <a:xfrm>
+            <a:off x="5967424" y="5928507"/>
+            <a:ext cx="288032" cy="0"/>
+          </a:xfrm>
+          <a:prstGeom prst="line">
+            <a:avLst/>
+          </a:prstGeom>
+          <a:ln w="25400">
+            <a:solidFill>
+              <a:srgbClr val="FF0000"/>
+            </a:solidFill>
+          </a:ln>
+        </p:spPr>
+        <p:style>
+          <a:lnRef idx="1">
+            <a:schemeClr val="accent1"/>
+          </a:lnRef>
+          <a:fillRef idx="0">
+            <a:schemeClr val="accent1"/>
+          </a:fillRef>
+          <a:effectRef idx="0">
+            <a:schemeClr val="accent1"/>
+          </a:effectRef>
+          <a:fontRef idx="minor">
+            <a:schemeClr val="tx1"/>
+          </a:fontRef>
+        </p:style>
+      </p:cxnSp>
+      <p:cxnSp>
+        <p:nvCxnSpPr>
+          <p:cNvPr id="26" name="직선 연결선[R] 25"/>
+          <p:cNvCxnSpPr/>
+          <p:nvPr/>
+        </p:nvCxnSpPr>
+        <p:spPr>
+          <a:xfrm>
+            <a:off x="1823236" y="5739381"/>
+            <a:ext cx="288032" cy="0"/>
+          </a:xfrm>
+          <a:prstGeom prst="line">
+            <a:avLst/>
+          </a:prstGeom>
+          <a:ln w="25400">
+            <a:solidFill>
+              <a:srgbClr val="FF0000"/>
+            </a:solidFill>
+          </a:ln>
+        </p:spPr>
+        <p:style>
+          <a:lnRef idx="1">
+            <a:schemeClr val="accent1"/>
+          </a:lnRef>
+          <a:fillRef idx="0">
+            <a:schemeClr val="accent1"/>
+          </a:fillRef>
+          <a:effectRef idx="0">
+            <a:schemeClr val="accent1"/>
+          </a:effectRef>
+          <a:fontRef idx="minor">
+            <a:schemeClr val="tx1"/>
+          </a:fontRef>
+        </p:style>
+      </p:cxnSp>
+      <p:cxnSp>
+        <p:nvCxnSpPr>
+          <p:cNvPr id="27" name="직선 연결선[R] 26"/>
+          <p:cNvCxnSpPr/>
+          <p:nvPr/>
+        </p:nvCxnSpPr>
+        <p:spPr>
+          <a:xfrm>
+            <a:off x="1755296" y="5935849"/>
+            <a:ext cx="288032" cy="0"/>
+          </a:xfrm>
+          <a:prstGeom prst="line">
+            <a:avLst/>
+          </a:prstGeom>
+          <a:ln w="25400">
+            <a:solidFill>
+              <a:srgbClr val="FF0000"/>
+            </a:solidFill>
+          </a:ln>
+        </p:spPr>
+        <p:style>
+          <a:lnRef idx="1">
+            <a:schemeClr val="accent1"/>
+          </a:lnRef>
+          <a:fillRef idx="0">
+            <a:schemeClr val="accent1"/>
+          </a:fillRef>
+          <a:effectRef idx="0">
+            <a:schemeClr val="accent1"/>
+          </a:effectRef>
+          <a:fontRef idx="minor">
+            <a:schemeClr val="tx1"/>
+          </a:fontRef>
+        </p:style>
+      </p:cxnSp>
+      <p:cxnSp>
+        <p:nvCxnSpPr>
+          <p:cNvPr id="28" name="직선 연결선[R] 27"/>
+          <p:cNvCxnSpPr/>
+          <p:nvPr/>
+        </p:nvCxnSpPr>
+        <p:spPr>
+          <a:xfrm>
+            <a:off x="2324510" y="4213548"/>
+            <a:ext cx="288032" cy="0"/>
+          </a:xfrm>
+          <a:prstGeom prst="line">
+            <a:avLst/>
+          </a:prstGeom>
+          <a:ln w="25400">
+            <a:solidFill>
+              <a:srgbClr val="FF0000"/>
+            </a:solidFill>
+          </a:ln>
+        </p:spPr>
+        <p:style>
+          <a:lnRef idx="1">
+            <a:schemeClr val="accent1"/>
+          </a:lnRef>
+          <a:fillRef idx="0">
+            <a:schemeClr val="accent1"/>
+          </a:fillRef>
+          <a:effectRef idx="0">
+            <a:schemeClr val="accent1"/>
+          </a:effectRef>
+          <a:fontRef idx="minor">
+            <a:schemeClr val="tx1"/>
+          </a:fontRef>
+        </p:style>
+      </p:cxnSp>
+      <p:cxnSp>
+        <p:nvCxnSpPr>
+          <p:cNvPr id="29" name="직선 연결선[R] 28"/>
+          <p:cNvCxnSpPr/>
+          <p:nvPr/>
+        </p:nvCxnSpPr>
+        <p:spPr>
+          <a:xfrm>
+            <a:off x="6696377" y="4189676"/>
+            <a:ext cx="288032" cy="0"/>
+          </a:xfrm>
+          <a:prstGeom prst="line">
+            <a:avLst/>
+          </a:prstGeom>
+          <a:ln w="25400">
+            <a:solidFill>
+              <a:srgbClr val="FF0000"/>
+            </a:solidFill>
+          </a:ln>
+        </p:spPr>
+        <p:style>
+          <a:lnRef idx="1">
+            <a:schemeClr val="accent1"/>
+          </a:lnRef>
+          <a:fillRef idx="0">
+            <a:schemeClr val="accent1"/>
+          </a:fillRef>
+          <a:effectRef idx="0">
+            <a:schemeClr val="accent1"/>
+          </a:effectRef>
+          <a:fontRef idx="minor">
+            <a:schemeClr val="tx1"/>
+          </a:fontRef>
+        </p:style>
+      </p:cxnSp>
     </p:spTree>
     <p:extLst>
       <p:ext uri="{BB962C8B-B14F-4D97-AF65-F5344CB8AC3E}">
@@ -6758,7 +9333,7 @@
 </p:sld>
 </file>
 
-<file path=ppt/slides/slide18.xml><?xml version="1.0" encoding="utf-8"?>
+<file path=ppt/slides/slide21.xml><?xml version="1.0" encoding="utf-8"?>
 <p:sld xmlns:a="http://schemas.openxmlformats.org/drawingml/2006/main" xmlns:r="http://schemas.openxmlformats.org/officeDocument/2006/relationships" xmlns:p="http://schemas.openxmlformats.org/presentationml/2006/main">
   <p:cSld>
     <p:spTree>
@@ -6791,8 +9366,8 @@
           <a:lstStyle/>
           <a:p>
             <a:r>
-              <a:rPr lang="en-US" altLang="ko-KR" dirty="0" smtClean="0"/>
-              <a:t>Q &amp; A</a:t>
+              <a:rPr lang="ko-KR" altLang="en-US" dirty="0" smtClean="0"/>
+              <a:t>향후 연구 방향</a:t>
             </a:r>
             <a:endParaRPr lang="ko-KR" altLang="en-US" dirty="0"/>
           </a:p>
@@ -6808,19 +9383,412 @@
             <p:ph idx="1"/>
           </p:nvPr>
         </p:nvSpPr>
-        <p:spPr/>
+        <p:spPr>
+          <a:xfrm>
+            <a:off x="457200" y="1600199"/>
+            <a:ext cx="8229600" cy="973067"/>
+          </a:xfrm>
+        </p:spPr>
         <p:txBody>
-          <a:bodyPr/>
+          <a:bodyPr>
+            <a:normAutofit/>
+          </a:bodyPr>
           <a:lstStyle/>
           <a:p>
-            <a:endParaRPr lang="ko-KR" altLang="en-US"/>
+            <a:r>
+              <a:rPr lang="ko-KR" altLang="en-US" dirty="0" smtClean="0"/>
+              <a:t>상대주소의 심볼화</a:t>
+            </a:r>
+            <a:endParaRPr lang="en-US" altLang="ko-KR" dirty="0" smtClean="0"/>
+          </a:p>
+          <a:p>
+            <a:pPr lvl="1"/>
+            <a:r>
+              <a:rPr lang="ko-KR" altLang="en-US" dirty="0" smtClean="0"/>
+              <a:t>같은 코드와</a:t>
+            </a:r>
+            <a:r>
+              <a:rPr lang="en-US" altLang="ko-KR" dirty="0" smtClean="0"/>
+              <a:t> </a:t>
+            </a:r>
+            <a:r>
+              <a:rPr lang="ko-KR" altLang="en-US" dirty="0" smtClean="0"/>
+              <a:t>변수는 같은 심볼로 표현</a:t>
+            </a:r>
+            <a:endParaRPr lang="en-US" altLang="ko-KR" dirty="0" smtClean="0"/>
           </a:p>
         </p:txBody>
       </p:sp>
+      <p:graphicFrame>
+        <p:nvGraphicFramePr>
+          <p:cNvPr id="4" name="표 3"/>
+          <p:cNvGraphicFramePr>
+            <a:graphicFrameLocks noGrp="1"/>
+          </p:cNvGraphicFramePr>
+          <p:nvPr>
+            <p:extLst>
+              <p:ext uri="{D42A27DB-BD31-4B8C-83A1-F6EECF244321}">
+                <p14:modId xmlns:p14="http://schemas.microsoft.com/office/powerpoint/2010/main" val="18129824"/>
+              </p:ext>
+            </p:extLst>
+          </p:nvPr>
+        </p:nvGraphicFramePr>
+        <p:xfrm>
+          <a:off x="251520" y="2599980"/>
+          <a:ext cx="8712968" cy="3557848"/>
+        </p:xfrm>
+        <a:graphic>
+          <a:graphicData uri="http://schemas.openxmlformats.org/drawingml/2006/table">
+            <a:tbl>
+              <a:tblPr firstRow="1" bandRow="1">
+                <a:tableStyleId>{5C22544A-7EE6-4342-B048-85BDC9FD1C3A}</a:tableStyleId>
+              </a:tblPr>
+              <a:tblGrid>
+                <a:gridCol w="4356484"/>
+                <a:gridCol w="4356484"/>
+              </a:tblGrid>
+              <a:tr h="473726">
+                <a:tc>
+                  <a:txBody>
+                    <a:bodyPr/>
+                    <a:lstStyle/>
+                    <a:p>
+                      <a:pPr latinLnBrk="1"/>
+                      <a:r>
+                        <a:rPr lang="en-US" altLang="ko-KR" dirty="0" smtClean="0"/>
+                        <a:t>MacBook</a:t>
+                      </a:r>
+                      <a:r>
+                        <a:rPr lang="en-US" altLang="ko-KR" baseline="0" dirty="0" smtClean="0"/>
+                        <a:t> Air EFI 2.9 </a:t>
+                      </a:r>
+                      <a:r>
+                        <a:rPr lang="ko-KR" altLang="en-US" baseline="0" dirty="0" smtClean="0"/>
+                        <a:t>펌웨어</a:t>
+                      </a:r>
+                      <a:endParaRPr lang="ko-KR" altLang="en-US" dirty="0"/>
+                    </a:p>
+                  </a:txBody>
+                  <a:tcPr/>
+                </a:tc>
+                <a:tc>
+                  <a:txBody>
+                    <a:bodyPr/>
+                    <a:lstStyle/>
+                    <a:p>
+                      <a:pPr latinLnBrk="1"/>
+                      <a:r>
+                        <a:rPr lang="en-US" altLang="ko-KR" dirty="0" smtClean="0"/>
+                        <a:t>EFI </a:t>
+                      </a:r>
+                      <a:r>
+                        <a:rPr lang="ko-KR" altLang="en-US" dirty="0" smtClean="0"/>
+                        <a:t>인터페이스</a:t>
+                      </a:r>
+                      <a:r>
+                        <a:rPr lang="en-US" altLang="ko-KR" baseline="0" dirty="0" smtClean="0"/>
+                        <a:t> </a:t>
+                      </a:r>
+                      <a:r>
+                        <a:rPr lang="ko-KR" altLang="en-US" baseline="0" dirty="0" smtClean="0"/>
+                        <a:t>컴파일 결과물</a:t>
+                      </a:r>
+                      <a:endParaRPr lang="ko-KR" altLang="en-US" dirty="0"/>
+                    </a:p>
+                  </a:txBody>
+                  <a:tcPr/>
+                </a:tc>
+              </a:tr>
+              <a:tr h="3084122">
+                <a:tc>
+                  <a:txBody>
+                    <a:bodyPr/>
+                    <a:lstStyle/>
+                    <a:p>
+                      <a:pPr latinLnBrk="1"/>
+                      <a:endParaRPr lang="ko-KR" altLang="en-US" dirty="0"/>
+                    </a:p>
+                  </a:txBody>
+                  <a:tcPr/>
+                </a:tc>
+                <a:tc>
+                  <a:txBody>
+                    <a:bodyPr/>
+                    <a:lstStyle/>
+                    <a:p>
+                      <a:pPr latinLnBrk="1"/>
+                      <a:endParaRPr lang="ko-KR" altLang="en-US" dirty="0"/>
+                    </a:p>
+                  </a:txBody>
+                  <a:tcPr/>
+                </a:tc>
+              </a:tr>
+            </a:tbl>
+          </a:graphicData>
+        </a:graphic>
+      </p:graphicFrame>
+      <p:pic>
+        <p:nvPicPr>
+          <p:cNvPr id="5" name="그림 4"/>
+          <p:cNvPicPr>
+            <a:picLocks noChangeAspect="1"/>
+          </p:cNvPicPr>
+          <p:nvPr/>
+        </p:nvPicPr>
+        <p:blipFill>
+          <a:blip r:embed="rId2"/>
+          <a:stretch>
+            <a:fillRect/>
+          </a:stretch>
+        </p:blipFill>
+        <p:spPr>
+          <a:xfrm>
+            <a:off x="457200" y="3648587"/>
+            <a:ext cx="4003438" cy="2135981"/>
+          </a:xfrm>
+          <a:prstGeom prst="rect">
+            <a:avLst/>
+          </a:prstGeom>
+        </p:spPr>
+      </p:pic>
+      <p:pic>
+        <p:nvPicPr>
+          <p:cNvPr id="6" name="그림 5"/>
+          <p:cNvPicPr>
+            <a:picLocks noChangeAspect="1"/>
+          </p:cNvPicPr>
+          <p:nvPr/>
+        </p:nvPicPr>
+        <p:blipFill>
+          <a:blip r:embed="rId3"/>
+          <a:stretch>
+            <a:fillRect/>
+          </a:stretch>
+        </p:blipFill>
+        <p:spPr>
+          <a:xfrm>
+            <a:off x="4699369" y="3631851"/>
+            <a:ext cx="4155110" cy="2174751"/>
+          </a:xfrm>
+          <a:prstGeom prst="rect">
+            <a:avLst/>
+          </a:prstGeom>
+        </p:spPr>
+      </p:pic>
+      <p:cxnSp>
+        <p:nvCxnSpPr>
+          <p:cNvPr id="7" name="직선 연결선[R] 6"/>
+          <p:cNvCxnSpPr/>
+          <p:nvPr/>
+        </p:nvCxnSpPr>
+        <p:spPr>
+          <a:xfrm>
+            <a:off x="1841604" y="3807760"/>
+            <a:ext cx="1364304" cy="0"/>
+          </a:xfrm>
+          <a:prstGeom prst="line">
+            <a:avLst/>
+          </a:prstGeom>
+          <a:ln w="25400">
+            <a:solidFill>
+              <a:srgbClr val="FF0000"/>
+            </a:solidFill>
+          </a:ln>
+        </p:spPr>
+        <p:style>
+          <a:lnRef idx="1">
+            <a:schemeClr val="accent1"/>
+          </a:lnRef>
+          <a:fillRef idx="0">
+            <a:schemeClr val="accent1"/>
+          </a:fillRef>
+          <a:effectRef idx="0">
+            <a:schemeClr val="accent1"/>
+          </a:effectRef>
+          <a:fontRef idx="minor">
+            <a:schemeClr val="tx1"/>
+          </a:fontRef>
+        </p:style>
+      </p:cxnSp>
+      <p:cxnSp>
+        <p:nvCxnSpPr>
+          <p:cNvPr id="9" name="직선 연결선[R] 8"/>
+          <p:cNvCxnSpPr/>
+          <p:nvPr/>
+        </p:nvCxnSpPr>
+        <p:spPr>
+          <a:xfrm>
+            <a:off x="6081262" y="3856933"/>
+            <a:ext cx="661061" cy="0"/>
+          </a:xfrm>
+          <a:prstGeom prst="line">
+            <a:avLst/>
+          </a:prstGeom>
+          <a:ln w="25400">
+            <a:solidFill>
+              <a:srgbClr val="FF0000"/>
+            </a:solidFill>
+          </a:ln>
+        </p:spPr>
+        <p:style>
+          <a:lnRef idx="1">
+            <a:schemeClr val="accent1"/>
+          </a:lnRef>
+          <a:fillRef idx="0">
+            <a:schemeClr val="accent1"/>
+          </a:fillRef>
+          <a:effectRef idx="0">
+            <a:schemeClr val="accent1"/>
+          </a:effectRef>
+          <a:fontRef idx="minor">
+            <a:schemeClr val="tx1"/>
+          </a:fontRef>
+        </p:style>
+      </p:cxnSp>
+      <p:cxnSp>
+        <p:nvCxnSpPr>
+          <p:cNvPr id="11" name="직선 연결선[R] 10"/>
+          <p:cNvCxnSpPr/>
+          <p:nvPr/>
+        </p:nvCxnSpPr>
+        <p:spPr>
+          <a:xfrm>
+            <a:off x="1841604" y="4389818"/>
+            <a:ext cx="978714" cy="0"/>
+          </a:xfrm>
+          <a:prstGeom prst="line">
+            <a:avLst/>
+          </a:prstGeom>
+          <a:ln w="25400">
+            <a:solidFill>
+              <a:srgbClr val="FF0000"/>
+            </a:solidFill>
+          </a:ln>
+        </p:spPr>
+        <p:style>
+          <a:lnRef idx="1">
+            <a:schemeClr val="accent1"/>
+          </a:lnRef>
+          <a:fillRef idx="0">
+            <a:schemeClr val="accent1"/>
+          </a:fillRef>
+          <a:effectRef idx="0">
+            <a:schemeClr val="accent1"/>
+          </a:effectRef>
+          <a:fontRef idx="minor">
+            <a:schemeClr val="tx1"/>
+          </a:fontRef>
+        </p:style>
+      </p:cxnSp>
+      <p:cxnSp>
+        <p:nvCxnSpPr>
+          <p:cNvPr id="13" name="직선 연결선[R] 12"/>
+          <p:cNvCxnSpPr/>
+          <p:nvPr/>
+        </p:nvCxnSpPr>
+        <p:spPr>
+          <a:xfrm>
+            <a:off x="1352247" y="5773551"/>
+            <a:ext cx="774008" cy="0"/>
+          </a:xfrm>
+          <a:prstGeom prst="line">
+            <a:avLst/>
+          </a:prstGeom>
+          <a:ln w="25400">
+            <a:solidFill>
+              <a:srgbClr val="FF0000"/>
+            </a:solidFill>
+          </a:ln>
+        </p:spPr>
+        <p:style>
+          <a:lnRef idx="1">
+            <a:schemeClr val="accent1"/>
+          </a:lnRef>
+          <a:fillRef idx="0">
+            <a:schemeClr val="accent1"/>
+          </a:fillRef>
+          <a:effectRef idx="0">
+            <a:schemeClr val="accent1"/>
+          </a:effectRef>
+          <a:fontRef idx="minor">
+            <a:schemeClr val="tx1"/>
+          </a:fontRef>
+        </p:style>
+      </p:cxnSp>
+      <p:cxnSp>
+        <p:nvCxnSpPr>
+          <p:cNvPr id="14" name="직선 연결선[R] 13"/>
+          <p:cNvCxnSpPr/>
+          <p:nvPr/>
+        </p:nvCxnSpPr>
+        <p:spPr>
+          <a:xfrm>
+            <a:off x="6037194" y="4444903"/>
+            <a:ext cx="2732233" cy="0"/>
+          </a:xfrm>
+          <a:prstGeom prst="line">
+            <a:avLst/>
+          </a:prstGeom>
+          <a:ln w="25400">
+            <a:solidFill>
+              <a:srgbClr val="FF0000"/>
+            </a:solidFill>
+          </a:ln>
+        </p:spPr>
+        <p:style>
+          <a:lnRef idx="1">
+            <a:schemeClr val="accent1"/>
+          </a:lnRef>
+          <a:fillRef idx="0">
+            <a:schemeClr val="accent1"/>
+          </a:fillRef>
+          <a:effectRef idx="0">
+            <a:schemeClr val="accent1"/>
+          </a:effectRef>
+          <a:fontRef idx="minor">
+            <a:schemeClr val="tx1"/>
+          </a:fontRef>
+        </p:style>
+      </p:cxnSp>
+      <p:cxnSp>
+        <p:nvCxnSpPr>
+          <p:cNvPr id="17" name="직선 연결선[R] 16"/>
+          <p:cNvCxnSpPr/>
+          <p:nvPr/>
+        </p:nvCxnSpPr>
+        <p:spPr>
+          <a:xfrm>
+            <a:off x="5602872" y="5806602"/>
+            <a:ext cx="774008" cy="0"/>
+          </a:xfrm>
+          <a:prstGeom prst="line">
+            <a:avLst/>
+          </a:prstGeom>
+          <a:ln w="25400">
+            <a:solidFill>
+              <a:srgbClr val="FF0000"/>
+            </a:solidFill>
+          </a:ln>
+        </p:spPr>
+        <p:style>
+          <a:lnRef idx="1">
+            <a:schemeClr val="accent1"/>
+          </a:lnRef>
+          <a:fillRef idx="0">
+            <a:schemeClr val="accent1"/>
+          </a:fillRef>
+          <a:effectRef idx="0">
+            <a:schemeClr val="accent1"/>
+          </a:effectRef>
+          <a:fontRef idx="minor">
+            <a:schemeClr val="tx1"/>
+          </a:fontRef>
+        </p:style>
+      </p:cxnSp>
     </p:spTree>
     <p:extLst>
       <p:ext uri="{BB962C8B-B14F-4D97-AF65-F5344CB8AC3E}">
-        <p14:creationId xmlns:p14="http://schemas.microsoft.com/office/powerpoint/2010/main" val="1599638974"/>
+        <p14:creationId xmlns:p14="http://schemas.microsoft.com/office/powerpoint/2010/main" val="187752410"/>
       </p:ext>
     </p:extLst>
   </p:cSld>
@@ -6837,7 +9805,7 @@
 </p:sld>
 </file>
 
-<file path=ppt/slides/slide2.xml><?xml version="1.0" encoding="utf-8"?>
+<file path=ppt/slides/slide22.xml><?xml version="1.0" encoding="utf-8"?>
 <p:sld xmlns:a="http://schemas.openxmlformats.org/drawingml/2006/main" xmlns:r="http://schemas.openxmlformats.org/officeDocument/2006/relationships" xmlns:p="http://schemas.openxmlformats.org/presentationml/2006/main">
   <p:cSld>
     <p:spTree>
@@ -6871,20 +9839,9 @@
           <a:p>
             <a:r>
               <a:rPr lang="ko-KR" altLang="en-US" dirty="0" smtClean="0"/>
-              <a:t>펌웨어 보안 분석 자</a:t>
-            </a:r>
-            <a:r>
-              <a:rPr lang="ko-KR" altLang="en-US" dirty="0"/>
-              <a:t>동</a:t>
-            </a:r>
-            <a:r>
-              <a:rPr lang="ko-KR" altLang="en-US" dirty="0" smtClean="0"/>
-              <a:t>화 </a:t>
-            </a:r>
-            <a:r>
-              <a:rPr lang="ko-KR" altLang="en-US" dirty="0"/>
-              <a:t>방법</a:t>
-            </a:r>
+              <a:t>향후 연구 방향</a:t>
+            </a:r>
+            <a:endParaRPr lang="ko-KR" altLang="en-US" dirty="0"/>
           </a:p>
         </p:txBody>
       </p:sp>
@@ -6898,159 +9855,654 @@
             <p:ph idx="1"/>
           </p:nvPr>
         </p:nvSpPr>
+        <p:spPr>
+          <a:xfrm>
+            <a:off x="457200" y="1641045"/>
+            <a:ext cx="8229600" cy="826733"/>
+          </a:xfrm>
+        </p:spPr>
+        <p:txBody>
+          <a:bodyPr>
+            <a:normAutofit/>
+          </a:bodyPr>
+          <a:lstStyle/>
+          <a:p>
+            <a:r>
+              <a:rPr lang="ko-KR" altLang="en-US" dirty="0"/>
+              <a:t>같은 코드 블록 안에서 서로 의존하지 않은 인스트럭션의 역전 </a:t>
+            </a:r>
+            <a:r>
+              <a:rPr lang="ko-KR" altLang="en-US" dirty="0" smtClean="0"/>
+              <a:t>허용</a:t>
+            </a:r>
+            <a:endParaRPr lang="en-US" altLang="ko-KR" dirty="0"/>
+          </a:p>
+        </p:txBody>
+      </p:sp>
+      <p:graphicFrame>
+        <p:nvGraphicFramePr>
+          <p:cNvPr id="4" name="표 3"/>
+          <p:cNvGraphicFramePr>
+            <a:graphicFrameLocks noGrp="1"/>
+          </p:cNvGraphicFramePr>
+          <p:nvPr>
+            <p:extLst>
+              <p:ext uri="{D42A27DB-BD31-4B8C-83A1-F6EECF244321}">
+                <p14:modId xmlns:p14="http://schemas.microsoft.com/office/powerpoint/2010/main" val="189884794"/>
+              </p:ext>
+            </p:extLst>
+          </p:nvPr>
+        </p:nvGraphicFramePr>
+        <p:xfrm>
+          <a:off x="251520" y="2599980"/>
+          <a:ext cx="8712968" cy="3933022"/>
+        </p:xfrm>
+        <a:graphic>
+          <a:graphicData uri="http://schemas.openxmlformats.org/drawingml/2006/table">
+            <a:tbl>
+              <a:tblPr firstRow="1" bandRow="1">
+                <a:tableStyleId>{5C22544A-7EE6-4342-B048-85BDC9FD1C3A}</a:tableStyleId>
+              </a:tblPr>
+              <a:tblGrid>
+                <a:gridCol w="4356484"/>
+                <a:gridCol w="4356484"/>
+              </a:tblGrid>
+              <a:tr h="523680">
+                <a:tc>
+                  <a:txBody>
+                    <a:bodyPr/>
+                    <a:lstStyle/>
+                    <a:p>
+                      <a:pPr latinLnBrk="1"/>
+                      <a:r>
+                        <a:rPr lang="en-US" altLang="ko-KR" dirty="0" smtClean="0"/>
+                        <a:t>MacBook</a:t>
+                      </a:r>
+                      <a:r>
+                        <a:rPr lang="en-US" altLang="ko-KR" baseline="0" dirty="0" smtClean="0"/>
+                        <a:t> Air EFI </a:t>
+                      </a:r>
+                      <a:r>
+                        <a:rPr lang="en-US" altLang="ko-KR" baseline="0" dirty="0" smtClean="0"/>
+                        <a:t>2.4 </a:t>
+                      </a:r>
+                      <a:r>
+                        <a:rPr lang="ko-KR" altLang="en-US" baseline="0" dirty="0" smtClean="0"/>
+                        <a:t>펌웨어</a:t>
+                      </a:r>
+                      <a:endParaRPr lang="ko-KR" altLang="en-US" dirty="0"/>
+                    </a:p>
+                  </a:txBody>
+                  <a:tcPr/>
+                </a:tc>
+                <a:tc>
+                  <a:txBody>
+                    <a:bodyPr/>
+                    <a:lstStyle/>
+                    <a:p>
+                      <a:pPr latinLnBrk="1"/>
+                      <a:r>
+                        <a:rPr lang="en-US" altLang="ko-KR" dirty="0" smtClean="0"/>
+                        <a:t>MacBook</a:t>
+                      </a:r>
+                      <a:r>
+                        <a:rPr lang="en-US" altLang="ko-KR" baseline="0" dirty="0" smtClean="0"/>
+                        <a:t> Air EFI 2.9 </a:t>
+                      </a:r>
+                      <a:r>
+                        <a:rPr lang="ko-KR" altLang="en-US" baseline="0" dirty="0" smtClean="0"/>
+                        <a:t>펌웨어</a:t>
+                      </a:r>
+                      <a:endParaRPr lang="ko-KR" altLang="en-US" dirty="0"/>
+                    </a:p>
+                  </a:txBody>
+                  <a:tcPr/>
+                </a:tc>
+              </a:tr>
+              <a:tr h="3409342">
+                <a:tc>
+                  <a:txBody>
+                    <a:bodyPr/>
+                    <a:lstStyle/>
+                    <a:p>
+                      <a:pPr latinLnBrk="1"/>
+                      <a:endParaRPr lang="ko-KR" altLang="en-US" dirty="0"/>
+                    </a:p>
+                  </a:txBody>
+                  <a:tcPr/>
+                </a:tc>
+                <a:tc>
+                  <a:txBody>
+                    <a:bodyPr/>
+                    <a:lstStyle/>
+                    <a:p>
+                      <a:pPr latinLnBrk="1"/>
+                      <a:endParaRPr lang="ko-KR" altLang="en-US" dirty="0"/>
+                    </a:p>
+                  </a:txBody>
+                  <a:tcPr/>
+                </a:tc>
+              </a:tr>
+            </a:tbl>
+          </a:graphicData>
+        </a:graphic>
+      </p:graphicFrame>
+      <p:pic>
+        <p:nvPicPr>
+          <p:cNvPr id="5" name="Picture 8"/>
+          <p:cNvPicPr>
+            <a:picLocks noChangeAspect="1" noChangeArrowheads="1"/>
+          </p:cNvPicPr>
+          <p:nvPr/>
+        </p:nvPicPr>
+        <p:blipFill rotWithShape="1">
+          <a:blip r:embed="rId3">
+            <a:extLst>
+              <a:ext uri="{28A0092B-C50C-407E-A947-70E740481C1C}">
+                <a14:useLocalDpi xmlns:a14="http://schemas.microsoft.com/office/drawing/2010/main" val="0"/>
+              </a:ext>
+            </a:extLst>
+          </a:blip>
+          <a:srcRect t="25915"/>
+          <a:stretch/>
+        </p:blipFill>
+        <p:spPr bwMode="auto">
+          <a:xfrm>
+            <a:off x="899592" y="3227942"/>
+            <a:ext cx="3269561" cy="3147479"/>
+          </a:xfrm>
+          <a:prstGeom prst="rect">
+            <a:avLst/>
+          </a:prstGeom>
+          <a:noFill/>
+          <a:ln>
+            <a:noFill/>
+          </a:ln>
+          <a:extLst>
+            <a:ext uri="{909E8E84-426E-40DD-AFC4-6F175D3DCCD1}">
+              <a14:hiddenFill xmlns:a14="http://schemas.microsoft.com/office/drawing/2010/main">
+                <a:solidFill>
+                  <a:schemeClr val="accent1"/>
+                </a:solidFill>
+              </a14:hiddenFill>
+            </a:ext>
+            <a:ext uri="{91240B29-F687-4F45-9708-019B960494DF}">
+              <a14:hiddenLine xmlns:a14="http://schemas.microsoft.com/office/drawing/2010/main" w="9525">
+                <a:solidFill>
+                  <a:schemeClr val="tx1"/>
+                </a:solidFill>
+                <a:miter lim="800000"/>
+                <a:headEnd/>
+                <a:tailEnd/>
+              </a14:hiddenLine>
+            </a:ext>
+          </a:extLst>
+        </p:spPr>
+      </p:pic>
+      <p:pic>
+        <p:nvPicPr>
+          <p:cNvPr id="6" name="Picture 6"/>
+          <p:cNvPicPr>
+            <a:picLocks noChangeAspect="1" noChangeArrowheads="1"/>
+          </p:cNvPicPr>
+          <p:nvPr/>
+        </p:nvPicPr>
+        <p:blipFill rotWithShape="1">
+          <a:blip r:embed="rId4">
+            <a:extLst>
+              <a:ext uri="{28A0092B-C50C-407E-A947-70E740481C1C}">
+                <a14:useLocalDpi xmlns:a14="http://schemas.microsoft.com/office/drawing/2010/main" val="0"/>
+              </a:ext>
+            </a:extLst>
+          </a:blip>
+          <a:srcRect t="25915"/>
+          <a:stretch/>
+        </p:blipFill>
+        <p:spPr bwMode="auto">
+          <a:xfrm>
+            <a:off x="5076056" y="3227941"/>
+            <a:ext cx="3322773" cy="3147479"/>
+          </a:xfrm>
+          <a:prstGeom prst="rect">
+            <a:avLst/>
+          </a:prstGeom>
+          <a:noFill/>
+          <a:ln>
+            <a:noFill/>
+          </a:ln>
+          <a:extLst>
+            <a:ext uri="{909E8E84-426E-40DD-AFC4-6F175D3DCCD1}">
+              <a14:hiddenFill xmlns:a14="http://schemas.microsoft.com/office/drawing/2010/main">
+                <a:solidFill>
+                  <a:schemeClr val="accent1"/>
+                </a:solidFill>
+              </a14:hiddenFill>
+            </a:ext>
+            <a:ext uri="{91240B29-F687-4F45-9708-019B960494DF}">
+              <a14:hiddenLine xmlns:a14="http://schemas.microsoft.com/office/drawing/2010/main" w="9525">
+                <a:solidFill>
+                  <a:schemeClr val="tx1"/>
+                </a:solidFill>
+                <a:miter lim="800000"/>
+                <a:headEnd/>
+                <a:tailEnd/>
+              </a14:hiddenLine>
+            </a:ext>
+          </a:extLst>
+        </p:spPr>
+      </p:pic>
+      <p:sp>
+        <p:nvSpPr>
+          <p:cNvPr id="7" name="직사각형 6"/>
+          <p:cNvSpPr/>
+          <p:nvPr/>
+        </p:nvSpPr>
+        <p:spPr>
+          <a:xfrm>
+            <a:off x="899592" y="4951445"/>
+            <a:ext cx="1440160" cy="306000"/>
+          </a:xfrm>
+          <a:prstGeom prst="rect">
+            <a:avLst/>
+          </a:prstGeom>
+          <a:noFill/>
+          <a:ln w="25400">
+            <a:solidFill>
+              <a:srgbClr val="FF0000"/>
+            </a:solidFill>
+          </a:ln>
+        </p:spPr>
+        <p:style>
+          <a:lnRef idx="2">
+            <a:schemeClr val="accent1">
+              <a:shade val="50000"/>
+            </a:schemeClr>
+          </a:lnRef>
+          <a:fillRef idx="1">
+            <a:schemeClr val="accent1"/>
+          </a:fillRef>
+          <a:effectRef idx="0">
+            <a:schemeClr val="accent1"/>
+          </a:effectRef>
+          <a:fontRef idx="minor">
+            <a:schemeClr val="lt1"/>
+          </a:fontRef>
+        </p:style>
+        <p:txBody>
+          <a:bodyPr rtlCol="0" anchor="ctr"/>
+          <a:lstStyle/>
+          <a:p>
+            <a:pPr algn="ctr"/>
+            <a:endParaRPr lang="ko-KR" altLang="en-US"/>
+          </a:p>
+        </p:txBody>
+      </p:sp>
+      <p:sp>
+        <p:nvSpPr>
+          <p:cNvPr id="8" name="직사각형 7"/>
+          <p:cNvSpPr/>
+          <p:nvPr/>
+        </p:nvSpPr>
+        <p:spPr>
+          <a:xfrm>
+            <a:off x="5087073" y="4962462"/>
+            <a:ext cx="1440160" cy="306000"/>
+          </a:xfrm>
+          <a:prstGeom prst="rect">
+            <a:avLst/>
+          </a:prstGeom>
+          <a:noFill/>
+          <a:ln w="25400">
+            <a:solidFill>
+              <a:srgbClr val="FF0000"/>
+            </a:solidFill>
+          </a:ln>
+        </p:spPr>
+        <p:style>
+          <a:lnRef idx="2">
+            <a:schemeClr val="accent1">
+              <a:shade val="50000"/>
+            </a:schemeClr>
+          </a:lnRef>
+          <a:fillRef idx="1">
+            <a:schemeClr val="accent1"/>
+          </a:fillRef>
+          <a:effectRef idx="0">
+            <a:schemeClr val="accent1"/>
+          </a:effectRef>
+          <a:fontRef idx="minor">
+            <a:schemeClr val="lt1"/>
+          </a:fontRef>
+        </p:style>
+        <p:txBody>
+          <a:bodyPr rtlCol="0" anchor="ctr"/>
+          <a:lstStyle/>
+          <a:p>
+            <a:pPr algn="ctr"/>
+            <a:endParaRPr lang="ko-KR" altLang="en-US"/>
+          </a:p>
+        </p:txBody>
+      </p:sp>
+      <p:sp>
+        <p:nvSpPr>
+          <p:cNvPr id="9" name="직사각형 8"/>
+          <p:cNvSpPr/>
+          <p:nvPr/>
+        </p:nvSpPr>
+        <p:spPr>
+          <a:xfrm>
+            <a:off x="899591" y="5885407"/>
+            <a:ext cx="2438519" cy="306000"/>
+          </a:xfrm>
+          <a:prstGeom prst="rect">
+            <a:avLst/>
+          </a:prstGeom>
+          <a:noFill/>
+          <a:ln w="25400">
+            <a:solidFill>
+              <a:srgbClr val="FF0000"/>
+            </a:solidFill>
+          </a:ln>
+        </p:spPr>
+        <p:style>
+          <a:lnRef idx="2">
+            <a:schemeClr val="accent1">
+              <a:shade val="50000"/>
+            </a:schemeClr>
+          </a:lnRef>
+          <a:fillRef idx="1">
+            <a:schemeClr val="accent1"/>
+          </a:fillRef>
+          <a:effectRef idx="0">
+            <a:schemeClr val="accent1"/>
+          </a:effectRef>
+          <a:fontRef idx="minor">
+            <a:schemeClr val="lt1"/>
+          </a:fontRef>
+        </p:style>
+        <p:txBody>
+          <a:bodyPr rtlCol="0" anchor="ctr"/>
+          <a:lstStyle/>
+          <a:p>
+            <a:pPr algn="ctr"/>
+            <a:endParaRPr lang="ko-KR" altLang="en-US"/>
+          </a:p>
+        </p:txBody>
+      </p:sp>
+      <p:sp>
+        <p:nvSpPr>
+          <p:cNvPr id="10" name="직사각형 9"/>
+          <p:cNvSpPr/>
+          <p:nvPr/>
+        </p:nvSpPr>
+        <p:spPr>
+          <a:xfrm>
+            <a:off x="5087073" y="5751094"/>
+            <a:ext cx="2438519" cy="306000"/>
+          </a:xfrm>
+          <a:prstGeom prst="rect">
+            <a:avLst/>
+          </a:prstGeom>
+          <a:noFill/>
+          <a:ln w="25400">
+            <a:solidFill>
+              <a:srgbClr val="FF0000"/>
+            </a:solidFill>
+          </a:ln>
+        </p:spPr>
+        <p:style>
+          <a:lnRef idx="2">
+            <a:schemeClr val="accent1">
+              <a:shade val="50000"/>
+            </a:schemeClr>
+          </a:lnRef>
+          <a:fillRef idx="1">
+            <a:schemeClr val="accent1"/>
+          </a:fillRef>
+          <a:effectRef idx="0">
+            <a:schemeClr val="accent1"/>
+          </a:effectRef>
+          <a:fontRef idx="minor">
+            <a:schemeClr val="lt1"/>
+          </a:fontRef>
+        </p:style>
+        <p:txBody>
+          <a:bodyPr rtlCol="0" anchor="ctr"/>
+          <a:lstStyle/>
+          <a:p>
+            <a:pPr algn="ctr"/>
+            <a:endParaRPr lang="ko-KR" altLang="en-US"/>
+          </a:p>
+        </p:txBody>
+      </p:sp>
+    </p:spTree>
+    <p:extLst>
+      <p:ext uri="{BB962C8B-B14F-4D97-AF65-F5344CB8AC3E}">
+        <p14:creationId xmlns:p14="http://schemas.microsoft.com/office/powerpoint/2010/main" val="187752410"/>
+      </p:ext>
+    </p:extLst>
+  </p:cSld>
+  <p:clrMapOvr>
+    <a:masterClrMapping/>
+  </p:clrMapOvr>
+  <p:timing>
+    <p:tnLst>
+      <p:par>
+        <p:cTn id="1" dur="indefinite" restart="never" nodeType="tmRoot"/>
+      </p:par>
+    </p:tnLst>
+  </p:timing>
+</p:sld>
+</file>
+
+<file path=ppt/slides/slide23.xml><?xml version="1.0" encoding="utf-8"?>
+<p:sld xmlns:a="http://schemas.openxmlformats.org/drawingml/2006/main" xmlns:r="http://schemas.openxmlformats.org/officeDocument/2006/relationships" xmlns:p="http://schemas.openxmlformats.org/presentationml/2006/main">
+  <p:cSld>
+    <p:spTree>
+      <p:nvGrpSpPr>
+        <p:cNvPr id="1" name=""/>
+        <p:cNvGrpSpPr/>
+        <p:nvPr/>
+      </p:nvGrpSpPr>
+      <p:grpSpPr>
+        <a:xfrm>
+          <a:off x="0" y="0"/>
+          <a:ext cx="0" cy="0"/>
+          <a:chOff x="0" y="0"/>
+          <a:chExt cx="0" cy="0"/>
+        </a:xfrm>
+      </p:grpSpPr>
+      <p:sp>
+        <p:nvSpPr>
+          <p:cNvPr id="2" name="제목 1"/>
+          <p:cNvSpPr>
+            <a:spLocks noGrp="1"/>
+          </p:cNvSpPr>
+          <p:nvPr>
+            <p:ph type="title"/>
+          </p:nvPr>
+        </p:nvSpPr>
         <p:spPr/>
         <p:txBody>
           <a:bodyPr/>
           <a:lstStyle/>
           <a:p>
-            <a:pPr lvl="0"/>
             <a:r>
               <a:rPr lang="ko-KR" altLang="en-US" dirty="0" smtClean="0"/>
-              <a:t>매킨토시 </a:t>
-            </a:r>
-            <a:r>
-              <a:rPr lang="ko-KR" altLang="en-US" dirty="0" err="1"/>
-              <a:t>펌웨어는</a:t>
-            </a:r>
-            <a:r>
-              <a:rPr lang="ko-KR" altLang="en-US" dirty="0"/>
-              <a:t> </a:t>
+              <a:t>향후 연구 방향</a:t>
+            </a:r>
+            <a:endParaRPr lang="ko-KR" altLang="en-US" dirty="0"/>
+          </a:p>
+        </p:txBody>
+      </p:sp>
+      <p:sp>
+        <p:nvSpPr>
+          <p:cNvPr id="3" name="내용 개체 틀 2"/>
+          <p:cNvSpPr>
+            <a:spLocks noGrp="1"/>
+          </p:cNvSpPr>
+          <p:nvPr>
+            <p:ph idx="1"/>
+          </p:nvPr>
+        </p:nvSpPr>
+        <p:spPr/>
+        <p:txBody>
+          <a:bodyPr/>
+          <a:lstStyle/>
+          <a:p>
+            <a:r>
+              <a:rPr lang="ko-KR" altLang="en-US" dirty="0" smtClean="0"/>
+              <a:t>단순 </a:t>
             </a:r>
             <a:r>
               <a:rPr lang="en-US" altLang="ko-KR" dirty="0" smtClean="0"/>
-              <a:t>EFI</a:t>
+              <a:t>opcode</a:t>
             </a:r>
             <a:r>
               <a:rPr lang="ko-KR" altLang="en-US" dirty="0" smtClean="0"/>
-              <a:t> 기반 </a:t>
-            </a:r>
-            <a:r>
-              <a:rPr lang="ko-KR" altLang="en-US" dirty="0" err="1" smtClean="0"/>
-              <a:t>펌웨어</a:t>
+              <a:t>의 패턴 매칭이 아닌 </a:t>
+            </a:r>
+            <a:r>
+              <a:rPr lang="en-US" altLang="ko-KR" dirty="0" smtClean="0"/>
+              <a:t>operand</a:t>
+            </a:r>
+            <a:r>
+              <a:rPr lang="ko-KR" altLang="en-US" dirty="0" smtClean="0"/>
+              <a:t>까지 포함한 패턴 매칭</a:t>
             </a:r>
             <a:endParaRPr lang="en-US" altLang="ko-KR" dirty="0" smtClean="0"/>
           </a:p>
           <a:p>
             <a:pPr lvl="1"/>
             <a:r>
-              <a:rPr lang="en-US" altLang="ko-KR" dirty="0" smtClean="0"/>
-              <a:t>EFI </a:t>
-            </a:r>
-            <a:r>
-              <a:rPr lang="ko-KR" altLang="en-US" dirty="0"/>
-              <a:t>자체는 코드가 </a:t>
-            </a:r>
-            <a:r>
-              <a:rPr lang="en-US" altLang="ko-KR" dirty="0" smtClean="0"/>
-              <a:t>C </a:t>
-            </a:r>
-            <a:r>
               <a:rPr lang="ko-KR" altLang="en-US" dirty="0" smtClean="0"/>
-              <a:t>언어로 공개</a:t>
+              <a:t>레지스터의 의존성 분석이 선행</a:t>
             </a:r>
             <a:endParaRPr lang="en-US" altLang="ko-KR" dirty="0" smtClean="0"/>
           </a:p>
           <a:p>
             <a:pPr lvl="1"/>
+            <a:r>
+              <a:rPr lang="ko-KR" altLang="en-US" dirty="0" smtClean="0"/>
+              <a:t>상대주소의 심볼화 선행</a:t>
+            </a:r>
+            <a:endParaRPr lang="en-US" altLang="ko-KR" dirty="0" smtClean="0"/>
+          </a:p>
+          <a:p>
+            <a:pPr lvl="1"/>
+            <a:r>
+              <a:rPr lang="ko-KR" altLang="en-US" dirty="0" smtClean="0"/>
+              <a:t>패턴 매칭 알고리즘의 개선</a:t>
+            </a:r>
+            <a:endParaRPr lang="en-US" altLang="ko-KR" dirty="0" smtClean="0"/>
+          </a:p>
+          <a:p>
             <a:endParaRPr lang="en-US" altLang="ko-KR" dirty="0"/>
           </a:p>
           <a:p>
             <a:r>
               <a:rPr lang="ko-KR" altLang="en-US" dirty="0" smtClean="0"/>
-              <a:t>매킨토시 </a:t>
-            </a:r>
-            <a:r>
-              <a:rPr lang="ko-KR" altLang="en-US" dirty="0" err="1"/>
-              <a:t>펌웨어에</a:t>
-            </a:r>
-            <a:r>
-              <a:rPr lang="ko-KR" altLang="en-US" dirty="0"/>
-              <a:t> </a:t>
+              <a:t>같은 코드 블록 안에서 서로 의존하지 않은 인스트럭션의 역전 </a:t>
             </a:r>
             <a:r>
               <a:rPr lang="ko-KR" altLang="en-US" dirty="0" smtClean="0"/>
-              <a:t>공개된 </a:t>
-            </a:r>
-            <a:r>
-              <a:rPr lang="en-US" altLang="ko-KR" dirty="0" smtClean="0"/>
-              <a:t>EFI</a:t>
-            </a:r>
+              <a:t>허용</a:t>
+            </a:r>
+            <a:endParaRPr lang="en-US" altLang="ko-KR" dirty="0" smtClean="0"/>
+          </a:p>
+          <a:p>
+            <a:pPr lvl="1"/>
             <a:r>
               <a:rPr lang="ko-KR" altLang="en-US" dirty="0" smtClean="0"/>
-              <a:t>의 </a:t>
-            </a:r>
-            <a:r>
-              <a:rPr lang="en-US" altLang="ko-KR" dirty="0"/>
-              <a:t>C </a:t>
-            </a:r>
-            <a:r>
-              <a:rPr lang="ko-KR" altLang="en-US" dirty="0"/>
-              <a:t>코드를 부분적으로 </a:t>
-            </a:r>
-            <a:r>
-              <a:rPr lang="ko-KR" altLang="en-US" dirty="0" err="1" smtClean="0"/>
-              <a:t>매핑</a:t>
+              <a:t>레지스터의 의존성 분석이 선행</a:t>
             </a:r>
             <a:endParaRPr lang="en-US" altLang="ko-KR" dirty="0" smtClean="0"/>
-          </a:p>
-          <a:p>
-            <a:pPr lvl="1"/>
-            <a:r>
-              <a:rPr lang="ko-KR" altLang="en-US" dirty="0" err="1" smtClean="0"/>
-              <a:t>함수명</a:t>
-            </a:r>
-            <a:r>
-              <a:rPr lang="en-US" altLang="ko-KR" dirty="0" smtClean="0"/>
-              <a:t>, </a:t>
-            </a:r>
-            <a:r>
-              <a:rPr lang="ko-KR" altLang="en-US" dirty="0" smtClean="0"/>
-              <a:t>변수명 등의 심볼 정보 복원을 통해 보안 분석의 단서 확보</a:t>
-            </a:r>
-            <a:endParaRPr lang="en-US" altLang="ko-KR" dirty="0" smtClean="0"/>
-          </a:p>
-          <a:p>
-            <a:pPr lvl="1"/>
-            <a:endParaRPr lang="en-US" altLang="ko-KR" dirty="0"/>
-          </a:p>
-          <a:p>
-            <a:pPr lvl="0"/>
-            <a:r>
-              <a:rPr lang="ko-KR" altLang="en-US" dirty="0"/>
-              <a:t>매킨토시 펌웨어의 버전이 증가함에 따라 변화된 코드의 식별</a:t>
-            </a:r>
-            <a:endParaRPr lang="en-US" altLang="ko-KR" dirty="0"/>
-          </a:p>
-          <a:p>
-            <a:pPr lvl="1"/>
-            <a:r>
-              <a:rPr lang="ko-KR" altLang="en-US" dirty="0"/>
-              <a:t>새로 업데이트된 펌웨어에 대해 </a:t>
-            </a:r>
-            <a:r>
-              <a:rPr lang="en-US" altLang="ko-KR" dirty="0"/>
-              <a:t>C </a:t>
-            </a:r>
-            <a:r>
-              <a:rPr lang="ko-KR" altLang="en-US" dirty="0"/>
-              <a:t>코드 매핑 작업 생략</a:t>
-            </a:r>
-            <a:r>
-              <a:rPr lang="en-US" altLang="ko-KR" dirty="0"/>
-              <a:t> </a:t>
-            </a:r>
-            <a:r>
-              <a:rPr lang="ko-KR" altLang="en-US" dirty="0" smtClean="0"/>
-              <a:t>가능</a:t>
-            </a:r>
-            <a:endParaRPr lang="ko-KR" altLang="en-US" dirty="0"/>
           </a:p>
         </p:txBody>
       </p:sp>
     </p:spTree>
     <p:extLst>
       <p:ext uri="{BB962C8B-B14F-4D97-AF65-F5344CB8AC3E}">
-        <p14:creationId xmlns:p14="http://schemas.microsoft.com/office/powerpoint/2010/main" val="1385663691"/>
+        <p14:creationId xmlns:p14="http://schemas.microsoft.com/office/powerpoint/2010/main" val="187752410"/>
+      </p:ext>
+    </p:extLst>
+  </p:cSld>
+  <p:clrMapOvr>
+    <a:masterClrMapping/>
+  </p:clrMapOvr>
+  <p:timing>
+    <p:tnLst>
+      <p:par>
+        <p:cTn id="1" dur="indefinite" restart="never" nodeType="tmRoot"/>
+      </p:par>
+    </p:tnLst>
+  </p:timing>
+</p:sld>
+</file>
+
+<file path=ppt/slides/slide24.xml><?xml version="1.0" encoding="utf-8"?>
+<p:sld xmlns:a="http://schemas.openxmlformats.org/drawingml/2006/main" xmlns:r="http://schemas.openxmlformats.org/officeDocument/2006/relationships" xmlns:p="http://schemas.openxmlformats.org/presentationml/2006/main">
+  <p:cSld>
+    <p:spTree>
+      <p:nvGrpSpPr>
+        <p:cNvPr id="1" name=""/>
+        <p:cNvGrpSpPr/>
+        <p:nvPr/>
+      </p:nvGrpSpPr>
+      <p:grpSpPr>
+        <a:xfrm>
+          <a:off x="0" y="0"/>
+          <a:ext cx="0" cy="0"/>
+          <a:chOff x="0" y="0"/>
+          <a:chExt cx="0" cy="0"/>
+        </a:xfrm>
+      </p:grpSpPr>
+      <p:sp>
+        <p:nvSpPr>
+          <p:cNvPr id="2" name="제목 1"/>
+          <p:cNvSpPr>
+            <a:spLocks noGrp="1"/>
+          </p:cNvSpPr>
+          <p:nvPr>
+            <p:ph type="title"/>
+          </p:nvPr>
+        </p:nvSpPr>
+        <p:spPr/>
+        <p:txBody>
+          <a:bodyPr/>
+          <a:lstStyle/>
+          <a:p>
+            <a:r>
+              <a:rPr lang="en-US" altLang="ko-KR" dirty="0" smtClean="0"/>
+              <a:t>Q &amp; A</a:t>
+            </a:r>
+            <a:endParaRPr lang="ko-KR" altLang="en-US" dirty="0"/>
+          </a:p>
+        </p:txBody>
+      </p:sp>
+      <p:sp>
+        <p:nvSpPr>
+          <p:cNvPr id="3" name="내용 개체 틀 2"/>
+          <p:cNvSpPr>
+            <a:spLocks noGrp="1"/>
+          </p:cNvSpPr>
+          <p:nvPr>
+            <p:ph idx="1"/>
+          </p:nvPr>
+        </p:nvSpPr>
+        <p:spPr/>
+        <p:txBody>
+          <a:bodyPr/>
+          <a:lstStyle/>
+          <a:p>
+            <a:endParaRPr lang="ko-KR" altLang="en-US"/>
+          </a:p>
+        </p:txBody>
+      </p:sp>
+    </p:spTree>
+    <p:extLst>
+      <p:ext uri="{BB962C8B-B14F-4D97-AF65-F5344CB8AC3E}">
+        <p14:creationId xmlns:p14="http://schemas.microsoft.com/office/powerpoint/2010/main" val="1599638974"/>
       </p:ext>
     </p:extLst>
   </p:cSld>
@@ -7120,6 +10572,268 @@
       </p:sp>
       <p:sp>
         <p:nvSpPr>
+          <p:cNvPr id="3" name="내용 개체 틀 2"/>
+          <p:cNvSpPr>
+            <a:spLocks noGrp="1"/>
+          </p:cNvSpPr>
+          <p:nvPr>
+            <p:ph idx="1"/>
+          </p:nvPr>
+        </p:nvSpPr>
+        <p:spPr/>
+        <p:txBody>
+          <a:bodyPr/>
+          <a:lstStyle/>
+          <a:p>
+            <a:pPr lvl="0"/>
+            <a:r>
+              <a:rPr lang="ko-KR" altLang="en-US" dirty="0" smtClean="0"/>
+              <a:t>매킨토시 </a:t>
+            </a:r>
+            <a:r>
+              <a:rPr lang="ko-KR" altLang="en-US" dirty="0" err="1"/>
+              <a:t>펌웨어는</a:t>
+            </a:r>
+            <a:r>
+              <a:rPr lang="ko-KR" altLang="en-US" dirty="0"/>
+              <a:t> </a:t>
+            </a:r>
+            <a:r>
+              <a:rPr lang="en-US" altLang="ko-KR" dirty="0" smtClean="0"/>
+              <a:t>EFI</a:t>
+            </a:r>
+            <a:r>
+              <a:rPr lang="ko-KR" altLang="en-US" dirty="0" smtClean="0"/>
+              <a:t> 기반 </a:t>
+            </a:r>
+            <a:r>
+              <a:rPr lang="ko-KR" altLang="en-US" dirty="0" err="1" smtClean="0"/>
+              <a:t>펌웨어</a:t>
+            </a:r>
+            <a:endParaRPr lang="en-US" altLang="ko-KR" dirty="0" smtClean="0"/>
+          </a:p>
+          <a:p>
+            <a:pPr lvl="1"/>
+            <a:r>
+              <a:rPr lang="en-US" altLang="ko-KR" dirty="0" smtClean="0"/>
+              <a:t>EDK</a:t>
+            </a:r>
+            <a:r>
+              <a:rPr lang="ko-KR" altLang="en-US" dirty="0" smtClean="0"/>
+              <a:t>를 통해 공개된 </a:t>
+            </a:r>
+            <a:r>
+              <a:rPr lang="en-US" altLang="ko-KR" dirty="0" smtClean="0"/>
+              <a:t>EFI </a:t>
+            </a:r>
+            <a:r>
+              <a:rPr lang="ko-KR" altLang="en-US" dirty="0" smtClean="0"/>
+              <a:t>인터페이스</a:t>
+            </a:r>
+            <a:r>
+              <a:rPr lang="en-US" altLang="ko-KR" dirty="0" smtClean="0"/>
+              <a:t> </a:t>
+            </a:r>
+            <a:r>
+              <a:rPr lang="ko-KR" altLang="en-US" dirty="0" smtClean="0"/>
+              <a:t>코드는 </a:t>
+            </a:r>
+            <a:r>
+              <a:rPr lang="en-US" altLang="ko-KR" dirty="0" smtClean="0"/>
+              <a:t>C </a:t>
+            </a:r>
+            <a:r>
+              <a:rPr lang="ko-KR" altLang="en-US" dirty="0" smtClean="0"/>
+              <a:t>언어로 공개</a:t>
+            </a:r>
+            <a:endParaRPr lang="en-US" altLang="ko-KR" dirty="0" smtClean="0"/>
+          </a:p>
+          <a:p>
+            <a:pPr lvl="1"/>
+            <a:endParaRPr lang="en-US" altLang="ko-KR" dirty="0"/>
+          </a:p>
+          <a:p>
+            <a:r>
+              <a:rPr lang="ko-KR" altLang="en-US" dirty="0" smtClean="0"/>
+              <a:t>매킨토시 </a:t>
+            </a:r>
+            <a:r>
+              <a:rPr lang="ko-KR" altLang="en-US" dirty="0" err="1"/>
+              <a:t>펌웨어에</a:t>
+            </a:r>
+            <a:r>
+              <a:rPr lang="ko-KR" altLang="en-US" dirty="0"/>
+              <a:t> </a:t>
+            </a:r>
+            <a:r>
+              <a:rPr lang="ko-KR" altLang="en-US" dirty="0" smtClean="0"/>
+              <a:t>공개된 </a:t>
+            </a:r>
+            <a:r>
+              <a:rPr lang="en-US" altLang="ko-KR" dirty="0" smtClean="0"/>
+              <a:t>EFI</a:t>
+            </a:r>
+            <a:r>
+              <a:rPr lang="ko-KR" altLang="en-US" dirty="0" smtClean="0"/>
+              <a:t> 인터페이스</a:t>
+            </a:r>
+            <a:r>
+              <a:rPr lang="en-US" altLang="ko-KR" dirty="0" smtClean="0"/>
+              <a:t> </a:t>
+            </a:r>
+            <a:r>
+              <a:rPr lang="ko-KR" altLang="en-US" dirty="0"/>
+              <a:t>코드를 부분적으로 </a:t>
+            </a:r>
+            <a:r>
+              <a:rPr lang="ko-KR" altLang="en-US" dirty="0" err="1" smtClean="0"/>
+              <a:t>매핑</a:t>
+            </a:r>
+            <a:endParaRPr lang="en-US" altLang="ko-KR" dirty="0" smtClean="0"/>
+          </a:p>
+          <a:p>
+            <a:pPr lvl="1"/>
+            <a:r>
+              <a:rPr lang="ko-KR" altLang="en-US" dirty="0" err="1" smtClean="0"/>
+              <a:t>함수명</a:t>
+            </a:r>
+            <a:r>
+              <a:rPr lang="en-US" altLang="ko-KR" dirty="0" smtClean="0"/>
+              <a:t>, </a:t>
+            </a:r>
+            <a:r>
+              <a:rPr lang="ko-KR" altLang="en-US" dirty="0" smtClean="0"/>
+              <a:t>변수명 등의 심볼 정보 복원을 통해 보안 분석의 단서 확보</a:t>
+            </a:r>
+            <a:endParaRPr lang="en-US" altLang="ko-KR" dirty="0" smtClean="0"/>
+          </a:p>
+          <a:p>
+            <a:pPr lvl="1"/>
+            <a:endParaRPr lang="en-US" altLang="ko-KR" dirty="0"/>
+          </a:p>
+          <a:p>
+            <a:pPr lvl="0"/>
+            <a:r>
+              <a:rPr lang="ko-KR" altLang="en-US" dirty="0"/>
+              <a:t>매킨토시 펌웨어의 버전이 증가함에 따라 변화된 코드의 식별</a:t>
+            </a:r>
+            <a:endParaRPr lang="en-US" altLang="ko-KR" dirty="0"/>
+          </a:p>
+          <a:p>
+            <a:pPr lvl="1"/>
+            <a:r>
+              <a:rPr lang="ko-KR" altLang="en-US" dirty="0" smtClean="0"/>
+              <a:t>보안 패치된 </a:t>
+            </a:r>
+            <a:r>
+              <a:rPr lang="ko-KR" altLang="en-US" dirty="0" smtClean="0"/>
+              <a:t>영역이 실제로 보안 허점을 수정했는지 검증 가능</a:t>
+            </a:r>
+            <a:endParaRPr lang="en-US" altLang="ko-KR" dirty="0" smtClean="0"/>
+          </a:p>
+          <a:p>
+            <a:pPr lvl="1"/>
+            <a:r>
+              <a:rPr lang="ko-KR" altLang="en-US" dirty="0" smtClean="0"/>
+              <a:t>새로 </a:t>
+            </a:r>
+            <a:r>
+              <a:rPr lang="ko-KR" altLang="en-US" dirty="0"/>
+              <a:t>업데이트된 펌웨어에 대해 </a:t>
+            </a:r>
+            <a:r>
+              <a:rPr lang="en-US" altLang="ko-KR" dirty="0"/>
+              <a:t>C </a:t>
+            </a:r>
+            <a:r>
+              <a:rPr lang="ko-KR" altLang="en-US" dirty="0"/>
+              <a:t>코드 매핑 작업 생략</a:t>
+            </a:r>
+            <a:r>
+              <a:rPr lang="en-US" altLang="ko-KR" dirty="0"/>
+              <a:t> </a:t>
+            </a:r>
+            <a:r>
+              <a:rPr lang="ko-KR" altLang="en-US" dirty="0" smtClean="0"/>
+              <a:t>가능</a:t>
+            </a:r>
+            <a:endParaRPr lang="ko-KR" altLang="en-US" dirty="0"/>
+          </a:p>
+        </p:txBody>
+      </p:sp>
+    </p:spTree>
+    <p:extLst>
+      <p:ext uri="{BB962C8B-B14F-4D97-AF65-F5344CB8AC3E}">
+        <p14:creationId xmlns:p14="http://schemas.microsoft.com/office/powerpoint/2010/main" val="1385663691"/>
+      </p:ext>
+    </p:extLst>
+  </p:cSld>
+  <p:clrMapOvr>
+    <a:masterClrMapping/>
+  </p:clrMapOvr>
+  <p:timing>
+    <p:tnLst>
+      <p:par>
+        <p:cTn id="1" dur="indefinite" restart="never" nodeType="tmRoot"/>
+      </p:par>
+    </p:tnLst>
+  </p:timing>
+</p:sld>
+</file>
+
+<file path=ppt/slides/slide4.xml><?xml version="1.0" encoding="utf-8"?>
+<p:sld xmlns:a="http://schemas.openxmlformats.org/drawingml/2006/main" xmlns:r="http://schemas.openxmlformats.org/officeDocument/2006/relationships" xmlns:p="http://schemas.openxmlformats.org/presentationml/2006/main">
+  <p:cSld>
+    <p:spTree>
+      <p:nvGrpSpPr>
+        <p:cNvPr id="1" name=""/>
+        <p:cNvGrpSpPr/>
+        <p:nvPr/>
+      </p:nvGrpSpPr>
+      <p:grpSpPr>
+        <a:xfrm>
+          <a:off x="0" y="0"/>
+          <a:ext cx="0" cy="0"/>
+          <a:chOff x="0" y="0"/>
+          <a:chExt cx="0" cy="0"/>
+        </a:xfrm>
+      </p:grpSpPr>
+      <p:sp>
+        <p:nvSpPr>
+          <p:cNvPr id="2" name="제목 1"/>
+          <p:cNvSpPr>
+            <a:spLocks noGrp="1"/>
+          </p:cNvSpPr>
+          <p:nvPr>
+            <p:ph type="title"/>
+          </p:nvPr>
+        </p:nvSpPr>
+        <p:spPr/>
+        <p:txBody>
+          <a:bodyPr/>
+          <a:lstStyle/>
+          <a:p>
+            <a:r>
+              <a:rPr lang="ko-KR" altLang="en-US" dirty="0" smtClean="0"/>
+              <a:t>펌웨어 보안 분석 자</a:t>
+            </a:r>
+            <a:r>
+              <a:rPr lang="ko-KR" altLang="en-US" dirty="0"/>
+              <a:t>동</a:t>
+            </a:r>
+            <a:r>
+              <a:rPr lang="ko-KR" altLang="en-US" dirty="0" smtClean="0"/>
+              <a:t>화 </a:t>
+            </a:r>
+            <a:r>
+              <a:rPr lang="ko-KR" altLang="en-US" dirty="0"/>
+              <a:t>방법</a:t>
+            </a:r>
+          </a:p>
+        </p:txBody>
+      </p:sp>
+      <p:sp>
+        <p:nvSpPr>
           <p:cNvPr id="19" name="모서리가 둥근 직사각형 18"/>
           <p:cNvSpPr/>
           <p:nvPr/>
@@ -8868,7 +12582,7 @@
         <p:spPr>
           <a:xfrm>
             <a:off x="525523" y="1412776"/>
-            <a:ext cx="5054589" cy="461665"/>
+            <a:ext cx="6678431" cy="461665"/>
           </a:xfrm>
           <a:prstGeom prst="rect">
             <a:avLst/>
@@ -8895,7 +12609,7 @@
             </a:r>
             <a:r>
               <a:rPr kumimoji="1" lang="ko-KR" altLang="en-US" sz="2400" dirty="0" smtClean="0"/>
-              <a:t>코드 매핑</a:t>
+              <a:t>인터페이스 코드 매핑</a:t>
             </a:r>
             <a:endParaRPr kumimoji="1" lang="ko-KR" altLang="en-US" sz="2400" dirty="0"/>
           </a:p>
@@ -9400,7 +13114,7 @@
 </p:sld>
 </file>
 
-<file path=ppt/slides/slide4.xml><?xml version="1.0" encoding="utf-8"?>
+<file path=ppt/slides/slide5.xml><?xml version="1.0" encoding="utf-8"?>
 <p:sld xmlns:a="http://schemas.openxmlformats.org/drawingml/2006/main" xmlns:r="http://schemas.openxmlformats.org/officeDocument/2006/relationships" xmlns:p="http://schemas.openxmlformats.org/presentationml/2006/main">
   <p:cSld>
     <p:spTree>
@@ -9593,193 +13307,6 @@
     <p:extLst>
       <p:ext uri="{BB962C8B-B14F-4D97-AF65-F5344CB8AC3E}">
         <p14:creationId xmlns:p14="http://schemas.microsoft.com/office/powerpoint/2010/main" val="2620030696"/>
-      </p:ext>
-    </p:extLst>
-  </p:cSld>
-  <p:clrMapOvr>
-    <a:masterClrMapping/>
-  </p:clrMapOvr>
-  <p:timing>
-    <p:tnLst>
-      <p:par>
-        <p:cTn id="1" dur="indefinite" restart="never" nodeType="tmRoot"/>
-      </p:par>
-    </p:tnLst>
-  </p:timing>
-</p:sld>
-</file>
-
-<file path=ppt/slides/slide5.xml><?xml version="1.0" encoding="utf-8"?>
-<p:sld xmlns:a="http://schemas.openxmlformats.org/drawingml/2006/main" xmlns:r="http://schemas.openxmlformats.org/officeDocument/2006/relationships" xmlns:p="http://schemas.openxmlformats.org/presentationml/2006/main">
-  <p:cSld>
-    <p:spTree>
-      <p:nvGrpSpPr>
-        <p:cNvPr id="1" name=""/>
-        <p:cNvGrpSpPr/>
-        <p:nvPr/>
-      </p:nvGrpSpPr>
-      <p:grpSpPr>
-        <a:xfrm>
-          <a:off x="0" y="0"/>
-          <a:ext cx="0" cy="0"/>
-          <a:chOff x="0" y="0"/>
-          <a:chExt cx="0" cy="0"/>
-        </a:xfrm>
-      </p:grpSpPr>
-      <p:sp>
-        <p:nvSpPr>
-          <p:cNvPr id="2" name="제목 1"/>
-          <p:cNvSpPr>
-            <a:spLocks noGrp="1"/>
-          </p:cNvSpPr>
-          <p:nvPr>
-            <p:ph type="title"/>
-          </p:nvPr>
-        </p:nvSpPr>
-        <p:spPr/>
-        <p:txBody>
-          <a:bodyPr>
-            <a:normAutofit fontScale="90000"/>
-          </a:bodyPr>
-          <a:lstStyle/>
-          <a:p>
-            <a:r>
-              <a:rPr lang="en-US" altLang="ko-KR" dirty="0" smtClean="0"/>
-              <a:t>EFI</a:t>
-            </a:r>
-            <a:r>
-              <a:rPr lang="ko-KR" altLang="en-US" dirty="0" smtClean="0"/>
-              <a:t>와 매킨토시 펌웨어 어셈블리 코드</a:t>
-            </a:r>
-            <a:r>
-              <a:rPr lang="en-US" altLang="ko-KR" dirty="0" smtClean="0"/>
-              <a:t/>
-            </a:r>
-            <a:br>
-              <a:rPr lang="en-US" altLang="ko-KR" dirty="0" smtClean="0"/>
-            </a:br>
-            <a:r>
-              <a:rPr lang="ko-KR" altLang="en-US" dirty="0" smtClean="0"/>
-              <a:t>비교 분석</a:t>
-            </a:r>
-            <a:endParaRPr lang="ko-KR" altLang="en-US" dirty="0"/>
-          </a:p>
-        </p:txBody>
-      </p:sp>
-      <p:sp>
-        <p:nvSpPr>
-          <p:cNvPr id="9" name="내용 개체 틀 2"/>
-          <p:cNvSpPr>
-            <a:spLocks noGrp="1"/>
-          </p:cNvSpPr>
-          <p:nvPr>
-            <p:ph idx="1"/>
-          </p:nvPr>
-        </p:nvSpPr>
-        <p:spPr>
-          <a:xfrm>
-            <a:off x="457200" y="1600200"/>
-            <a:ext cx="8229600" cy="4876800"/>
-          </a:xfrm>
-        </p:spPr>
-        <p:txBody>
-          <a:bodyPr/>
-          <a:lstStyle/>
-          <a:p>
-            <a:r>
-              <a:rPr lang="ko-KR" altLang="en-US" dirty="0"/>
-              <a:t>매킨토시 </a:t>
-            </a:r>
-            <a:r>
-              <a:rPr lang="ko-KR" altLang="en-US" dirty="0" err="1"/>
-              <a:t>펌웨어에</a:t>
-            </a:r>
-            <a:r>
-              <a:rPr lang="ko-KR" altLang="en-US" dirty="0"/>
-              <a:t> 공개된 </a:t>
-            </a:r>
-            <a:r>
-              <a:rPr lang="en-US" altLang="ko-KR" dirty="0"/>
-              <a:t>EFI</a:t>
-            </a:r>
-            <a:r>
-              <a:rPr lang="ko-KR" altLang="en-US" dirty="0"/>
-              <a:t>의 </a:t>
-            </a:r>
-            <a:r>
-              <a:rPr lang="en-US" altLang="ko-KR" dirty="0"/>
-              <a:t>C </a:t>
-            </a:r>
-            <a:r>
-              <a:rPr lang="ko-KR" altLang="en-US" dirty="0"/>
-              <a:t>코드를 부분적으로 </a:t>
-            </a:r>
-            <a:r>
-              <a:rPr lang="ko-KR" altLang="en-US" dirty="0" err="1"/>
-              <a:t>매핑</a:t>
-            </a:r>
-            <a:endParaRPr lang="en-US" altLang="ko-KR" dirty="0"/>
-          </a:p>
-          <a:p>
-            <a:pPr lvl="1"/>
-            <a:r>
-              <a:rPr lang="ko-KR" altLang="en-US" dirty="0" smtClean="0"/>
-              <a:t>매킨토시 </a:t>
-            </a:r>
-            <a:r>
-              <a:rPr lang="ko-KR" altLang="en-US" dirty="0" err="1" smtClean="0"/>
-              <a:t>펌웨어의</a:t>
-            </a:r>
-            <a:r>
-              <a:rPr lang="ko-KR" altLang="en-US" dirty="0" smtClean="0"/>
-              <a:t> 역어셈블 코드와 </a:t>
-            </a:r>
-            <a:r>
-              <a:rPr lang="en-US" altLang="ko-KR" dirty="0" smtClean="0"/>
-              <a:t>EFI</a:t>
-            </a:r>
-            <a:r>
-              <a:rPr lang="ko-KR" altLang="en-US" dirty="0" smtClean="0"/>
-              <a:t>를 </a:t>
-            </a:r>
-            <a:r>
-              <a:rPr lang="ko-KR" altLang="en-US" dirty="0" err="1" smtClean="0"/>
-              <a:t>컴파일한</a:t>
-            </a:r>
-            <a:r>
-              <a:rPr lang="ko-KR" altLang="en-US" dirty="0" smtClean="0"/>
-              <a:t> 코드의 유사한 패턴을 찾기 위한 비교 분석</a:t>
-            </a:r>
-            <a:endParaRPr lang="en-US" altLang="ko-KR" dirty="0" smtClean="0"/>
-          </a:p>
-          <a:p>
-            <a:endParaRPr lang="en-US" altLang="ko-KR" dirty="0" smtClean="0"/>
-          </a:p>
-          <a:p>
-            <a:r>
-              <a:rPr lang="en-US" altLang="ko-KR" dirty="0" smtClean="0"/>
-              <a:t>LLVM(3.1.0) </a:t>
-            </a:r>
-            <a:r>
-              <a:rPr lang="ko-KR" altLang="en-US" dirty="0" smtClean="0"/>
-              <a:t>으로 컴파일한 </a:t>
-            </a:r>
-            <a:r>
-              <a:rPr lang="en-US" altLang="ko-KR" dirty="0" smtClean="0"/>
-              <a:t>EFI </a:t>
-            </a:r>
-            <a:r>
-              <a:rPr lang="ko-KR" altLang="en-US" dirty="0" smtClean="0"/>
-              <a:t>코드와 매킨토시 펌웨어의 유사성 발견</a:t>
-            </a:r>
-            <a:endParaRPr lang="ko-KR" altLang="en-US" dirty="0"/>
-          </a:p>
-        </p:txBody>
-      </p:sp>
-    </p:spTree>
-    <p:extLst>
-      <p:ext uri="{BB962C8B-B14F-4D97-AF65-F5344CB8AC3E}">
-        <p14:creationId xmlns:p14="http://schemas.microsoft.com/office/powerpoint/2010/main" val="1338937162"/>
       </p:ext>
     </p:extLst>
   </p:cSld>
@@ -9831,27 +13358,270 @@
           <a:lstStyle/>
           <a:p>
             <a:r>
+              <a:rPr lang="en-US" altLang="ko-KR" dirty="0" smtClean="0"/>
+              <a:t>EFI </a:t>
+            </a:r>
+            <a:r>
+              <a:rPr lang="ko-KR" altLang="en-US" dirty="0" smtClean="0"/>
+              <a:t>인터페이스와 매킨토시 </a:t>
+            </a:r>
+            <a:r>
+              <a:rPr lang="ko-KR" altLang="en-US" dirty="0" err="1" smtClean="0"/>
+              <a:t>펌웨어</a:t>
+            </a:r>
+            <a:r>
+              <a:rPr lang="en-US" altLang="ko-KR" dirty="0" smtClean="0"/>
+              <a:t/>
+            </a:r>
+            <a:br>
+              <a:rPr lang="en-US" altLang="ko-KR" dirty="0" smtClean="0"/>
+            </a:br>
+            <a:r>
+              <a:rPr lang="ko-KR" altLang="en-US" dirty="0" smtClean="0"/>
+              <a:t>어셈블리 코드</a:t>
+            </a:r>
+            <a:r>
+              <a:rPr lang="en-US" altLang="ko-KR" dirty="0" smtClean="0"/>
+              <a:t> </a:t>
+            </a:r>
+            <a:r>
+              <a:rPr lang="ko-KR" altLang="en-US" dirty="0" smtClean="0"/>
+              <a:t>비교 분석</a:t>
+            </a:r>
+            <a:endParaRPr lang="ko-KR" altLang="en-US" dirty="0"/>
+          </a:p>
+        </p:txBody>
+      </p:sp>
+      <p:sp>
+        <p:nvSpPr>
+          <p:cNvPr id="9" name="내용 개체 틀 2"/>
+          <p:cNvSpPr>
+            <a:spLocks noGrp="1"/>
+          </p:cNvSpPr>
+          <p:nvPr>
+            <p:ph idx="1"/>
+          </p:nvPr>
+        </p:nvSpPr>
+        <p:spPr>
+          <a:xfrm>
+            <a:off x="457200" y="1600200"/>
+            <a:ext cx="8229600" cy="4876800"/>
+          </a:xfrm>
+        </p:spPr>
+        <p:txBody>
+          <a:bodyPr/>
+          <a:lstStyle/>
+          <a:p>
+            <a:r>
+              <a:rPr lang="ko-KR" altLang="en-US" dirty="0"/>
+              <a:t>매킨토시 </a:t>
+            </a:r>
+            <a:r>
+              <a:rPr lang="ko-KR" altLang="en-US" dirty="0" err="1"/>
+              <a:t>펌웨어에</a:t>
+            </a:r>
+            <a:r>
+              <a:rPr lang="ko-KR" altLang="en-US" dirty="0"/>
+              <a:t> </a:t>
+            </a:r>
+            <a:r>
+              <a:rPr lang="en-US" altLang="ko-KR" dirty="0" smtClean="0"/>
+              <a:t>EFI</a:t>
+            </a:r>
+            <a:r>
+              <a:rPr lang="ko-KR" altLang="en-US" dirty="0" smtClean="0"/>
+              <a:t> 인터페이스 </a:t>
+            </a:r>
+            <a:r>
               <a:rPr lang="en-US" altLang="ko-KR" dirty="0"/>
-              <a:t>EFI</a:t>
+              <a:t>C </a:t>
             </a:r>
             <a:r>
               <a:rPr lang="ko-KR" altLang="en-US" dirty="0"/>
-              <a:t>와 매킨토시 펌웨어 어셈블리 코드</a:t>
-            </a:r>
-            <a:r>
-              <a:rPr lang="en-US" altLang="ko-KR" dirty="0"/>
+              <a:t>코드를 부분적으로 </a:t>
+            </a:r>
+            <a:r>
+              <a:rPr lang="ko-KR" altLang="en-US" dirty="0" err="1"/>
+              <a:t>매핑</a:t>
+            </a:r>
+            <a:endParaRPr lang="en-US" altLang="ko-KR" dirty="0"/>
+          </a:p>
+          <a:p>
+            <a:pPr lvl="1"/>
+            <a:r>
+              <a:rPr lang="ko-KR" altLang="en-US" dirty="0" smtClean="0"/>
+              <a:t>매킨토시 </a:t>
+            </a:r>
+            <a:r>
+              <a:rPr lang="ko-KR" altLang="en-US" dirty="0" err="1" smtClean="0"/>
+              <a:t>펌웨어의</a:t>
+            </a:r>
+            <a:r>
+              <a:rPr lang="ko-KR" altLang="en-US" dirty="0" smtClean="0"/>
+              <a:t> 역어셈블 코드와 </a:t>
+            </a:r>
+            <a:r>
+              <a:rPr lang="en-US" altLang="ko-KR" dirty="0" smtClean="0"/>
+              <a:t>EFI </a:t>
+            </a:r>
+            <a:r>
+              <a:rPr lang="ko-KR" altLang="en-US" dirty="0" smtClean="0"/>
+              <a:t>인터페이스를 </a:t>
+            </a:r>
+            <a:r>
+              <a:rPr lang="ko-KR" altLang="en-US" dirty="0" err="1" smtClean="0"/>
+              <a:t>컴파일한</a:t>
+            </a:r>
+            <a:r>
+              <a:rPr lang="ko-KR" altLang="en-US" dirty="0" smtClean="0"/>
+              <a:t> 코드의 유사한 패턴을 찾기 위한 비교 분석</a:t>
+            </a:r>
+            <a:endParaRPr lang="en-US" altLang="ko-KR" dirty="0" smtClean="0"/>
+          </a:p>
+          <a:p>
+            <a:endParaRPr lang="en-US" altLang="ko-KR" dirty="0" smtClean="0"/>
+          </a:p>
+          <a:p>
+            <a:r>
+              <a:rPr lang="en-US" altLang="ko-KR" dirty="0" smtClean="0"/>
+              <a:t>LLVM(3.1.0) </a:t>
+            </a:r>
+            <a:r>
+              <a:rPr lang="ko-KR" altLang="en-US" dirty="0" smtClean="0"/>
+              <a:t>으로 </a:t>
+            </a:r>
+            <a:r>
+              <a:rPr lang="ko-KR" altLang="en-US" dirty="0" err="1" smtClean="0"/>
+              <a:t>컴파일한</a:t>
+            </a:r>
+            <a:r>
+              <a:rPr lang="ko-KR" altLang="en-US" dirty="0" smtClean="0"/>
+              <a:t> </a:t>
+            </a:r>
+            <a:r>
+              <a:rPr lang="en-US" altLang="ko-KR" dirty="0" smtClean="0"/>
+              <a:t>EFI </a:t>
+            </a:r>
+            <a:r>
+              <a:rPr lang="ko-KR" altLang="en-US" dirty="0" smtClean="0"/>
+              <a:t>인터페이스</a:t>
+            </a:r>
+            <a:r>
+              <a:rPr lang="en-US" altLang="ko-KR" dirty="0" smtClean="0"/>
+              <a:t> </a:t>
+            </a:r>
+            <a:r>
+              <a:rPr lang="ko-KR" altLang="en-US" dirty="0" smtClean="0"/>
+              <a:t>코드와 매킨토시 </a:t>
+            </a:r>
+            <a:r>
+              <a:rPr lang="ko-KR" altLang="en-US" dirty="0" err="1" smtClean="0"/>
+              <a:t>펌웨어</a:t>
+            </a:r>
+            <a:r>
+              <a:rPr lang="en-US" altLang="ko-KR" dirty="0" smtClean="0"/>
+              <a:t>(</a:t>
+            </a:r>
+            <a:r>
+              <a:rPr lang="en-US" altLang="ko-KR" dirty="0" err="1" smtClean="0"/>
+              <a:t>MacBook</a:t>
+            </a:r>
+            <a:r>
+              <a:rPr lang="en-US" altLang="ko-KR" dirty="0" smtClean="0"/>
+              <a:t> Air EFI 2.9)</a:t>
+            </a:r>
+            <a:r>
+              <a:rPr lang="ko-KR" altLang="en-US" dirty="0" smtClean="0"/>
+              <a:t>의 유사성 발견</a:t>
+            </a:r>
+            <a:endParaRPr lang="ko-KR" altLang="en-US" dirty="0"/>
+          </a:p>
+        </p:txBody>
+      </p:sp>
+    </p:spTree>
+    <p:extLst>
+      <p:ext uri="{BB962C8B-B14F-4D97-AF65-F5344CB8AC3E}">
+        <p14:creationId xmlns:p14="http://schemas.microsoft.com/office/powerpoint/2010/main" val="1338937162"/>
+      </p:ext>
+    </p:extLst>
+  </p:cSld>
+  <p:clrMapOvr>
+    <a:masterClrMapping/>
+  </p:clrMapOvr>
+  <p:timing>
+    <p:tnLst>
+      <p:par>
+        <p:cTn id="1" dur="indefinite" restart="never" nodeType="tmRoot"/>
+      </p:par>
+    </p:tnLst>
+  </p:timing>
+</p:sld>
+</file>
+
+<file path=ppt/slides/slide7.xml><?xml version="1.0" encoding="utf-8"?>
+<p:sld xmlns:a="http://schemas.openxmlformats.org/drawingml/2006/main" xmlns:r="http://schemas.openxmlformats.org/officeDocument/2006/relationships" xmlns:p="http://schemas.openxmlformats.org/presentationml/2006/main">
+  <p:cSld>
+    <p:spTree>
+      <p:nvGrpSpPr>
+        <p:cNvPr id="1" name=""/>
+        <p:cNvGrpSpPr/>
+        <p:nvPr/>
+      </p:nvGrpSpPr>
+      <p:grpSpPr>
+        <a:xfrm>
+          <a:off x="0" y="0"/>
+          <a:ext cx="0" cy="0"/>
+          <a:chOff x="0" y="0"/>
+          <a:chExt cx="0" cy="0"/>
+        </a:xfrm>
+      </p:grpSpPr>
+      <p:sp>
+        <p:nvSpPr>
+          <p:cNvPr id="2" name="제목 1"/>
+          <p:cNvSpPr>
+            <a:spLocks noGrp="1"/>
+          </p:cNvSpPr>
+          <p:nvPr>
+            <p:ph type="title"/>
+          </p:nvPr>
+        </p:nvSpPr>
+        <p:spPr/>
+        <p:txBody>
+          <a:bodyPr>
+            <a:normAutofit fontScale="90000"/>
+          </a:bodyPr>
+          <a:lstStyle/>
+          <a:p>
+            <a:r>
+              <a:rPr lang="en-US" altLang="ko-KR" dirty="0" smtClean="0"/>
+              <a:t>EFI </a:t>
+            </a:r>
+            <a:r>
+              <a:rPr lang="ko-KR" altLang="en-US" dirty="0" smtClean="0"/>
+              <a:t>인터페이스와 매킨토시 </a:t>
+            </a:r>
+            <a:r>
+              <a:rPr lang="ko-KR" altLang="en-US" dirty="0" err="1" smtClean="0"/>
+              <a:t>펌웨어</a:t>
+            </a:r>
+            <a:r>
+              <a:rPr lang="en-US" altLang="ko-KR" dirty="0" smtClean="0"/>
               <a:t/>
             </a:r>
             <a:br>
-              <a:rPr lang="en-US" altLang="ko-KR" dirty="0"/>
+              <a:rPr lang="en-US" altLang="ko-KR" dirty="0" smtClean="0"/>
             </a:br>
             <a:r>
-              <a:rPr lang="ko-KR" altLang="en-US" dirty="0"/>
-              <a:t>비교 </a:t>
-            </a:r>
-            <a:r>
               <a:rPr lang="ko-KR" altLang="en-US" dirty="0" smtClean="0"/>
-              <a:t>분석</a:t>
+              <a:t>어셈블리 코드</a:t>
+            </a:r>
+            <a:r>
+              <a:rPr lang="en-US" altLang="ko-KR" dirty="0" smtClean="0"/>
+              <a:t> </a:t>
+            </a:r>
+            <a:r>
+              <a:rPr lang="ko-KR" altLang="en-US" dirty="0" smtClean="0"/>
+              <a:t>비교 분석</a:t>
             </a:r>
             <a:endParaRPr lang="ko-KR" altLang="en-US" dirty="0"/>
           </a:p>
@@ -9917,7 +13687,11 @@
                       <a:pPr latinLnBrk="1"/>
                       <a:r>
                         <a:rPr lang="en-US" altLang="ko-KR" dirty="0" smtClean="0"/>
-                        <a:t>EFI</a:t>
+                        <a:t>EFI </a:t>
+                      </a:r>
+                      <a:r>
+                        <a:rPr lang="ko-KR" altLang="en-US" dirty="0" smtClean="0"/>
+                        <a:t>인터페이스</a:t>
                       </a:r>
                       <a:r>
                         <a:rPr lang="en-US" altLang="ko-KR" baseline="0" dirty="0" smtClean="0"/>
@@ -10162,14 +13936,195 @@
   <p:timing>
     <p:tnLst>
       <p:par>
-        <p:cTn id="1" dur="indefinite" restart="never" nodeType="tmRoot"/>
+        <p:cTn id="1" dur="indefinite" restart="never" nodeType="tmRoot">
+          <p:childTnLst>
+            <p:seq concurrent="1" nextAc="seek">
+              <p:cTn id="2" dur="indefinite" nodeType="mainSeq">
+                <p:childTnLst>
+                  <p:par>
+                    <p:cTn id="3" fill="hold">
+                      <p:stCondLst>
+                        <p:cond delay="indefinite"/>
+                      </p:stCondLst>
+                      <p:childTnLst>
+                        <p:par>
+                          <p:cTn id="4" fill="hold">
+                            <p:stCondLst>
+                              <p:cond delay="0"/>
+                            </p:stCondLst>
+                            <p:childTnLst>
+                              <p:par>
+                                <p:cTn id="5" presetID="10" presetClass="entr" presetSubtype="0" fill="hold" nodeType="clickEffect">
+                                  <p:stCondLst>
+                                    <p:cond delay="0"/>
+                                  </p:stCondLst>
+                                  <p:childTnLst>
+                                    <p:set>
+                                      <p:cBhvr>
+                                        <p:cTn id="6" dur="1" fill="hold">
+                                          <p:stCondLst>
+                                            <p:cond delay="0"/>
+                                          </p:stCondLst>
+                                        </p:cTn>
+                                        <p:tgtEl>
+                                          <p:spTgt spid="20"/>
+                                        </p:tgtEl>
+                                        <p:attrNameLst>
+                                          <p:attrName>style.visibility</p:attrName>
+                                        </p:attrNameLst>
+                                      </p:cBhvr>
+                                      <p:to>
+                                        <p:strVal val="visible"/>
+                                      </p:to>
+                                    </p:set>
+                                    <p:animEffect transition="in" filter="fade">
+                                      <p:cBhvr>
+                                        <p:cTn id="7" dur="500"/>
+                                        <p:tgtEl>
+                                          <p:spTgt spid="20"/>
+                                        </p:tgtEl>
+                                      </p:cBhvr>
+                                    </p:animEffect>
+                                  </p:childTnLst>
+                                </p:cTn>
+                              </p:par>
+                              <p:par>
+                                <p:cTn id="8" presetID="10" presetClass="entr" presetSubtype="0" fill="hold" nodeType="withEffect">
+                                  <p:stCondLst>
+                                    <p:cond delay="0"/>
+                                  </p:stCondLst>
+                                  <p:childTnLst>
+                                    <p:set>
+                                      <p:cBhvr>
+                                        <p:cTn id="9" dur="1" fill="hold">
+                                          <p:stCondLst>
+                                            <p:cond delay="0"/>
+                                          </p:stCondLst>
+                                        </p:cTn>
+                                        <p:tgtEl>
+                                          <p:spTgt spid="10"/>
+                                        </p:tgtEl>
+                                        <p:attrNameLst>
+                                          <p:attrName>style.visibility</p:attrName>
+                                        </p:attrNameLst>
+                                      </p:cBhvr>
+                                      <p:to>
+                                        <p:strVal val="visible"/>
+                                      </p:to>
+                                    </p:set>
+                                    <p:animEffect transition="in" filter="fade">
+                                      <p:cBhvr>
+                                        <p:cTn id="10" dur="500"/>
+                                        <p:tgtEl>
+                                          <p:spTgt spid="10"/>
+                                        </p:tgtEl>
+                                      </p:cBhvr>
+                                    </p:animEffect>
+                                  </p:childTnLst>
+                                </p:cTn>
+                              </p:par>
+                              <p:par>
+                                <p:cTn id="11" presetID="10" presetClass="entr" presetSubtype="0" fill="hold" nodeType="withEffect">
+                                  <p:stCondLst>
+                                    <p:cond delay="0"/>
+                                  </p:stCondLst>
+                                  <p:childTnLst>
+                                    <p:set>
+                                      <p:cBhvr>
+                                        <p:cTn id="12" dur="1" fill="hold">
+                                          <p:stCondLst>
+                                            <p:cond delay="0"/>
+                                          </p:stCondLst>
+                                        </p:cTn>
+                                        <p:tgtEl>
+                                          <p:spTgt spid="21"/>
+                                        </p:tgtEl>
+                                        <p:attrNameLst>
+                                          <p:attrName>style.visibility</p:attrName>
+                                        </p:attrNameLst>
+                                      </p:cBhvr>
+                                      <p:to>
+                                        <p:strVal val="visible"/>
+                                      </p:to>
+                                    </p:set>
+                                    <p:animEffect transition="in" filter="fade">
+                                      <p:cBhvr>
+                                        <p:cTn id="13" dur="500"/>
+                                        <p:tgtEl>
+                                          <p:spTgt spid="21"/>
+                                        </p:tgtEl>
+                                      </p:cBhvr>
+                                    </p:animEffect>
+                                  </p:childTnLst>
+                                </p:cTn>
+                              </p:par>
+                              <p:par>
+                                <p:cTn id="14" presetID="10" presetClass="entr" presetSubtype="0" fill="hold" nodeType="withEffect">
+                                  <p:stCondLst>
+                                    <p:cond delay="0"/>
+                                  </p:stCondLst>
+                                  <p:childTnLst>
+                                    <p:set>
+                                      <p:cBhvr>
+                                        <p:cTn id="15" dur="1" fill="hold">
+                                          <p:stCondLst>
+                                            <p:cond delay="0"/>
+                                          </p:stCondLst>
+                                        </p:cTn>
+                                        <p:tgtEl>
+                                          <p:spTgt spid="23"/>
+                                        </p:tgtEl>
+                                        <p:attrNameLst>
+                                          <p:attrName>style.visibility</p:attrName>
+                                        </p:attrNameLst>
+                                      </p:cBhvr>
+                                      <p:to>
+                                        <p:strVal val="visible"/>
+                                      </p:to>
+                                    </p:set>
+                                    <p:animEffect transition="in" filter="fade">
+                                      <p:cBhvr>
+                                        <p:cTn id="16" dur="500"/>
+                                        <p:tgtEl>
+                                          <p:spTgt spid="23"/>
+                                        </p:tgtEl>
+                                      </p:cBhvr>
+                                    </p:animEffect>
+                                  </p:childTnLst>
+                                </p:cTn>
+                              </p:par>
+                            </p:childTnLst>
+                          </p:cTn>
+                        </p:par>
+                      </p:childTnLst>
+                    </p:cTn>
+                  </p:par>
+                </p:childTnLst>
+              </p:cTn>
+              <p:prevCondLst>
+                <p:cond evt="onPrev" delay="0">
+                  <p:tgtEl>
+                    <p:sldTgt/>
+                  </p:tgtEl>
+                </p:cond>
+              </p:prevCondLst>
+              <p:nextCondLst>
+                <p:cond evt="onNext" delay="0">
+                  <p:tgtEl>
+                    <p:sldTgt/>
+                  </p:tgtEl>
+                </p:cond>
+              </p:nextCondLst>
+            </p:seq>
+          </p:childTnLst>
+        </p:cTn>
       </p:par>
     </p:tnLst>
   </p:timing>
 </p:sld>
 </file>
 
-<file path=ppt/slides/slide7.xml><?xml version="1.0" encoding="utf-8"?>
+<file path=ppt/slides/slide8.xml><?xml version="1.0" encoding="utf-8"?>
 <p:sld xmlns:a="http://schemas.openxmlformats.org/drawingml/2006/main" xmlns:r="http://schemas.openxmlformats.org/officeDocument/2006/relationships" xmlns:p="http://schemas.openxmlformats.org/presentationml/2006/main">
   <p:cSld>
     <p:spTree>
@@ -10369,7 +14324,7 @@
                       </a:r>
                       <a:r>
                         <a:rPr lang="ko-KR" altLang="en-US" baseline="0" dirty="0" smtClean="0"/>
-                        <a:t>컴파일 결과물</a:t>
+                        <a:t>인터페이스 컴파일 결과물</a:t>
                       </a:r>
                       <a:endParaRPr lang="ko-KR" altLang="en-US" dirty="0"/>
                     </a:p>
@@ -10453,6 +14408,638 @@
           </a:prstGeom>
         </p:spPr>
       </p:pic>
+      <p:cxnSp>
+        <p:nvCxnSpPr>
+          <p:cNvPr id="26" name="직선 연결선 25"/>
+          <p:cNvCxnSpPr/>
+          <p:nvPr/>
+        </p:nvCxnSpPr>
+        <p:spPr>
+          <a:xfrm>
+            <a:off x="952938" y="3714752"/>
+            <a:ext cx="285752" cy="1588"/>
+          </a:xfrm>
+          <a:prstGeom prst="line">
+            <a:avLst/>
+          </a:prstGeom>
+          <a:ln w="25400">
+            <a:solidFill>
+              <a:srgbClr val="FF0000"/>
+            </a:solidFill>
+          </a:ln>
+        </p:spPr>
+        <p:style>
+          <a:lnRef idx="1">
+            <a:schemeClr val="accent1"/>
+          </a:lnRef>
+          <a:fillRef idx="0">
+            <a:schemeClr val="accent1"/>
+          </a:fillRef>
+          <a:effectRef idx="0">
+            <a:schemeClr val="accent1"/>
+          </a:effectRef>
+          <a:fontRef idx="minor">
+            <a:schemeClr val="tx1"/>
+          </a:fontRef>
+        </p:style>
+      </p:cxnSp>
+      <p:cxnSp>
+        <p:nvCxnSpPr>
+          <p:cNvPr id="28" name="직선 연결선 27"/>
+          <p:cNvCxnSpPr/>
+          <p:nvPr/>
+        </p:nvCxnSpPr>
+        <p:spPr>
+          <a:xfrm>
+            <a:off x="959682" y="3883336"/>
+            <a:ext cx="285752" cy="1588"/>
+          </a:xfrm>
+          <a:prstGeom prst="line">
+            <a:avLst/>
+          </a:prstGeom>
+          <a:ln w="25400">
+            <a:solidFill>
+              <a:srgbClr val="FF0000"/>
+            </a:solidFill>
+          </a:ln>
+        </p:spPr>
+        <p:style>
+          <a:lnRef idx="1">
+            <a:schemeClr val="accent1"/>
+          </a:lnRef>
+          <a:fillRef idx="0">
+            <a:schemeClr val="accent1"/>
+          </a:fillRef>
+          <a:effectRef idx="0">
+            <a:schemeClr val="accent1"/>
+          </a:effectRef>
+          <a:fontRef idx="minor">
+            <a:schemeClr val="tx1"/>
+          </a:fontRef>
+        </p:style>
+      </p:cxnSp>
+      <p:cxnSp>
+        <p:nvCxnSpPr>
+          <p:cNvPr id="29" name="직선 연결선 28"/>
+          <p:cNvCxnSpPr/>
+          <p:nvPr/>
+        </p:nvCxnSpPr>
+        <p:spPr>
+          <a:xfrm>
+            <a:off x="4785865" y="3307452"/>
+            <a:ext cx="285752" cy="1588"/>
+          </a:xfrm>
+          <a:prstGeom prst="line">
+            <a:avLst/>
+          </a:prstGeom>
+          <a:ln w="25400">
+            <a:solidFill>
+              <a:srgbClr val="FF0000"/>
+            </a:solidFill>
+          </a:ln>
+        </p:spPr>
+        <p:style>
+          <a:lnRef idx="1">
+            <a:schemeClr val="accent1"/>
+          </a:lnRef>
+          <a:fillRef idx="0">
+            <a:schemeClr val="accent1"/>
+          </a:fillRef>
+          <a:effectRef idx="0">
+            <a:schemeClr val="accent1"/>
+          </a:effectRef>
+          <a:fontRef idx="minor">
+            <a:schemeClr val="tx1"/>
+          </a:fontRef>
+        </p:style>
+      </p:cxnSp>
+      <p:cxnSp>
+        <p:nvCxnSpPr>
+          <p:cNvPr id="30" name="직선 연결선 29"/>
+          <p:cNvCxnSpPr/>
+          <p:nvPr/>
+        </p:nvCxnSpPr>
+        <p:spPr>
+          <a:xfrm>
+            <a:off x="4800701" y="3476036"/>
+            <a:ext cx="285752" cy="1588"/>
+          </a:xfrm>
+          <a:prstGeom prst="line">
+            <a:avLst/>
+          </a:prstGeom>
+          <a:ln w="25400">
+            <a:solidFill>
+              <a:srgbClr val="FF0000"/>
+            </a:solidFill>
+          </a:ln>
+        </p:spPr>
+        <p:style>
+          <a:lnRef idx="1">
+            <a:schemeClr val="accent1"/>
+          </a:lnRef>
+          <a:fillRef idx="0">
+            <a:schemeClr val="accent1"/>
+          </a:fillRef>
+          <a:effectRef idx="0">
+            <a:schemeClr val="accent1"/>
+          </a:effectRef>
+          <a:fontRef idx="minor">
+            <a:schemeClr val="tx1"/>
+          </a:fontRef>
+        </p:style>
+      </p:cxnSp>
+      <p:cxnSp>
+        <p:nvCxnSpPr>
+          <p:cNvPr id="31" name="직선 연결선 30"/>
+          <p:cNvCxnSpPr/>
+          <p:nvPr/>
+        </p:nvCxnSpPr>
+        <p:spPr>
+          <a:xfrm>
+            <a:off x="4799353" y="3644620"/>
+            <a:ext cx="285752" cy="1588"/>
+          </a:xfrm>
+          <a:prstGeom prst="line">
+            <a:avLst/>
+          </a:prstGeom>
+          <a:ln w="25400">
+            <a:solidFill>
+              <a:srgbClr val="FF0000"/>
+            </a:solidFill>
+          </a:ln>
+        </p:spPr>
+        <p:style>
+          <a:lnRef idx="1">
+            <a:schemeClr val="accent1"/>
+          </a:lnRef>
+          <a:fillRef idx="0">
+            <a:schemeClr val="accent1"/>
+          </a:fillRef>
+          <a:effectRef idx="0">
+            <a:schemeClr val="accent1"/>
+          </a:effectRef>
+          <a:fontRef idx="minor">
+            <a:schemeClr val="tx1"/>
+          </a:fontRef>
+        </p:style>
+      </p:cxnSp>
+      <p:cxnSp>
+        <p:nvCxnSpPr>
+          <p:cNvPr id="37" name="직선 연결선 36"/>
+          <p:cNvCxnSpPr/>
+          <p:nvPr/>
+        </p:nvCxnSpPr>
+        <p:spPr>
+          <a:xfrm>
+            <a:off x="4798577" y="3827533"/>
+            <a:ext cx="347958" cy="1588"/>
+          </a:xfrm>
+          <a:prstGeom prst="line">
+            <a:avLst/>
+          </a:prstGeom>
+          <a:ln w="25400">
+            <a:solidFill>
+              <a:srgbClr val="FF0000"/>
+            </a:solidFill>
+          </a:ln>
+        </p:spPr>
+        <p:style>
+          <a:lnRef idx="1">
+            <a:schemeClr val="accent1"/>
+          </a:lnRef>
+          <a:fillRef idx="0">
+            <a:schemeClr val="accent1"/>
+          </a:fillRef>
+          <a:effectRef idx="0">
+            <a:schemeClr val="accent1"/>
+          </a:effectRef>
+          <a:fontRef idx="minor">
+            <a:schemeClr val="tx1"/>
+          </a:fontRef>
+        </p:style>
+      </p:cxnSp>
+      <p:cxnSp>
+        <p:nvCxnSpPr>
+          <p:cNvPr id="38" name="직선 연결선 37"/>
+          <p:cNvCxnSpPr/>
+          <p:nvPr/>
+        </p:nvCxnSpPr>
+        <p:spPr>
+          <a:xfrm>
+            <a:off x="4781820" y="4517211"/>
+            <a:ext cx="285752" cy="1588"/>
+          </a:xfrm>
+          <a:prstGeom prst="line">
+            <a:avLst/>
+          </a:prstGeom>
+          <a:ln w="25400">
+            <a:solidFill>
+              <a:srgbClr val="FF0000"/>
+            </a:solidFill>
+          </a:ln>
+        </p:spPr>
+        <p:style>
+          <a:lnRef idx="1">
+            <a:schemeClr val="accent1"/>
+          </a:lnRef>
+          <a:fillRef idx="0">
+            <a:schemeClr val="accent1"/>
+          </a:fillRef>
+          <a:effectRef idx="0">
+            <a:schemeClr val="accent1"/>
+          </a:effectRef>
+          <a:fontRef idx="minor">
+            <a:schemeClr val="tx1"/>
+          </a:fontRef>
+        </p:style>
+      </p:cxnSp>
+      <p:cxnSp>
+        <p:nvCxnSpPr>
+          <p:cNvPr id="39" name="직선 연결선 38"/>
+          <p:cNvCxnSpPr/>
+          <p:nvPr/>
+        </p:nvCxnSpPr>
+        <p:spPr>
+          <a:xfrm>
+            <a:off x="4788564" y="4685795"/>
+            <a:ext cx="285752" cy="1588"/>
+          </a:xfrm>
+          <a:prstGeom prst="line">
+            <a:avLst/>
+          </a:prstGeom>
+          <a:ln w="25400">
+            <a:solidFill>
+              <a:srgbClr val="FF0000"/>
+            </a:solidFill>
+          </a:ln>
+        </p:spPr>
+        <p:style>
+          <a:lnRef idx="1">
+            <a:schemeClr val="accent1"/>
+          </a:lnRef>
+          <a:fillRef idx="0">
+            <a:schemeClr val="accent1"/>
+          </a:fillRef>
+          <a:effectRef idx="0">
+            <a:schemeClr val="accent1"/>
+          </a:effectRef>
+          <a:fontRef idx="minor">
+            <a:schemeClr val="tx1"/>
+          </a:fontRef>
+        </p:style>
+      </p:cxnSp>
+      <p:sp>
+        <p:nvSpPr>
+          <p:cNvPr id="40" name="TextBox 39"/>
+          <p:cNvSpPr txBox="1"/>
+          <p:nvPr/>
+        </p:nvSpPr>
+        <p:spPr>
+          <a:xfrm>
+            <a:off x="6489813" y="4257094"/>
+            <a:ext cx="1133644" cy="369332"/>
+          </a:xfrm>
+          <a:prstGeom prst="rect">
+            <a:avLst/>
+          </a:prstGeom>
+          <a:noFill/>
+        </p:spPr>
+        <p:txBody>
+          <a:bodyPr wrap="none" rtlCol="0">
+            <a:spAutoFit/>
+          </a:bodyPr>
+          <a:lstStyle/>
+          <a:p>
+            <a:r>
+              <a:rPr lang="en-US" altLang="ko-KR" dirty="0" smtClean="0">
+                <a:solidFill>
+                  <a:srgbClr val="FF0000"/>
+                </a:solidFill>
+              </a:rPr>
+              <a:t>matched!</a:t>
+            </a:r>
+            <a:endParaRPr lang="ko-KR" altLang="en-US" dirty="0">
+              <a:solidFill>
+                <a:srgbClr val="FF0000"/>
+              </a:solidFill>
+            </a:endParaRPr>
+          </a:p>
+        </p:txBody>
+      </p:sp>
+      <p:sp>
+        <p:nvSpPr>
+          <p:cNvPr id="41" name="TextBox 40"/>
+          <p:cNvSpPr txBox="1"/>
+          <p:nvPr/>
+        </p:nvSpPr>
+        <p:spPr>
+          <a:xfrm>
+            <a:off x="8040570" y="4400719"/>
+            <a:ext cx="1133644" cy="369332"/>
+          </a:xfrm>
+          <a:prstGeom prst="rect">
+            <a:avLst/>
+          </a:prstGeom>
+          <a:noFill/>
+        </p:spPr>
+        <p:txBody>
+          <a:bodyPr wrap="none" rtlCol="0">
+            <a:spAutoFit/>
+          </a:bodyPr>
+          <a:lstStyle/>
+          <a:p>
+            <a:r>
+              <a:rPr lang="en-US" altLang="ko-KR" dirty="0" smtClean="0">
+                <a:solidFill>
+                  <a:srgbClr val="FF0000"/>
+                </a:solidFill>
+              </a:rPr>
+              <a:t>matched!</a:t>
+            </a:r>
+            <a:endParaRPr lang="ko-KR" altLang="en-US" dirty="0">
+              <a:solidFill>
+                <a:srgbClr val="FF0000"/>
+              </a:solidFill>
+            </a:endParaRPr>
+          </a:p>
+        </p:txBody>
+      </p:sp>
+      <p:sp>
+        <p:nvSpPr>
+          <p:cNvPr id="4" name="직사각형 3"/>
+          <p:cNvSpPr/>
+          <p:nvPr/>
+        </p:nvSpPr>
+        <p:spPr>
+          <a:xfrm>
+            <a:off x="952938" y="3573016"/>
+            <a:ext cx="2385173" cy="141736"/>
+          </a:xfrm>
+          <a:prstGeom prst="rect">
+            <a:avLst/>
+          </a:prstGeom>
+          <a:noFill/>
+          <a:ln w="26424">
+            <a:solidFill>
+              <a:srgbClr val="FF0000"/>
+            </a:solidFill>
+          </a:ln>
+        </p:spPr>
+        <p:style>
+          <a:lnRef idx="2">
+            <a:schemeClr val="accent1">
+              <a:shade val="50000"/>
+            </a:schemeClr>
+          </a:lnRef>
+          <a:fillRef idx="1">
+            <a:schemeClr val="accent1"/>
+          </a:fillRef>
+          <a:effectRef idx="0">
+            <a:schemeClr val="accent1"/>
+          </a:effectRef>
+          <a:fontRef idx="minor">
+            <a:schemeClr val="lt1"/>
+          </a:fontRef>
+        </p:style>
+        <p:txBody>
+          <a:bodyPr rtlCol="0" anchor="ctr"/>
+          <a:lstStyle/>
+          <a:p>
+            <a:pPr algn="ctr"/>
+            <a:endParaRPr kumimoji="1" lang="ko-KR" altLang="en-US"/>
+          </a:p>
+        </p:txBody>
+      </p:sp>
+      <p:sp>
+        <p:nvSpPr>
+          <p:cNvPr id="18" name="직사각형 17"/>
+          <p:cNvSpPr/>
+          <p:nvPr/>
+        </p:nvSpPr>
+        <p:spPr>
+          <a:xfrm>
+            <a:off x="4798577" y="4373950"/>
+            <a:ext cx="1728000" cy="141736"/>
+          </a:xfrm>
+          <a:prstGeom prst="rect">
+            <a:avLst/>
+          </a:prstGeom>
+          <a:noFill/>
+          <a:ln w="26424">
+            <a:solidFill>
+              <a:srgbClr val="FF0000"/>
+            </a:solidFill>
+          </a:ln>
+        </p:spPr>
+        <p:style>
+          <a:lnRef idx="2">
+            <a:schemeClr val="accent1">
+              <a:shade val="50000"/>
+            </a:schemeClr>
+          </a:lnRef>
+          <a:fillRef idx="1">
+            <a:schemeClr val="accent1"/>
+          </a:fillRef>
+          <a:effectRef idx="0">
+            <a:schemeClr val="accent1"/>
+          </a:effectRef>
+          <a:fontRef idx="minor">
+            <a:schemeClr val="lt1"/>
+          </a:fontRef>
+        </p:style>
+        <p:txBody>
+          <a:bodyPr rtlCol="0" anchor="ctr"/>
+          <a:lstStyle/>
+          <a:p>
+            <a:pPr algn="ctr"/>
+            <a:endParaRPr kumimoji="1" lang="ko-KR" altLang="en-US"/>
+          </a:p>
+        </p:txBody>
+      </p:sp>
+      <p:sp>
+        <p:nvSpPr>
+          <p:cNvPr id="6" name="직사각형 5"/>
+          <p:cNvSpPr/>
+          <p:nvPr/>
+        </p:nvSpPr>
+        <p:spPr>
+          <a:xfrm>
+            <a:off x="952938" y="3573016"/>
+            <a:ext cx="3321607" cy="310320"/>
+          </a:xfrm>
+          <a:prstGeom prst="rect">
+            <a:avLst/>
+          </a:prstGeom>
+          <a:noFill/>
+          <a:ln>
+            <a:solidFill>
+              <a:srgbClr val="FF0000"/>
+            </a:solidFill>
+          </a:ln>
+        </p:spPr>
+        <p:style>
+          <a:lnRef idx="2">
+            <a:schemeClr val="accent1">
+              <a:shade val="50000"/>
+            </a:schemeClr>
+          </a:lnRef>
+          <a:fillRef idx="1">
+            <a:schemeClr val="accent1"/>
+          </a:fillRef>
+          <a:effectRef idx="0">
+            <a:schemeClr val="accent1"/>
+          </a:effectRef>
+          <a:fontRef idx="minor">
+            <a:schemeClr val="lt1"/>
+          </a:fontRef>
+        </p:style>
+        <p:txBody>
+          <a:bodyPr rtlCol="0" anchor="ctr"/>
+          <a:lstStyle/>
+          <a:p>
+            <a:pPr algn="ctr"/>
+            <a:endParaRPr kumimoji="1" lang="ko-KR" altLang="en-US"/>
+          </a:p>
+        </p:txBody>
+      </p:sp>
+      <p:sp>
+        <p:nvSpPr>
+          <p:cNvPr id="21" name="직사각형 20"/>
+          <p:cNvSpPr/>
+          <p:nvPr/>
+        </p:nvSpPr>
+        <p:spPr>
+          <a:xfrm>
+            <a:off x="4798577" y="4375475"/>
+            <a:ext cx="3321607" cy="310320"/>
+          </a:xfrm>
+          <a:prstGeom prst="rect">
+            <a:avLst/>
+          </a:prstGeom>
+          <a:noFill/>
+          <a:ln>
+            <a:solidFill>
+              <a:srgbClr val="FF0000"/>
+            </a:solidFill>
+          </a:ln>
+        </p:spPr>
+        <p:style>
+          <a:lnRef idx="2">
+            <a:schemeClr val="accent1">
+              <a:shade val="50000"/>
+            </a:schemeClr>
+          </a:lnRef>
+          <a:fillRef idx="1">
+            <a:schemeClr val="accent1"/>
+          </a:fillRef>
+          <a:effectRef idx="0">
+            <a:schemeClr val="accent1"/>
+          </a:effectRef>
+          <a:fontRef idx="minor">
+            <a:schemeClr val="lt1"/>
+          </a:fontRef>
+        </p:style>
+        <p:txBody>
+          <a:bodyPr rtlCol="0" anchor="ctr"/>
+          <a:lstStyle/>
+          <a:p>
+            <a:pPr algn="ctr"/>
+            <a:endParaRPr kumimoji="1" lang="ko-KR" altLang="en-US"/>
+          </a:p>
+        </p:txBody>
+      </p:sp>
+      <p:sp>
+        <p:nvSpPr>
+          <p:cNvPr id="9" name="직사각형 8"/>
+          <p:cNvSpPr/>
+          <p:nvPr/>
+        </p:nvSpPr>
+        <p:spPr>
+          <a:xfrm>
+            <a:off x="952938" y="3573016"/>
+            <a:ext cx="3321607" cy="1899074"/>
+          </a:xfrm>
+          <a:prstGeom prst="rect">
+            <a:avLst/>
+          </a:prstGeom>
+          <a:noFill/>
+          <a:ln>
+            <a:solidFill>
+              <a:srgbClr val="FF0000"/>
+            </a:solidFill>
+          </a:ln>
+        </p:spPr>
+        <p:style>
+          <a:lnRef idx="2">
+            <a:schemeClr val="accent1">
+              <a:shade val="50000"/>
+            </a:schemeClr>
+          </a:lnRef>
+          <a:fillRef idx="1">
+            <a:schemeClr val="accent1"/>
+          </a:fillRef>
+          <a:effectRef idx="0">
+            <a:schemeClr val="accent1"/>
+          </a:effectRef>
+          <a:fontRef idx="minor">
+            <a:schemeClr val="lt1"/>
+          </a:fontRef>
+        </p:style>
+        <p:txBody>
+          <a:bodyPr rtlCol="0" anchor="ctr"/>
+          <a:lstStyle/>
+          <a:p>
+            <a:pPr algn="ctr"/>
+            <a:endParaRPr kumimoji="1" lang="ko-KR" altLang="en-US"/>
+          </a:p>
+        </p:txBody>
+      </p:sp>
+      <p:sp>
+        <p:nvSpPr>
+          <p:cNvPr id="23" name="직사각형 22"/>
+          <p:cNvSpPr/>
+          <p:nvPr/>
+        </p:nvSpPr>
+        <p:spPr>
+          <a:xfrm>
+            <a:off x="4797573" y="4372713"/>
+            <a:ext cx="3321607" cy="1899074"/>
+          </a:xfrm>
+          <a:prstGeom prst="rect">
+            <a:avLst/>
+          </a:prstGeom>
+          <a:noFill/>
+          <a:ln>
+            <a:solidFill>
+              <a:srgbClr val="FF0000"/>
+            </a:solidFill>
+          </a:ln>
+        </p:spPr>
+        <p:style>
+          <a:lnRef idx="2">
+            <a:schemeClr val="accent1">
+              <a:shade val="50000"/>
+            </a:schemeClr>
+          </a:lnRef>
+          <a:fillRef idx="1">
+            <a:schemeClr val="accent1"/>
+          </a:fillRef>
+          <a:effectRef idx="0">
+            <a:schemeClr val="accent1"/>
+          </a:effectRef>
+          <a:fontRef idx="minor">
+            <a:schemeClr val="lt1"/>
+          </a:fontRef>
+        </p:style>
+        <p:txBody>
+          <a:bodyPr rtlCol="0" anchor="ctr"/>
+          <a:lstStyle/>
+          <a:p>
+            <a:pPr algn="ctr"/>
+            <a:endParaRPr kumimoji="1" lang="ko-KR" altLang="en-US"/>
+          </a:p>
+        </p:txBody>
+      </p:sp>
     </p:spTree>
     <p:extLst>
       <p:ext uri="{BB962C8B-B14F-4D97-AF65-F5344CB8AC3E}">
@@ -10463,321 +15050,1562 @@
   <p:clrMapOvr>
     <a:masterClrMapping/>
   </p:clrMapOvr>
-</p:sld>
-</file>
-
-<file path=ppt/slides/slide8.xml><?xml version="1.0" encoding="utf-8"?>
-<p:sld xmlns:a="http://schemas.openxmlformats.org/drawingml/2006/main" xmlns:r="http://schemas.openxmlformats.org/officeDocument/2006/relationships" xmlns:p="http://schemas.openxmlformats.org/presentationml/2006/main">
-  <p:cSld>
-    <p:spTree>
-      <p:nvGrpSpPr>
-        <p:cNvPr id="1" name=""/>
-        <p:cNvGrpSpPr/>
-        <p:nvPr/>
-      </p:nvGrpSpPr>
-      <p:grpSpPr>
-        <a:xfrm>
-          <a:off x="0" y="0"/>
-          <a:ext cx="0" cy="0"/>
-          <a:chOff x="0" y="0"/>
-          <a:chExt cx="0" cy="0"/>
-        </a:xfrm>
-      </p:grpSpPr>
-      <p:sp>
-        <p:nvSpPr>
-          <p:cNvPr id="2" name="제목 1"/>
-          <p:cNvSpPr>
-            <a:spLocks noGrp="1"/>
-          </p:cNvSpPr>
-          <p:nvPr>
-            <p:ph type="title"/>
-          </p:nvPr>
-        </p:nvSpPr>
-        <p:spPr/>
-        <p:txBody>
-          <a:bodyPr>
-            <a:normAutofit fontScale="90000"/>
-          </a:bodyPr>
-          <a:lstStyle/>
-          <a:p>
-            <a:r>
-              <a:rPr kumimoji="1" lang="ko-KR" altLang="en-US" dirty="0" smtClean="0"/>
-              <a:t>코드 블록 간 단순 패턴 매칭을 통한</a:t>
-            </a:r>
-            <a:r>
-              <a:rPr kumimoji="1" lang="en-US" altLang="ko-KR" dirty="0" smtClean="0"/>
-              <a:t/>
-            </a:r>
-            <a:br>
-              <a:rPr kumimoji="1" lang="en-US" altLang="ko-KR" dirty="0" smtClean="0"/>
-            </a:br>
-            <a:r>
-              <a:rPr kumimoji="1" lang="ko-KR" altLang="en-US" dirty="0" smtClean="0"/>
-              <a:t>유사도 분석</a:t>
-            </a:r>
-            <a:endParaRPr kumimoji="1" lang="ko-KR" altLang="en-US" dirty="0"/>
-          </a:p>
-        </p:txBody>
-      </p:sp>
-      <p:graphicFrame>
-        <p:nvGraphicFramePr>
-          <p:cNvPr id="10" name="표 9"/>
-          <p:cNvGraphicFramePr>
-            <a:graphicFrameLocks noGrp="1"/>
-          </p:cNvGraphicFramePr>
-          <p:nvPr>
-            <p:extLst>
-              <p:ext uri="{D42A27DB-BD31-4B8C-83A1-F6EECF244321}">
-                <p14:modId xmlns:p14="http://schemas.microsoft.com/office/powerpoint/2010/main" val="124724184"/>
-              </p:ext>
-            </p:extLst>
-          </p:nvPr>
-        </p:nvGraphicFramePr>
-        <p:xfrm>
-          <a:off x="323528" y="2060848"/>
-          <a:ext cx="8496944" cy="4104456"/>
-        </p:xfrm>
-        <a:graphic>
-          <a:graphicData uri="http://schemas.openxmlformats.org/drawingml/2006/table">
-            <a:tbl>
-              <a:tblPr firstRow="1" bandRow="1">
-                <a:tableStyleId>{5C22544A-7EE6-4342-B048-85BDC9FD1C3A}</a:tableStyleId>
-              </a:tblPr>
-              <a:tblGrid>
-                <a:gridCol w="4248472"/>
-                <a:gridCol w="4248472"/>
-              </a:tblGrid>
-              <a:tr h="413837">
-                <a:tc>
-                  <a:txBody>
-                    <a:bodyPr/>
-                    <a:lstStyle/>
-                    <a:p>
-                      <a:pPr latinLnBrk="1"/>
-                      <a:r>
-                        <a:rPr lang="en-US" altLang="ko-KR" dirty="0" smtClean="0"/>
-                        <a:t>MacBook</a:t>
-                      </a:r>
-                      <a:r>
-                        <a:rPr lang="en-US" altLang="ko-KR" baseline="0" dirty="0" smtClean="0"/>
-                        <a:t> Air EFI 2.9 </a:t>
-                      </a:r>
-                      <a:r>
-                        <a:rPr lang="ko-KR" altLang="en-US" baseline="0" dirty="0" smtClean="0"/>
-                        <a:t>펌웨어</a:t>
-                      </a:r>
-                      <a:endParaRPr lang="ko-KR" altLang="en-US" dirty="0"/>
-                    </a:p>
-                  </a:txBody>
-                  <a:tcPr/>
-                </a:tc>
-                <a:tc>
-                  <a:txBody>
-                    <a:bodyPr/>
-                    <a:lstStyle/>
-                    <a:p>
-                      <a:pPr latinLnBrk="1"/>
-                      <a:r>
-                        <a:rPr lang="en-US" altLang="ko-KR" dirty="0" smtClean="0"/>
-                        <a:t>EFI</a:t>
-                      </a:r>
-                      <a:r>
-                        <a:rPr lang="en-US" altLang="ko-KR" baseline="0" dirty="0" smtClean="0"/>
-                        <a:t> </a:t>
-                      </a:r>
-                      <a:r>
-                        <a:rPr lang="ko-KR" altLang="en-US" baseline="0" dirty="0" smtClean="0"/>
-                        <a:t>컴파일 결과물</a:t>
-                      </a:r>
-                      <a:endParaRPr lang="ko-KR" altLang="en-US" dirty="0"/>
-                    </a:p>
-                  </a:txBody>
-                  <a:tcPr/>
-                </a:tc>
-              </a:tr>
-              <a:tr h="3690619">
-                <a:tc>
-                  <a:txBody>
-                    <a:bodyPr/>
-                    <a:lstStyle/>
-                    <a:p>
-                      <a:pPr latinLnBrk="1"/>
-                      <a:endParaRPr lang="ko-KR" altLang="en-US" dirty="0"/>
-                    </a:p>
-                  </a:txBody>
-                  <a:tcPr/>
-                </a:tc>
-                <a:tc>
-                  <a:txBody>
-                    <a:bodyPr/>
-                    <a:lstStyle/>
-                    <a:p>
-                      <a:pPr latinLnBrk="1"/>
-                      <a:endParaRPr lang="ko-KR" altLang="en-US" dirty="0"/>
-                    </a:p>
-                  </a:txBody>
-                  <a:tcPr/>
-                </a:tc>
-              </a:tr>
-            </a:tbl>
-          </a:graphicData>
-        </a:graphic>
-      </p:graphicFrame>
-      <p:pic>
-        <p:nvPicPr>
-          <p:cNvPr id="6" name="내용 개체 틀 5"/>
-          <p:cNvPicPr>
-            <a:picLocks noGrp="1" noChangeAspect="1"/>
-          </p:cNvPicPr>
-          <p:nvPr>
-            <p:ph idx="1"/>
-          </p:nvPr>
-        </p:nvPicPr>
-        <p:blipFill rotWithShape="1">
-          <a:blip r:embed="rId2">
-            <a:extLst>
-              <a:ext uri="{28A0092B-C50C-407E-A947-70E740481C1C}">
-                <a14:useLocalDpi xmlns:a14="http://schemas.microsoft.com/office/drawing/2010/main" val="0"/>
-              </a:ext>
-            </a:extLst>
-          </a:blip>
-          <a:srcRect l="40722"/>
-          <a:stretch/>
-        </p:blipFill>
-        <p:spPr>
-          <a:xfrm>
-            <a:off x="1116471" y="2996952"/>
-            <a:ext cx="3353154" cy="2520280"/>
-          </a:xfrm>
-        </p:spPr>
-      </p:pic>
-      <p:pic>
-        <p:nvPicPr>
-          <p:cNvPr id="9" name="내용 개체 틀 5"/>
-          <p:cNvPicPr>
-            <a:picLocks noChangeAspect="1"/>
-          </p:cNvPicPr>
-          <p:nvPr/>
-        </p:nvPicPr>
-        <p:blipFill rotWithShape="1">
-          <a:blip r:embed="rId2">
-            <a:extLst>
-              <a:ext uri="{28A0092B-C50C-407E-A947-70E740481C1C}">
-                <a14:useLocalDpi xmlns:a14="http://schemas.microsoft.com/office/drawing/2010/main" val="0"/>
-              </a:ext>
-            </a:extLst>
-          </a:blip>
-          <a:srcRect r="88534"/>
-          <a:stretch/>
-        </p:blipFill>
-        <p:spPr>
-          <a:xfrm>
-            <a:off x="467544" y="2996952"/>
-            <a:ext cx="648927" cy="2520280"/>
-          </a:xfrm>
-          <a:prstGeom prst="rect">
-            <a:avLst/>
-          </a:prstGeom>
-        </p:spPr>
-      </p:pic>
-      <p:pic>
-        <p:nvPicPr>
-          <p:cNvPr id="11" name="그림 10"/>
-          <p:cNvPicPr>
-            <a:picLocks noChangeAspect="1"/>
-          </p:cNvPicPr>
-          <p:nvPr/>
-        </p:nvPicPr>
-        <p:blipFill rotWithShape="1">
-          <a:blip r:embed="rId3">
-            <a:extLst>
-              <a:ext uri="{28A0092B-C50C-407E-A947-70E740481C1C}">
-                <a14:useLocalDpi xmlns:a14="http://schemas.microsoft.com/office/drawing/2010/main" val="0"/>
-              </a:ext>
-            </a:extLst>
-          </a:blip>
-          <a:srcRect r="88407"/>
-          <a:stretch/>
-        </p:blipFill>
-        <p:spPr>
-          <a:xfrm>
-            <a:off x="4712736" y="2636912"/>
-            <a:ext cx="645786" cy="3384376"/>
-          </a:xfrm>
-          <a:prstGeom prst="rect">
-            <a:avLst/>
-          </a:prstGeom>
-        </p:spPr>
-      </p:pic>
-      <p:pic>
-        <p:nvPicPr>
-          <p:cNvPr id="12" name="그림 11"/>
-          <p:cNvPicPr>
-            <a:picLocks noChangeAspect="1"/>
-          </p:cNvPicPr>
-          <p:nvPr/>
-        </p:nvPicPr>
-        <p:blipFill rotWithShape="1">
-          <a:blip r:embed="rId3">
-            <a:extLst>
-              <a:ext uri="{28A0092B-C50C-407E-A947-70E740481C1C}">
-                <a14:useLocalDpi xmlns:a14="http://schemas.microsoft.com/office/drawing/2010/main" val="0"/>
-              </a:ext>
-            </a:extLst>
-          </a:blip>
-          <a:srcRect l="40439"/>
-          <a:stretch/>
-        </p:blipFill>
-        <p:spPr>
-          <a:xfrm>
-            <a:off x="5358522" y="2636912"/>
-            <a:ext cx="3317934" cy="3384376"/>
-          </a:xfrm>
-          <a:prstGeom prst="rect">
-            <a:avLst/>
-          </a:prstGeom>
-        </p:spPr>
-      </p:pic>
-      <p:pic>
-        <p:nvPicPr>
-          <p:cNvPr id="13" name="그림 12"/>
-          <p:cNvPicPr>
-            <a:picLocks noChangeAspect="1"/>
-          </p:cNvPicPr>
-          <p:nvPr/>
-        </p:nvPicPr>
-        <p:blipFill>
-          <a:blip r:embed="rId4">
-            <a:extLst>
-              <a:ext uri="{28A0092B-C50C-407E-A947-70E740481C1C}">
-                <a14:useLocalDpi xmlns:a14="http://schemas.microsoft.com/office/drawing/2010/main" val="0"/>
-              </a:ext>
-            </a:extLst>
-          </a:blip>
-          <a:stretch>
-            <a:fillRect/>
-          </a:stretch>
-        </p:blipFill>
-        <p:spPr>
-          <a:xfrm>
-            <a:off x="618852" y="1696740"/>
-            <a:ext cx="5105276" cy="280242"/>
-          </a:xfrm>
-          <a:prstGeom prst="rect">
-            <a:avLst/>
-          </a:prstGeom>
-        </p:spPr>
-      </p:pic>
-    </p:spTree>
-    <p:extLst>
-      <p:ext uri="{BB962C8B-B14F-4D97-AF65-F5344CB8AC3E}">
-        <p14:creationId xmlns:p14="http://schemas.microsoft.com/office/powerpoint/2010/main" val="1896087722"/>
-      </p:ext>
-    </p:extLst>
-  </p:cSld>
-  <p:clrMapOvr>
-    <a:masterClrMapping/>
-  </p:clrMapOvr>
+  <p:timing>
+    <p:tnLst>
+      <p:par>
+        <p:cTn id="1" dur="indefinite" restart="never" nodeType="tmRoot">
+          <p:childTnLst>
+            <p:seq concurrent="1" nextAc="seek">
+              <p:cTn id="2" dur="indefinite" nodeType="mainSeq">
+                <p:childTnLst>
+                  <p:par>
+                    <p:cTn id="3" fill="hold">
+                      <p:stCondLst>
+                        <p:cond delay="indefinite"/>
+                      </p:stCondLst>
+                      <p:childTnLst>
+                        <p:par>
+                          <p:cTn id="4" fill="hold">
+                            <p:stCondLst>
+                              <p:cond delay="0"/>
+                            </p:stCondLst>
+                            <p:childTnLst>
+                              <p:par>
+                                <p:cTn id="5" presetID="10" presetClass="entr" presetSubtype="0" fill="hold" nodeType="clickEffect">
+                                  <p:stCondLst>
+                                    <p:cond delay="0"/>
+                                  </p:stCondLst>
+                                  <p:childTnLst>
+                                    <p:set>
+                                      <p:cBhvr>
+                                        <p:cTn id="6" dur="1" fill="hold">
+                                          <p:stCondLst>
+                                            <p:cond delay="0"/>
+                                          </p:stCondLst>
+                                        </p:cTn>
+                                        <p:tgtEl>
+                                          <p:spTgt spid="26"/>
+                                        </p:tgtEl>
+                                        <p:attrNameLst>
+                                          <p:attrName>style.visibility</p:attrName>
+                                        </p:attrNameLst>
+                                      </p:cBhvr>
+                                      <p:to>
+                                        <p:strVal val="visible"/>
+                                      </p:to>
+                                    </p:set>
+                                    <p:animEffect transition="in" filter="fade">
+                                      <p:cBhvr>
+                                        <p:cTn id="7" dur="500"/>
+                                        <p:tgtEl>
+                                          <p:spTgt spid="26"/>
+                                        </p:tgtEl>
+                                      </p:cBhvr>
+                                    </p:animEffect>
+                                  </p:childTnLst>
+                                </p:cTn>
+                              </p:par>
+                              <p:par>
+                                <p:cTn id="8" presetID="10" presetClass="entr" presetSubtype="0" fill="hold" nodeType="withEffect">
+                                  <p:stCondLst>
+                                    <p:cond delay="0"/>
+                                  </p:stCondLst>
+                                  <p:childTnLst>
+                                    <p:set>
+                                      <p:cBhvr>
+                                        <p:cTn id="9" dur="1" fill="hold">
+                                          <p:stCondLst>
+                                            <p:cond delay="0"/>
+                                          </p:stCondLst>
+                                        </p:cTn>
+                                        <p:tgtEl>
+                                          <p:spTgt spid="29"/>
+                                        </p:tgtEl>
+                                        <p:attrNameLst>
+                                          <p:attrName>style.visibility</p:attrName>
+                                        </p:attrNameLst>
+                                      </p:cBhvr>
+                                      <p:to>
+                                        <p:strVal val="visible"/>
+                                      </p:to>
+                                    </p:set>
+                                    <p:animEffect transition="in" filter="fade">
+                                      <p:cBhvr>
+                                        <p:cTn id="10" dur="500"/>
+                                        <p:tgtEl>
+                                          <p:spTgt spid="29"/>
+                                        </p:tgtEl>
+                                      </p:cBhvr>
+                                    </p:animEffect>
+                                  </p:childTnLst>
+                                </p:cTn>
+                              </p:par>
+                            </p:childTnLst>
+                          </p:cTn>
+                        </p:par>
+                      </p:childTnLst>
+                    </p:cTn>
+                  </p:par>
+                  <p:par>
+                    <p:cTn id="11" fill="hold">
+                      <p:stCondLst>
+                        <p:cond delay="indefinite"/>
+                      </p:stCondLst>
+                      <p:childTnLst>
+                        <p:par>
+                          <p:cTn id="12" fill="hold">
+                            <p:stCondLst>
+                              <p:cond delay="0"/>
+                            </p:stCondLst>
+                            <p:childTnLst>
+                              <p:par>
+                                <p:cTn id="13" presetID="10" presetClass="exit" presetSubtype="0" fill="hold" nodeType="clickEffect">
+                                  <p:stCondLst>
+                                    <p:cond delay="0"/>
+                                  </p:stCondLst>
+                                  <p:childTnLst>
+                                    <p:animEffect transition="out" filter="fade">
+                                      <p:cBhvr>
+                                        <p:cTn id="14" dur="500"/>
+                                        <p:tgtEl>
+                                          <p:spTgt spid="29"/>
+                                        </p:tgtEl>
+                                      </p:cBhvr>
+                                    </p:animEffect>
+                                    <p:set>
+                                      <p:cBhvr>
+                                        <p:cTn id="15" dur="1" fill="hold">
+                                          <p:stCondLst>
+                                            <p:cond delay="499"/>
+                                          </p:stCondLst>
+                                        </p:cTn>
+                                        <p:tgtEl>
+                                          <p:spTgt spid="29"/>
+                                        </p:tgtEl>
+                                        <p:attrNameLst>
+                                          <p:attrName>style.visibility</p:attrName>
+                                        </p:attrNameLst>
+                                      </p:cBhvr>
+                                      <p:to>
+                                        <p:strVal val="hidden"/>
+                                      </p:to>
+                                    </p:set>
+                                  </p:childTnLst>
+                                </p:cTn>
+                              </p:par>
+                              <p:par>
+                                <p:cTn id="16" presetID="10" presetClass="entr" presetSubtype="0" fill="hold" nodeType="withEffect">
+                                  <p:stCondLst>
+                                    <p:cond delay="0"/>
+                                  </p:stCondLst>
+                                  <p:childTnLst>
+                                    <p:set>
+                                      <p:cBhvr>
+                                        <p:cTn id="17" dur="1" fill="hold">
+                                          <p:stCondLst>
+                                            <p:cond delay="0"/>
+                                          </p:stCondLst>
+                                        </p:cTn>
+                                        <p:tgtEl>
+                                          <p:spTgt spid="30"/>
+                                        </p:tgtEl>
+                                        <p:attrNameLst>
+                                          <p:attrName>style.visibility</p:attrName>
+                                        </p:attrNameLst>
+                                      </p:cBhvr>
+                                      <p:to>
+                                        <p:strVal val="visible"/>
+                                      </p:to>
+                                    </p:set>
+                                    <p:animEffect transition="in" filter="fade">
+                                      <p:cBhvr>
+                                        <p:cTn id="18" dur="500"/>
+                                        <p:tgtEl>
+                                          <p:spTgt spid="30"/>
+                                        </p:tgtEl>
+                                      </p:cBhvr>
+                                    </p:animEffect>
+                                  </p:childTnLst>
+                                </p:cTn>
+                              </p:par>
+                            </p:childTnLst>
+                          </p:cTn>
+                        </p:par>
+                      </p:childTnLst>
+                    </p:cTn>
+                  </p:par>
+                  <p:par>
+                    <p:cTn id="19" fill="hold">
+                      <p:stCondLst>
+                        <p:cond delay="indefinite"/>
+                      </p:stCondLst>
+                      <p:childTnLst>
+                        <p:par>
+                          <p:cTn id="20" fill="hold">
+                            <p:stCondLst>
+                              <p:cond delay="0"/>
+                            </p:stCondLst>
+                            <p:childTnLst>
+                              <p:par>
+                                <p:cTn id="21" presetID="10" presetClass="exit" presetSubtype="0" fill="hold" nodeType="clickEffect">
+                                  <p:stCondLst>
+                                    <p:cond delay="0"/>
+                                  </p:stCondLst>
+                                  <p:childTnLst>
+                                    <p:animEffect transition="out" filter="fade">
+                                      <p:cBhvr>
+                                        <p:cTn id="22" dur="500"/>
+                                        <p:tgtEl>
+                                          <p:spTgt spid="30"/>
+                                        </p:tgtEl>
+                                      </p:cBhvr>
+                                    </p:animEffect>
+                                    <p:set>
+                                      <p:cBhvr>
+                                        <p:cTn id="23" dur="1" fill="hold">
+                                          <p:stCondLst>
+                                            <p:cond delay="499"/>
+                                          </p:stCondLst>
+                                        </p:cTn>
+                                        <p:tgtEl>
+                                          <p:spTgt spid="30"/>
+                                        </p:tgtEl>
+                                        <p:attrNameLst>
+                                          <p:attrName>style.visibility</p:attrName>
+                                        </p:attrNameLst>
+                                      </p:cBhvr>
+                                      <p:to>
+                                        <p:strVal val="hidden"/>
+                                      </p:to>
+                                    </p:set>
+                                  </p:childTnLst>
+                                </p:cTn>
+                              </p:par>
+                              <p:par>
+                                <p:cTn id="24" presetID="10" presetClass="entr" presetSubtype="0" fill="hold" nodeType="withEffect">
+                                  <p:stCondLst>
+                                    <p:cond delay="0"/>
+                                  </p:stCondLst>
+                                  <p:childTnLst>
+                                    <p:set>
+                                      <p:cBhvr>
+                                        <p:cTn id="25" dur="1" fill="hold">
+                                          <p:stCondLst>
+                                            <p:cond delay="0"/>
+                                          </p:stCondLst>
+                                        </p:cTn>
+                                        <p:tgtEl>
+                                          <p:spTgt spid="31"/>
+                                        </p:tgtEl>
+                                        <p:attrNameLst>
+                                          <p:attrName>style.visibility</p:attrName>
+                                        </p:attrNameLst>
+                                      </p:cBhvr>
+                                      <p:to>
+                                        <p:strVal val="visible"/>
+                                      </p:to>
+                                    </p:set>
+                                    <p:animEffect transition="in" filter="fade">
+                                      <p:cBhvr>
+                                        <p:cTn id="26" dur="500"/>
+                                        <p:tgtEl>
+                                          <p:spTgt spid="31"/>
+                                        </p:tgtEl>
+                                      </p:cBhvr>
+                                    </p:animEffect>
+                                  </p:childTnLst>
+                                </p:cTn>
+                              </p:par>
+                            </p:childTnLst>
+                          </p:cTn>
+                        </p:par>
+                      </p:childTnLst>
+                    </p:cTn>
+                  </p:par>
+                  <p:par>
+                    <p:cTn id="27" fill="hold">
+                      <p:stCondLst>
+                        <p:cond delay="indefinite"/>
+                      </p:stCondLst>
+                      <p:childTnLst>
+                        <p:par>
+                          <p:cTn id="28" fill="hold">
+                            <p:stCondLst>
+                              <p:cond delay="0"/>
+                            </p:stCondLst>
+                            <p:childTnLst>
+                              <p:par>
+                                <p:cTn id="29" presetID="10" presetClass="exit" presetSubtype="0" fill="hold" nodeType="clickEffect">
+                                  <p:stCondLst>
+                                    <p:cond delay="0"/>
+                                  </p:stCondLst>
+                                  <p:childTnLst>
+                                    <p:animEffect transition="out" filter="fade">
+                                      <p:cBhvr>
+                                        <p:cTn id="30" dur="500"/>
+                                        <p:tgtEl>
+                                          <p:spTgt spid="31"/>
+                                        </p:tgtEl>
+                                      </p:cBhvr>
+                                    </p:animEffect>
+                                    <p:set>
+                                      <p:cBhvr>
+                                        <p:cTn id="31" dur="1" fill="hold">
+                                          <p:stCondLst>
+                                            <p:cond delay="499"/>
+                                          </p:stCondLst>
+                                        </p:cTn>
+                                        <p:tgtEl>
+                                          <p:spTgt spid="31"/>
+                                        </p:tgtEl>
+                                        <p:attrNameLst>
+                                          <p:attrName>style.visibility</p:attrName>
+                                        </p:attrNameLst>
+                                      </p:cBhvr>
+                                      <p:to>
+                                        <p:strVal val="hidden"/>
+                                      </p:to>
+                                    </p:set>
+                                  </p:childTnLst>
+                                </p:cTn>
+                              </p:par>
+                              <p:par>
+                                <p:cTn id="32" presetID="10" presetClass="entr" presetSubtype="0" fill="hold" nodeType="withEffect">
+                                  <p:stCondLst>
+                                    <p:cond delay="0"/>
+                                  </p:stCondLst>
+                                  <p:childTnLst>
+                                    <p:set>
+                                      <p:cBhvr>
+                                        <p:cTn id="33" dur="1" fill="hold">
+                                          <p:stCondLst>
+                                            <p:cond delay="0"/>
+                                          </p:stCondLst>
+                                        </p:cTn>
+                                        <p:tgtEl>
+                                          <p:spTgt spid="37"/>
+                                        </p:tgtEl>
+                                        <p:attrNameLst>
+                                          <p:attrName>style.visibility</p:attrName>
+                                        </p:attrNameLst>
+                                      </p:cBhvr>
+                                      <p:to>
+                                        <p:strVal val="visible"/>
+                                      </p:to>
+                                    </p:set>
+                                    <p:animEffect transition="in" filter="fade">
+                                      <p:cBhvr>
+                                        <p:cTn id="34" dur="500"/>
+                                        <p:tgtEl>
+                                          <p:spTgt spid="37"/>
+                                        </p:tgtEl>
+                                      </p:cBhvr>
+                                    </p:animEffect>
+                                  </p:childTnLst>
+                                </p:cTn>
+                              </p:par>
+                            </p:childTnLst>
+                          </p:cTn>
+                        </p:par>
+                      </p:childTnLst>
+                    </p:cTn>
+                  </p:par>
+                  <p:par>
+                    <p:cTn id="35" fill="hold">
+                      <p:stCondLst>
+                        <p:cond delay="indefinite"/>
+                      </p:stCondLst>
+                      <p:childTnLst>
+                        <p:par>
+                          <p:cTn id="36" fill="hold">
+                            <p:stCondLst>
+                              <p:cond delay="0"/>
+                            </p:stCondLst>
+                            <p:childTnLst>
+                              <p:par>
+                                <p:cTn id="37" presetID="10" presetClass="exit" presetSubtype="0" fill="hold" nodeType="clickEffect">
+                                  <p:stCondLst>
+                                    <p:cond delay="0"/>
+                                  </p:stCondLst>
+                                  <p:childTnLst>
+                                    <p:animEffect transition="out" filter="fade">
+                                      <p:cBhvr>
+                                        <p:cTn id="38" dur="500"/>
+                                        <p:tgtEl>
+                                          <p:spTgt spid="37"/>
+                                        </p:tgtEl>
+                                      </p:cBhvr>
+                                    </p:animEffect>
+                                    <p:set>
+                                      <p:cBhvr>
+                                        <p:cTn id="39" dur="1" fill="hold">
+                                          <p:stCondLst>
+                                            <p:cond delay="499"/>
+                                          </p:stCondLst>
+                                        </p:cTn>
+                                        <p:tgtEl>
+                                          <p:spTgt spid="37"/>
+                                        </p:tgtEl>
+                                        <p:attrNameLst>
+                                          <p:attrName>style.visibility</p:attrName>
+                                        </p:attrNameLst>
+                                      </p:cBhvr>
+                                      <p:to>
+                                        <p:strVal val="hidden"/>
+                                      </p:to>
+                                    </p:set>
+                                  </p:childTnLst>
+                                </p:cTn>
+                              </p:par>
+                              <p:par>
+                                <p:cTn id="40" presetID="10" presetClass="entr" presetSubtype="0" fill="hold" nodeType="withEffect">
+                                  <p:stCondLst>
+                                    <p:cond delay="0"/>
+                                  </p:stCondLst>
+                                  <p:childTnLst>
+                                    <p:set>
+                                      <p:cBhvr>
+                                        <p:cTn id="41" dur="1" fill="hold">
+                                          <p:stCondLst>
+                                            <p:cond delay="0"/>
+                                          </p:stCondLst>
+                                        </p:cTn>
+                                        <p:tgtEl>
+                                          <p:spTgt spid="38"/>
+                                        </p:tgtEl>
+                                        <p:attrNameLst>
+                                          <p:attrName>style.visibility</p:attrName>
+                                        </p:attrNameLst>
+                                      </p:cBhvr>
+                                      <p:to>
+                                        <p:strVal val="visible"/>
+                                      </p:to>
+                                    </p:set>
+                                    <p:animEffect transition="in" filter="fade">
+                                      <p:cBhvr>
+                                        <p:cTn id="42" dur="500"/>
+                                        <p:tgtEl>
+                                          <p:spTgt spid="38"/>
+                                        </p:tgtEl>
+                                      </p:cBhvr>
+                                    </p:animEffect>
+                                  </p:childTnLst>
+                                </p:cTn>
+                              </p:par>
+                            </p:childTnLst>
+                          </p:cTn>
+                        </p:par>
+                      </p:childTnLst>
+                    </p:cTn>
+                  </p:par>
+                  <p:par>
+                    <p:cTn id="43" fill="hold">
+                      <p:stCondLst>
+                        <p:cond delay="indefinite"/>
+                      </p:stCondLst>
+                      <p:childTnLst>
+                        <p:par>
+                          <p:cTn id="44" fill="hold">
+                            <p:stCondLst>
+                              <p:cond delay="0"/>
+                            </p:stCondLst>
+                            <p:childTnLst>
+                              <p:par>
+                                <p:cTn id="45" presetID="10" presetClass="entr" presetSubtype="0" fill="hold" grpId="0" nodeType="clickEffect">
+                                  <p:stCondLst>
+                                    <p:cond delay="0"/>
+                                  </p:stCondLst>
+                                  <p:childTnLst>
+                                    <p:set>
+                                      <p:cBhvr>
+                                        <p:cTn id="46" dur="1" fill="hold">
+                                          <p:stCondLst>
+                                            <p:cond delay="0"/>
+                                          </p:stCondLst>
+                                        </p:cTn>
+                                        <p:tgtEl>
+                                          <p:spTgt spid="40"/>
+                                        </p:tgtEl>
+                                        <p:attrNameLst>
+                                          <p:attrName>style.visibility</p:attrName>
+                                        </p:attrNameLst>
+                                      </p:cBhvr>
+                                      <p:to>
+                                        <p:strVal val="visible"/>
+                                      </p:to>
+                                    </p:set>
+                                    <p:animEffect transition="in" filter="fade">
+                                      <p:cBhvr>
+                                        <p:cTn id="47" dur="500"/>
+                                        <p:tgtEl>
+                                          <p:spTgt spid="40"/>
+                                        </p:tgtEl>
+                                      </p:cBhvr>
+                                    </p:animEffect>
+                                  </p:childTnLst>
+                                </p:cTn>
+                              </p:par>
+                              <p:par>
+                                <p:cTn id="48" presetID="10" presetClass="entr" presetSubtype="0" fill="hold" grpId="0" nodeType="withEffect">
+                                  <p:stCondLst>
+                                    <p:cond delay="0"/>
+                                  </p:stCondLst>
+                                  <p:childTnLst>
+                                    <p:set>
+                                      <p:cBhvr>
+                                        <p:cTn id="49" dur="1" fill="hold">
+                                          <p:stCondLst>
+                                            <p:cond delay="0"/>
+                                          </p:stCondLst>
+                                        </p:cTn>
+                                        <p:tgtEl>
+                                          <p:spTgt spid="4"/>
+                                        </p:tgtEl>
+                                        <p:attrNameLst>
+                                          <p:attrName>style.visibility</p:attrName>
+                                        </p:attrNameLst>
+                                      </p:cBhvr>
+                                      <p:to>
+                                        <p:strVal val="visible"/>
+                                      </p:to>
+                                    </p:set>
+                                    <p:animEffect transition="in" filter="fade">
+                                      <p:cBhvr>
+                                        <p:cTn id="50" dur="500"/>
+                                        <p:tgtEl>
+                                          <p:spTgt spid="4"/>
+                                        </p:tgtEl>
+                                      </p:cBhvr>
+                                    </p:animEffect>
+                                  </p:childTnLst>
+                                </p:cTn>
+                              </p:par>
+                              <p:par>
+                                <p:cTn id="51" presetID="10" presetClass="entr" presetSubtype="0" fill="hold" grpId="0" nodeType="withEffect">
+                                  <p:stCondLst>
+                                    <p:cond delay="0"/>
+                                  </p:stCondLst>
+                                  <p:childTnLst>
+                                    <p:set>
+                                      <p:cBhvr>
+                                        <p:cTn id="52" dur="1" fill="hold">
+                                          <p:stCondLst>
+                                            <p:cond delay="0"/>
+                                          </p:stCondLst>
+                                        </p:cTn>
+                                        <p:tgtEl>
+                                          <p:spTgt spid="18"/>
+                                        </p:tgtEl>
+                                        <p:attrNameLst>
+                                          <p:attrName>style.visibility</p:attrName>
+                                        </p:attrNameLst>
+                                      </p:cBhvr>
+                                      <p:to>
+                                        <p:strVal val="visible"/>
+                                      </p:to>
+                                    </p:set>
+                                    <p:animEffect transition="in" filter="fade">
+                                      <p:cBhvr>
+                                        <p:cTn id="53" dur="500"/>
+                                        <p:tgtEl>
+                                          <p:spTgt spid="18"/>
+                                        </p:tgtEl>
+                                      </p:cBhvr>
+                                    </p:animEffect>
+                                  </p:childTnLst>
+                                </p:cTn>
+                              </p:par>
+                              <p:par>
+                                <p:cTn id="54" presetID="10" presetClass="exit" presetSubtype="0" fill="hold" nodeType="withEffect">
+                                  <p:stCondLst>
+                                    <p:cond delay="0"/>
+                                  </p:stCondLst>
+                                  <p:childTnLst>
+                                    <p:animEffect transition="out" filter="fade">
+                                      <p:cBhvr>
+                                        <p:cTn id="55" dur="500"/>
+                                        <p:tgtEl>
+                                          <p:spTgt spid="26"/>
+                                        </p:tgtEl>
+                                      </p:cBhvr>
+                                    </p:animEffect>
+                                    <p:set>
+                                      <p:cBhvr>
+                                        <p:cTn id="56" dur="1" fill="hold">
+                                          <p:stCondLst>
+                                            <p:cond delay="499"/>
+                                          </p:stCondLst>
+                                        </p:cTn>
+                                        <p:tgtEl>
+                                          <p:spTgt spid="26"/>
+                                        </p:tgtEl>
+                                        <p:attrNameLst>
+                                          <p:attrName>style.visibility</p:attrName>
+                                        </p:attrNameLst>
+                                      </p:cBhvr>
+                                      <p:to>
+                                        <p:strVal val="hidden"/>
+                                      </p:to>
+                                    </p:set>
+                                  </p:childTnLst>
+                                </p:cTn>
+                              </p:par>
+                              <p:par>
+                                <p:cTn id="57" presetID="10" presetClass="exit" presetSubtype="0" fill="hold" nodeType="withEffect">
+                                  <p:stCondLst>
+                                    <p:cond delay="0"/>
+                                  </p:stCondLst>
+                                  <p:childTnLst>
+                                    <p:animEffect transition="out" filter="fade">
+                                      <p:cBhvr>
+                                        <p:cTn id="58" dur="500"/>
+                                        <p:tgtEl>
+                                          <p:spTgt spid="38"/>
+                                        </p:tgtEl>
+                                      </p:cBhvr>
+                                    </p:animEffect>
+                                    <p:set>
+                                      <p:cBhvr>
+                                        <p:cTn id="59" dur="1" fill="hold">
+                                          <p:stCondLst>
+                                            <p:cond delay="499"/>
+                                          </p:stCondLst>
+                                        </p:cTn>
+                                        <p:tgtEl>
+                                          <p:spTgt spid="38"/>
+                                        </p:tgtEl>
+                                        <p:attrNameLst>
+                                          <p:attrName>style.visibility</p:attrName>
+                                        </p:attrNameLst>
+                                      </p:cBhvr>
+                                      <p:to>
+                                        <p:strVal val="hidden"/>
+                                      </p:to>
+                                    </p:set>
+                                  </p:childTnLst>
+                                </p:cTn>
+                              </p:par>
+                            </p:childTnLst>
+                          </p:cTn>
+                        </p:par>
+                      </p:childTnLst>
+                    </p:cTn>
+                  </p:par>
+                  <p:par>
+                    <p:cTn id="60" fill="hold">
+                      <p:stCondLst>
+                        <p:cond delay="indefinite"/>
+                      </p:stCondLst>
+                      <p:childTnLst>
+                        <p:par>
+                          <p:cTn id="61" fill="hold">
+                            <p:stCondLst>
+                              <p:cond delay="0"/>
+                            </p:stCondLst>
+                            <p:childTnLst>
+                              <p:par>
+                                <p:cTn id="62" presetID="10" presetClass="entr" presetSubtype="0" fill="hold" nodeType="clickEffect">
+                                  <p:stCondLst>
+                                    <p:cond delay="0"/>
+                                  </p:stCondLst>
+                                  <p:childTnLst>
+                                    <p:set>
+                                      <p:cBhvr>
+                                        <p:cTn id="63" dur="1" fill="hold">
+                                          <p:stCondLst>
+                                            <p:cond delay="0"/>
+                                          </p:stCondLst>
+                                        </p:cTn>
+                                        <p:tgtEl>
+                                          <p:spTgt spid="28"/>
+                                        </p:tgtEl>
+                                        <p:attrNameLst>
+                                          <p:attrName>style.visibility</p:attrName>
+                                        </p:attrNameLst>
+                                      </p:cBhvr>
+                                      <p:to>
+                                        <p:strVal val="visible"/>
+                                      </p:to>
+                                    </p:set>
+                                    <p:animEffect transition="in" filter="fade">
+                                      <p:cBhvr>
+                                        <p:cTn id="64" dur="500"/>
+                                        <p:tgtEl>
+                                          <p:spTgt spid="28"/>
+                                        </p:tgtEl>
+                                      </p:cBhvr>
+                                    </p:animEffect>
+                                  </p:childTnLst>
+                                </p:cTn>
+                              </p:par>
+                              <p:par>
+                                <p:cTn id="65" presetID="10" presetClass="entr" presetSubtype="0" fill="hold" nodeType="withEffect">
+                                  <p:stCondLst>
+                                    <p:cond delay="0"/>
+                                  </p:stCondLst>
+                                  <p:childTnLst>
+                                    <p:set>
+                                      <p:cBhvr>
+                                        <p:cTn id="66" dur="1" fill="hold">
+                                          <p:stCondLst>
+                                            <p:cond delay="0"/>
+                                          </p:stCondLst>
+                                        </p:cTn>
+                                        <p:tgtEl>
+                                          <p:spTgt spid="29"/>
+                                        </p:tgtEl>
+                                        <p:attrNameLst>
+                                          <p:attrName>style.visibility</p:attrName>
+                                        </p:attrNameLst>
+                                      </p:cBhvr>
+                                      <p:to>
+                                        <p:strVal val="visible"/>
+                                      </p:to>
+                                    </p:set>
+                                    <p:animEffect transition="in" filter="fade">
+                                      <p:cBhvr>
+                                        <p:cTn id="67" dur="500"/>
+                                        <p:tgtEl>
+                                          <p:spTgt spid="29"/>
+                                        </p:tgtEl>
+                                      </p:cBhvr>
+                                    </p:animEffect>
+                                  </p:childTnLst>
+                                </p:cTn>
+                              </p:par>
+                            </p:childTnLst>
+                          </p:cTn>
+                        </p:par>
+                      </p:childTnLst>
+                    </p:cTn>
+                  </p:par>
+                  <p:par>
+                    <p:cTn id="68" fill="hold">
+                      <p:stCondLst>
+                        <p:cond delay="indefinite"/>
+                      </p:stCondLst>
+                      <p:childTnLst>
+                        <p:par>
+                          <p:cTn id="69" fill="hold">
+                            <p:stCondLst>
+                              <p:cond delay="0"/>
+                            </p:stCondLst>
+                            <p:childTnLst>
+                              <p:par>
+                                <p:cTn id="70" presetID="10" presetClass="exit" presetSubtype="0" fill="hold" nodeType="clickEffect">
+                                  <p:stCondLst>
+                                    <p:cond delay="0"/>
+                                  </p:stCondLst>
+                                  <p:childTnLst>
+                                    <p:animEffect transition="out" filter="fade">
+                                      <p:cBhvr>
+                                        <p:cTn id="71" dur="500"/>
+                                        <p:tgtEl>
+                                          <p:spTgt spid="29"/>
+                                        </p:tgtEl>
+                                      </p:cBhvr>
+                                    </p:animEffect>
+                                    <p:set>
+                                      <p:cBhvr>
+                                        <p:cTn id="72" dur="1" fill="hold">
+                                          <p:stCondLst>
+                                            <p:cond delay="499"/>
+                                          </p:stCondLst>
+                                        </p:cTn>
+                                        <p:tgtEl>
+                                          <p:spTgt spid="29"/>
+                                        </p:tgtEl>
+                                        <p:attrNameLst>
+                                          <p:attrName>style.visibility</p:attrName>
+                                        </p:attrNameLst>
+                                      </p:cBhvr>
+                                      <p:to>
+                                        <p:strVal val="hidden"/>
+                                      </p:to>
+                                    </p:set>
+                                  </p:childTnLst>
+                                </p:cTn>
+                              </p:par>
+                              <p:par>
+                                <p:cTn id="73" presetID="10" presetClass="entr" presetSubtype="0" fill="hold" nodeType="withEffect">
+                                  <p:stCondLst>
+                                    <p:cond delay="0"/>
+                                  </p:stCondLst>
+                                  <p:childTnLst>
+                                    <p:set>
+                                      <p:cBhvr>
+                                        <p:cTn id="74" dur="1" fill="hold">
+                                          <p:stCondLst>
+                                            <p:cond delay="0"/>
+                                          </p:stCondLst>
+                                        </p:cTn>
+                                        <p:tgtEl>
+                                          <p:spTgt spid="30"/>
+                                        </p:tgtEl>
+                                        <p:attrNameLst>
+                                          <p:attrName>style.visibility</p:attrName>
+                                        </p:attrNameLst>
+                                      </p:cBhvr>
+                                      <p:to>
+                                        <p:strVal val="visible"/>
+                                      </p:to>
+                                    </p:set>
+                                    <p:animEffect transition="in" filter="fade">
+                                      <p:cBhvr>
+                                        <p:cTn id="75" dur="500"/>
+                                        <p:tgtEl>
+                                          <p:spTgt spid="30"/>
+                                        </p:tgtEl>
+                                      </p:cBhvr>
+                                    </p:animEffect>
+                                  </p:childTnLst>
+                                </p:cTn>
+                              </p:par>
+                            </p:childTnLst>
+                          </p:cTn>
+                        </p:par>
+                      </p:childTnLst>
+                    </p:cTn>
+                  </p:par>
+                  <p:par>
+                    <p:cTn id="76" fill="hold">
+                      <p:stCondLst>
+                        <p:cond delay="indefinite"/>
+                      </p:stCondLst>
+                      <p:childTnLst>
+                        <p:par>
+                          <p:cTn id="77" fill="hold">
+                            <p:stCondLst>
+                              <p:cond delay="0"/>
+                            </p:stCondLst>
+                            <p:childTnLst>
+                              <p:par>
+                                <p:cTn id="78" presetID="10" presetClass="exit" presetSubtype="0" fill="hold" nodeType="clickEffect">
+                                  <p:stCondLst>
+                                    <p:cond delay="0"/>
+                                  </p:stCondLst>
+                                  <p:childTnLst>
+                                    <p:animEffect transition="out" filter="fade">
+                                      <p:cBhvr>
+                                        <p:cTn id="79" dur="500"/>
+                                        <p:tgtEl>
+                                          <p:spTgt spid="30"/>
+                                        </p:tgtEl>
+                                      </p:cBhvr>
+                                    </p:animEffect>
+                                    <p:set>
+                                      <p:cBhvr>
+                                        <p:cTn id="80" dur="1" fill="hold">
+                                          <p:stCondLst>
+                                            <p:cond delay="499"/>
+                                          </p:stCondLst>
+                                        </p:cTn>
+                                        <p:tgtEl>
+                                          <p:spTgt spid="30"/>
+                                        </p:tgtEl>
+                                        <p:attrNameLst>
+                                          <p:attrName>style.visibility</p:attrName>
+                                        </p:attrNameLst>
+                                      </p:cBhvr>
+                                      <p:to>
+                                        <p:strVal val="hidden"/>
+                                      </p:to>
+                                    </p:set>
+                                  </p:childTnLst>
+                                </p:cTn>
+                              </p:par>
+                              <p:par>
+                                <p:cTn id="81" presetID="10" presetClass="entr" presetSubtype="0" fill="hold" nodeType="withEffect">
+                                  <p:stCondLst>
+                                    <p:cond delay="0"/>
+                                  </p:stCondLst>
+                                  <p:childTnLst>
+                                    <p:set>
+                                      <p:cBhvr>
+                                        <p:cTn id="82" dur="1" fill="hold">
+                                          <p:stCondLst>
+                                            <p:cond delay="0"/>
+                                          </p:stCondLst>
+                                        </p:cTn>
+                                        <p:tgtEl>
+                                          <p:spTgt spid="31"/>
+                                        </p:tgtEl>
+                                        <p:attrNameLst>
+                                          <p:attrName>style.visibility</p:attrName>
+                                        </p:attrNameLst>
+                                      </p:cBhvr>
+                                      <p:to>
+                                        <p:strVal val="visible"/>
+                                      </p:to>
+                                    </p:set>
+                                    <p:animEffect transition="in" filter="fade">
+                                      <p:cBhvr>
+                                        <p:cTn id="83" dur="500"/>
+                                        <p:tgtEl>
+                                          <p:spTgt spid="31"/>
+                                        </p:tgtEl>
+                                      </p:cBhvr>
+                                    </p:animEffect>
+                                  </p:childTnLst>
+                                </p:cTn>
+                              </p:par>
+                            </p:childTnLst>
+                          </p:cTn>
+                        </p:par>
+                      </p:childTnLst>
+                    </p:cTn>
+                  </p:par>
+                  <p:par>
+                    <p:cTn id="84" fill="hold">
+                      <p:stCondLst>
+                        <p:cond delay="indefinite"/>
+                      </p:stCondLst>
+                      <p:childTnLst>
+                        <p:par>
+                          <p:cTn id="85" fill="hold">
+                            <p:stCondLst>
+                              <p:cond delay="0"/>
+                            </p:stCondLst>
+                            <p:childTnLst>
+                              <p:par>
+                                <p:cTn id="86" presetID="10" presetClass="exit" presetSubtype="0" fill="hold" nodeType="clickEffect">
+                                  <p:stCondLst>
+                                    <p:cond delay="0"/>
+                                  </p:stCondLst>
+                                  <p:childTnLst>
+                                    <p:animEffect transition="out" filter="fade">
+                                      <p:cBhvr>
+                                        <p:cTn id="87" dur="500"/>
+                                        <p:tgtEl>
+                                          <p:spTgt spid="31"/>
+                                        </p:tgtEl>
+                                      </p:cBhvr>
+                                    </p:animEffect>
+                                    <p:set>
+                                      <p:cBhvr>
+                                        <p:cTn id="88" dur="1" fill="hold">
+                                          <p:stCondLst>
+                                            <p:cond delay="499"/>
+                                          </p:stCondLst>
+                                        </p:cTn>
+                                        <p:tgtEl>
+                                          <p:spTgt spid="31"/>
+                                        </p:tgtEl>
+                                        <p:attrNameLst>
+                                          <p:attrName>style.visibility</p:attrName>
+                                        </p:attrNameLst>
+                                      </p:cBhvr>
+                                      <p:to>
+                                        <p:strVal val="hidden"/>
+                                      </p:to>
+                                    </p:set>
+                                  </p:childTnLst>
+                                </p:cTn>
+                              </p:par>
+                              <p:par>
+                                <p:cTn id="89" presetID="10" presetClass="entr" presetSubtype="0" fill="hold" nodeType="withEffect">
+                                  <p:stCondLst>
+                                    <p:cond delay="0"/>
+                                  </p:stCondLst>
+                                  <p:childTnLst>
+                                    <p:set>
+                                      <p:cBhvr>
+                                        <p:cTn id="90" dur="1" fill="hold">
+                                          <p:stCondLst>
+                                            <p:cond delay="0"/>
+                                          </p:stCondLst>
+                                        </p:cTn>
+                                        <p:tgtEl>
+                                          <p:spTgt spid="37"/>
+                                        </p:tgtEl>
+                                        <p:attrNameLst>
+                                          <p:attrName>style.visibility</p:attrName>
+                                        </p:attrNameLst>
+                                      </p:cBhvr>
+                                      <p:to>
+                                        <p:strVal val="visible"/>
+                                      </p:to>
+                                    </p:set>
+                                    <p:animEffect transition="in" filter="fade">
+                                      <p:cBhvr>
+                                        <p:cTn id="91" dur="500"/>
+                                        <p:tgtEl>
+                                          <p:spTgt spid="37"/>
+                                        </p:tgtEl>
+                                      </p:cBhvr>
+                                    </p:animEffect>
+                                  </p:childTnLst>
+                                </p:cTn>
+                              </p:par>
+                            </p:childTnLst>
+                          </p:cTn>
+                        </p:par>
+                      </p:childTnLst>
+                    </p:cTn>
+                  </p:par>
+                  <p:par>
+                    <p:cTn id="92" fill="hold">
+                      <p:stCondLst>
+                        <p:cond delay="indefinite"/>
+                      </p:stCondLst>
+                      <p:childTnLst>
+                        <p:par>
+                          <p:cTn id="93" fill="hold">
+                            <p:stCondLst>
+                              <p:cond delay="0"/>
+                            </p:stCondLst>
+                            <p:childTnLst>
+                              <p:par>
+                                <p:cTn id="94" presetID="10" presetClass="exit" presetSubtype="0" fill="hold" nodeType="clickEffect">
+                                  <p:stCondLst>
+                                    <p:cond delay="0"/>
+                                  </p:stCondLst>
+                                  <p:childTnLst>
+                                    <p:animEffect transition="out" filter="fade">
+                                      <p:cBhvr>
+                                        <p:cTn id="95" dur="500"/>
+                                        <p:tgtEl>
+                                          <p:spTgt spid="37"/>
+                                        </p:tgtEl>
+                                      </p:cBhvr>
+                                    </p:animEffect>
+                                    <p:set>
+                                      <p:cBhvr>
+                                        <p:cTn id="96" dur="1" fill="hold">
+                                          <p:stCondLst>
+                                            <p:cond delay="499"/>
+                                          </p:stCondLst>
+                                        </p:cTn>
+                                        <p:tgtEl>
+                                          <p:spTgt spid="37"/>
+                                        </p:tgtEl>
+                                        <p:attrNameLst>
+                                          <p:attrName>style.visibility</p:attrName>
+                                        </p:attrNameLst>
+                                      </p:cBhvr>
+                                      <p:to>
+                                        <p:strVal val="hidden"/>
+                                      </p:to>
+                                    </p:set>
+                                  </p:childTnLst>
+                                </p:cTn>
+                              </p:par>
+                              <p:par>
+                                <p:cTn id="97" presetID="10" presetClass="entr" presetSubtype="0" fill="hold" nodeType="withEffect">
+                                  <p:stCondLst>
+                                    <p:cond delay="0"/>
+                                  </p:stCondLst>
+                                  <p:childTnLst>
+                                    <p:set>
+                                      <p:cBhvr>
+                                        <p:cTn id="98" dur="1" fill="hold">
+                                          <p:stCondLst>
+                                            <p:cond delay="0"/>
+                                          </p:stCondLst>
+                                        </p:cTn>
+                                        <p:tgtEl>
+                                          <p:spTgt spid="39"/>
+                                        </p:tgtEl>
+                                        <p:attrNameLst>
+                                          <p:attrName>style.visibility</p:attrName>
+                                        </p:attrNameLst>
+                                      </p:cBhvr>
+                                      <p:to>
+                                        <p:strVal val="visible"/>
+                                      </p:to>
+                                    </p:set>
+                                    <p:animEffect transition="in" filter="fade">
+                                      <p:cBhvr>
+                                        <p:cTn id="99" dur="500"/>
+                                        <p:tgtEl>
+                                          <p:spTgt spid="39"/>
+                                        </p:tgtEl>
+                                      </p:cBhvr>
+                                    </p:animEffect>
+                                  </p:childTnLst>
+                                </p:cTn>
+                              </p:par>
+                            </p:childTnLst>
+                          </p:cTn>
+                        </p:par>
+                      </p:childTnLst>
+                    </p:cTn>
+                  </p:par>
+                  <p:par>
+                    <p:cTn id="100" fill="hold">
+                      <p:stCondLst>
+                        <p:cond delay="indefinite"/>
+                      </p:stCondLst>
+                      <p:childTnLst>
+                        <p:par>
+                          <p:cTn id="101" fill="hold">
+                            <p:stCondLst>
+                              <p:cond delay="0"/>
+                            </p:stCondLst>
+                            <p:childTnLst>
+                              <p:par>
+                                <p:cTn id="102" presetID="10" presetClass="entr" presetSubtype="0" fill="hold" grpId="0" nodeType="clickEffect">
+                                  <p:stCondLst>
+                                    <p:cond delay="0"/>
+                                  </p:stCondLst>
+                                  <p:childTnLst>
+                                    <p:set>
+                                      <p:cBhvr>
+                                        <p:cTn id="103" dur="1" fill="hold">
+                                          <p:stCondLst>
+                                            <p:cond delay="0"/>
+                                          </p:stCondLst>
+                                        </p:cTn>
+                                        <p:tgtEl>
+                                          <p:spTgt spid="41"/>
+                                        </p:tgtEl>
+                                        <p:attrNameLst>
+                                          <p:attrName>style.visibility</p:attrName>
+                                        </p:attrNameLst>
+                                      </p:cBhvr>
+                                      <p:to>
+                                        <p:strVal val="visible"/>
+                                      </p:to>
+                                    </p:set>
+                                    <p:animEffect transition="in" filter="fade">
+                                      <p:cBhvr>
+                                        <p:cTn id="104" dur="500"/>
+                                        <p:tgtEl>
+                                          <p:spTgt spid="41"/>
+                                        </p:tgtEl>
+                                      </p:cBhvr>
+                                    </p:animEffect>
+                                  </p:childTnLst>
+                                </p:cTn>
+                              </p:par>
+                            </p:childTnLst>
+                          </p:cTn>
+                        </p:par>
+                      </p:childTnLst>
+                    </p:cTn>
+                  </p:par>
+                  <p:par>
+                    <p:cTn id="105" fill="hold">
+                      <p:stCondLst>
+                        <p:cond delay="indefinite"/>
+                      </p:stCondLst>
+                      <p:childTnLst>
+                        <p:par>
+                          <p:cTn id="106" fill="hold">
+                            <p:stCondLst>
+                              <p:cond delay="0"/>
+                            </p:stCondLst>
+                            <p:childTnLst>
+                              <p:par>
+                                <p:cTn id="107" presetID="10" presetClass="exit" presetSubtype="0" fill="hold" grpId="1" nodeType="clickEffect">
+                                  <p:stCondLst>
+                                    <p:cond delay="0"/>
+                                  </p:stCondLst>
+                                  <p:childTnLst>
+                                    <p:animEffect transition="out" filter="fade">
+                                      <p:cBhvr>
+                                        <p:cTn id="108" dur="500"/>
+                                        <p:tgtEl>
+                                          <p:spTgt spid="4"/>
+                                        </p:tgtEl>
+                                      </p:cBhvr>
+                                    </p:animEffect>
+                                    <p:set>
+                                      <p:cBhvr>
+                                        <p:cTn id="109" dur="1" fill="hold">
+                                          <p:stCondLst>
+                                            <p:cond delay="499"/>
+                                          </p:stCondLst>
+                                        </p:cTn>
+                                        <p:tgtEl>
+                                          <p:spTgt spid="4"/>
+                                        </p:tgtEl>
+                                        <p:attrNameLst>
+                                          <p:attrName>style.visibility</p:attrName>
+                                        </p:attrNameLst>
+                                      </p:cBhvr>
+                                      <p:to>
+                                        <p:strVal val="hidden"/>
+                                      </p:to>
+                                    </p:set>
+                                  </p:childTnLst>
+                                </p:cTn>
+                              </p:par>
+                              <p:par>
+                                <p:cTn id="110" presetID="10" presetClass="exit" presetSubtype="0" fill="hold" grpId="1" nodeType="withEffect">
+                                  <p:stCondLst>
+                                    <p:cond delay="0"/>
+                                  </p:stCondLst>
+                                  <p:childTnLst>
+                                    <p:animEffect transition="out" filter="fade">
+                                      <p:cBhvr>
+                                        <p:cTn id="111" dur="500"/>
+                                        <p:tgtEl>
+                                          <p:spTgt spid="18"/>
+                                        </p:tgtEl>
+                                      </p:cBhvr>
+                                    </p:animEffect>
+                                    <p:set>
+                                      <p:cBhvr>
+                                        <p:cTn id="112" dur="1" fill="hold">
+                                          <p:stCondLst>
+                                            <p:cond delay="499"/>
+                                          </p:stCondLst>
+                                        </p:cTn>
+                                        <p:tgtEl>
+                                          <p:spTgt spid="18"/>
+                                        </p:tgtEl>
+                                        <p:attrNameLst>
+                                          <p:attrName>style.visibility</p:attrName>
+                                        </p:attrNameLst>
+                                      </p:cBhvr>
+                                      <p:to>
+                                        <p:strVal val="hidden"/>
+                                      </p:to>
+                                    </p:set>
+                                  </p:childTnLst>
+                                </p:cTn>
+                              </p:par>
+                              <p:par>
+                                <p:cTn id="113" presetID="10" presetClass="entr" presetSubtype="0" fill="hold" grpId="0" nodeType="withEffect">
+                                  <p:stCondLst>
+                                    <p:cond delay="0"/>
+                                  </p:stCondLst>
+                                  <p:childTnLst>
+                                    <p:set>
+                                      <p:cBhvr>
+                                        <p:cTn id="114" dur="1" fill="hold">
+                                          <p:stCondLst>
+                                            <p:cond delay="0"/>
+                                          </p:stCondLst>
+                                        </p:cTn>
+                                        <p:tgtEl>
+                                          <p:spTgt spid="6"/>
+                                        </p:tgtEl>
+                                        <p:attrNameLst>
+                                          <p:attrName>style.visibility</p:attrName>
+                                        </p:attrNameLst>
+                                      </p:cBhvr>
+                                      <p:to>
+                                        <p:strVal val="visible"/>
+                                      </p:to>
+                                    </p:set>
+                                    <p:animEffect transition="in" filter="fade">
+                                      <p:cBhvr>
+                                        <p:cTn id="115" dur="500"/>
+                                        <p:tgtEl>
+                                          <p:spTgt spid="6"/>
+                                        </p:tgtEl>
+                                      </p:cBhvr>
+                                    </p:animEffect>
+                                  </p:childTnLst>
+                                </p:cTn>
+                              </p:par>
+                              <p:par>
+                                <p:cTn id="116" presetID="10" presetClass="entr" presetSubtype="0" fill="hold" grpId="0" nodeType="withEffect">
+                                  <p:stCondLst>
+                                    <p:cond delay="0"/>
+                                  </p:stCondLst>
+                                  <p:childTnLst>
+                                    <p:set>
+                                      <p:cBhvr>
+                                        <p:cTn id="117" dur="1" fill="hold">
+                                          <p:stCondLst>
+                                            <p:cond delay="0"/>
+                                          </p:stCondLst>
+                                        </p:cTn>
+                                        <p:tgtEl>
+                                          <p:spTgt spid="21"/>
+                                        </p:tgtEl>
+                                        <p:attrNameLst>
+                                          <p:attrName>style.visibility</p:attrName>
+                                        </p:attrNameLst>
+                                      </p:cBhvr>
+                                      <p:to>
+                                        <p:strVal val="visible"/>
+                                      </p:to>
+                                    </p:set>
+                                    <p:animEffect transition="in" filter="fade">
+                                      <p:cBhvr>
+                                        <p:cTn id="118" dur="500"/>
+                                        <p:tgtEl>
+                                          <p:spTgt spid="21"/>
+                                        </p:tgtEl>
+                                      </p:cBhvr>
+                                    </p:animEffect>
+                                  </p:childTnLst>
+                                </p:cTn>
+                              </p:par>
+                              <p:par>
+                                <p:cTn id="119" presetID="10" presetClass="exit" presetSubtype="0" fill="hold" nodeType="withEffect">
+                                  <p:stCondLst>
+                                    <p:cond delay="0"/>
+                                  </p:stCondLst>
+                                  <p:childTnLst>
+                                    <p:animEffect transition="out" filter="fade">
+                                      <p:cBhvr>
+                                        <p:cTn id="120" dur="500"/>
+                                        <p:tgtEl>
+                                          <p:spTgt spid="28"/>
+                                        </p:tgtEl>
+                                      </p:cBhvr>
+                                    </p:animEffect>
+                                    <p:set>
+                                      <p:cBhvr>
+                                        <p:cTn id="121" dur="1" fill="hold">
+                                          <p:stCondLst>
+                                            <p:cond delay="499"/>
+                                          </p:stCondLst>
+                                        </p:cTn>
+                                        <p:tgtEl>
+                                          <p:spTgt spid="28"/>
+                                        </p:tgtEl>
+                                        <p:attrNameLst>
+                                          <p:attrName>style.visibility</p:attrName>
+                                        </p:attrNameLst>
+                                      </p:cBhvr>
+                                      <p:to>
+                                        <p:strVal val="hidden"/>
+                                      </p:to>
+                                    </p:set>
+                                  </p:childTnLst>
+                                </p:cTn>
+                              </p:par>
+                              <p:par>
+                                <p:cTn id="122" presetID="10" presetClass="exit" presetSubtype="0" fill="hold" nodeType="withEffect">
+                                  <p:stCondLst>
+                                    <p:cond delay="0"/>
+                                  </p:stCondLst>
+                                  <p:childTnLst>
+                                    <p:animEffect transition="out" filter="fade">
+                                      <p:cBhvr>
+                                        <p:cTn id="123" dur="500"/>
+                                        <p:tgtEl>
+                                          <p:spTgt spid="39"/>
+                                        </p:tgtEl>
+                                      </p:cBhvr>
+                                    </p:animEffect>
+                                    <p:set>
+                                      <p:cBhvr>
+                                        <p:cTn id="124" dur="1" fill="hold">
+                                          <p:stCondLst>
+                                            <p:cond delay="499"/>
+                                          </p:stCondLst>
+                                        </p:cTn>
+                                        <p:tgtEl>
+                                          <p:spTgt spid="39"/>
+                                        </p:tgtEl>
+                                        <p:attrNameLst>
+                                          <p:attrName>style.visibility</p:attrName>
+                                        </p:attrNameLst>
+                                      </p:cBhvr>
+                                      <p:to>
+                                        <p:strVal val="hidden"/>
+                                      </p:to>
+                                    </p:set>
+                                  </p:childTnLst>
+                                </p:cTn>
+                              </p:par>
+                            </p:childTnLst>
+                          </p:cTn>
+                        </p:par>
+                      </p:childTnLst>
+                    </p:cTn>
+                  </p:par>
+                  <p:par>
+                    <p:cTn id="125" fill="hold">
+                      <p:stCondLst>
+                        <p:cond delay="indefinite"/>
+                      </p:stCondLst>
+                      <p:childTnLst>
+                        <p:par>
+                          <p:cTn id="126" fill="hold">
+                            <p:stCondLst>
+                              <p:cond delay="0"/>
+                            </p:stCondLst>
+                            <p:childTnLst>
+                              <p:par>
+                                <p:cTn id="127" presetID="10" presetClass="exit" presetSubtype="0" fill="hold" grpId="1" nodeType="clickEffect">
+                                  <p:stCondLst>
+                                    <p:cond delay="0"/>
+                                  </p:stCondLst>
+                                  <p:childTnLst>
+                                    <p:animEffect transition="out" filter="fade">
+                                      <p:cBhvr>
+                                        <p:cTn id="128" dur="500"/>
+                                        <p:tgtEl>
+                                          <p:spTgt spid="6"/>
+                                        </p:tgtEl>
+                                      </p:cBhvr>
+                                    </p:animEffect>
+                                    <p:set>
+                                      <p:cBhvr>
+                                        <p:cTn id="129" dur="1" fill="hold">
+                                          <p:stCondLst>
+                                            <p:cond delay="499"/>
+                                          </p:stCondLst>
+                                        </p:cTn>
+                                        <p:tgtEl>
+                                          <p:spTgt spid="6"/>
+                                        </p:tgtEl>
+                                        <p:attrNameLst>
+                                          <p:attrName>style.visibility</p:attrName>
+                                        </p:attrNameLst>
+                                      </p:cBhvr>
+                                      <p:to>
+                                        <p:strVal val="hidden"/>
+                                      </p:to>
+                                    </p:set>
+                                  </p:childTnLst>
+                                </p:cTn>
+                              </p:par>
+                              <p:par>
+                                <p:cTn id="130" presetID="10" presetClass="exit" presetSubtype="0" fill="hold" grpId="1" nodeType="withEffect">
+                                  <p:stCondLst>
+                                    <p:cond delay="0"/>
+                                  </p:stCondLst>
+                                  <p:childTnLst>
+                                    <p:animEffect transition="out" filter="fade">
+                                      <p:cBhvr>
+                                        <p:cTn id="131" dur="500"/>
+                                        <p:tgtEl>
+                                          <p:spTgt spid="21"/>
+                                        </p:tgtEl>
+                                      </p:cBhvr>
+                                    </p:animEffect>
+                                    <p:set>
+                                      <p:cBhvr>
+                                        <p:cTn id="132" dur="1" fill="hold">
+                                          <p:stCondLst>
+                                            <p:cond delay="499"/>
+                                          </p:stCondLst>
+                                        </p:cTn>
+                                        <p:tgtEl>
+                                          <p:spTgt spid="21"/>
+                                        </p:tgtEl>
+                                        <p:attrNameLst>
+                                          <p:attrName>style.visibility</p:attrName>
+                                        </p:attrNameLst>
+                                      </p:cBhvr>
+                                      <p:to>
+                                        <p:strVal val="hidden"/>
+                                      </p:to>
+                                    </p:set>
+                                  </p:childTnLst>
+                                </p:cTn>
+                              </p:par>
+                              <p:par>
+                                <p:cTn id="133" presetID="10" presetClass="entr" presetSubtype="0" fill="hold" grpId="0" nodeType="withEffect">
+                                  <p:stCondLst>
+                                    <p:cond delay="0"/>
+                                  </p:stCondLst>
+                                  <p:childTnLst>
+                                    <p:set>
+                                      <p:cBhvr>
+                                        <p:cTn id="134" dur="1" fill="hold">
+                                          <p:stCondLst>
+                                            <p:cond delay="0"/>
+                                          </p:stCondLst>
+                                        </p:cTn>
+                                        <p:tgtEl>
+                                          <p:spTgt spid="9"/>
+                                        </p:tgtEl>
+                                        <p:attrNameLst>
+                                          <p:attrName>style.visibility</p:attrName>
+                                        </p:attrNameLst>
+                                      </p:cBhvr>
+                                      <p:to>
+                                        <p:strVal val="visible"/>
+                                      </p:to>
+                                    </p:set>
+                                    <p:animEffect transition="in" filter="fade">
+                                      <p:cBhvr>
+                                        <p:cTn id="135" dur="500"/>
+                                        <p:tgtEl>
+                                          <p:spTgt spid="9"/>
+                                        </p:tgtEl>
+                                      </p:cBhvr>
+                                    </p:animEffect>
+                                  </p:childTnLst>
+                                </p:cTn>
+                              </p:par>
+                              <p:par>
+                                <p:cTn id="136" presetID="10" presetClass="entr" presetSubtype="0" fill="hold" grpId="0" nodeType="withEffect">
+                                  <p:stCondLst>
+                                    <p:cond delay="0"/>
+                                  </p:stCondLst>
+                                  <p:childTnLst>
+                                    <p:set>
+                                      <p:cBhvr>
+                                        <p:cTn id="137" dur="1" fill="hold">
+                                          <p:stCondLst>
+                                            <p:cond delay="0"/>
+                                          </p:stCondLst>
+                                        </p:cTn>
+                                        <p:tgtEl>
+                                          <p:spTgt spid="23"/>
+                                        </p:tgtEl>
+                                        <p:attrNameLst>
+                                          <p:attrName>style.visibility</p:attrName>
+                                        </p:attrNameLst>
+                                      </p:cBhvr>
+                                      <p:to>
+                                        <p:strVal val="visible"/>
+                                      </p:to>
+                                    </p:set>
+                                    <p:animEffect transition="in" filter="fade">
+                                      <p:cBhvr>
+                                        <p:cTn id="138" dur="500"/>
+                                        <p:tgtEl>
+                                          <p:spTgt spid="23"/>
+                                        </p:tgtEl>
+                                      </p:cBhvr>
+                                    </p:animEffect>
+                                  </p:childTnLst>
+                                </p:cTn>
+                              </p:par>
+                            </p:childTnLst>
+                          </p:cTn>
+                        </p:par>
+                      </p:childTnLst>
+                    </p:cTn>
+                  </p:par>
+                </p:childTnLst>
+              </p:cTn>
+              <p:prevCondLst>
+                <p:cond evt="onPrev" delay="0">
+                  <p:tgtEl>
+                    <p:sldTgt/>
+                  </p:tgtEl>
+                </p:cond>
+              </p:prevCondLst>
+              <p:nextCondLst>
+                <p:cond evt="onNext" delay="0">
+                  <p:tgtEl>
+                    <p:sldTgt/>
+                  </p:tgtEl>
+                </p:cond>
+              </p:nextCondLst>
+            </p:seq>
+          </p:childTnLst>
+        </p:cTn>
+      </p:par>
+    </p:tnLst>
+    <p:bldLst>
+      <p:bldP spid="40" grpId="0"/>
+      <p:bldP spid="41" grpId="0"/>
+      <p:bldP spid="4" grpId="0" animBg="1"/>
+      <p:bldP spid="4" grpId="1" animBg="1"/>
+      <p:bldP spid="18" grpId="0" animBg="1"/>
+      <p:bldP spid="18" grpId="1" animBg="1"/>
+      <p:bldP spid="6" grpId="0" animBg="1"/>
+      <p:bldP spid="6" grpId="1" animBg="1"/>
+      <p:bldP spid="21" grpId="0" animBg="1"/>
+      <p:bldP spid="21" grpId="1" animBg="1"/>
+      <p:bldP spid="9" grpId="0" animBg="1"/>
+      <p:bldP spid="23" grpId="0" animBg="1"/>
+    </p:bldLst>
+  </p:timing>
 </p:sld>
 </file>
 
@@ -10816,19 +16644,70 @@
           <a:lstStyle/>
           <a:p>
             <a:r>
+              <a:rPr kumimoji="1" lang="ko-KR" altLang="en-US" dirty="0"/>
+              <a:t>코드 블록 간 단순 패턴 매칭을 통한</a:t>
+            </a:r>
+            <a:r>
+              <a:rPr kumimoji="1" lang="en-US" altLang="ko-KR" dirty="0"/>
+              <a:t/>
+            </a:r>
+            <a:br>
+              <a:rPr kumimoji="1" lang="en-US" altLang="ko-KR" dirty="0"/>
+            </a:br>
+            <a:r>
+              <a:rPr kumimoji="1" lang="ko-KR" altLang="en-US" dirty="0"/>
+              <a:t>유사도 분석</a:t>
+            </a:r>
+          </a:p>
+        </p:txBody>
+      </p:sp>
+      <p:sp>
+        <p:nvSpPr>
+          <p:cNvPr id="3" name="내용 개체 틀 2"/>
+          <p:cNvSpPr>
+            <a:spLocks noGrp="1"/>
+          </p:cNvSpPr>
+          <p:nvPr>
+            <p:ph idx="1"/>
+          </p:nvPr>
+        </p:nvSpPr>
+        <p:spPr>
+          <a:xfrm>
+            <a:off x="5056742" y="2423710"/>
+            <a:ext cx="3630058" cy="3360145"/>
+          </a:xfrm>
+        </p:spPr>
+        <p:txBody>
+          <a:bodyPr/>
+          <a:lstStyle/>
+          <a:p>
+            <a:r>
               <a:rPr kumimoji="1" lang="ko-KR" altLang="en-US" dirty="0" smtClean="0"/>
-              <a:t>코드 블록 간 단순 패턴 매칭을 통한</a:t>
-            </a:r>
+              <a:t>유사도 분석 결과 화면</a:t>
+            </a:r>
+            <a:endParaRPr kumimoji="1" lang="en-US" altLang="ko-KR" dirty="0" smtClean="0"/>
+          </a:p>
+          <a:p>
+            <a:endParaRPr kumimoji="1" lang="en-US" altLang="ko-KR" dirty="0"/>
+          </a:p>
+          <a:p>
+            <a:r>
+              <a:rPr kumimoji="1" lang="ko-KR" altLang="en-US" dirty="0" smtClean="0"/>
+              <a:t>각 블록이 몇 퍼센트의 일치율을 보이는지 분석</a:t>
+            </a:r>
+            <a:endParaRPr kumimoji="1" lang="en-US" altLang="ko-KR" dirty="0" smtClean="0"/>
+          </a:p>
+          <a:p>
+            <a:endParaRPr kumimoji="1" lang="en-US" altLang="ko-KR" dirty="0"/>
+          </a:p>
+          <a:p>
             <a:r>
               <a:rPr kumimoji="1" lang="en-US" altLang="ko-KR" dirty="0" smtClean="0"/>
-              <a:t/>
-            </a:r>
-            <a:br>
-              <a:rPr kumimoji="1" lang="en-US" altLang="ko-KR" dirty="0" smtClean="0"/>
-            </a:br>
+              <a:t>70%</a:t>
+            </a:r>
             <a:r>
               <a:rPr kumimoji="1" lang="ko-KR" altLang="en-US" dirty="0" smtClean="0"/>
-              <a:t>유사도 분석</a:t>
+              <a:t> 이상의 일치율만 출력</a:t>
             </a:r>
             <a:endParaRPr kumimoji="1" lang="ko-KR" altLang="en-US" dirty="0"/>
           </a:p>
@@ -10836,7 +16715,7 @@
       </p:sp>
       <p:pic>
         <p:nvPicPr>
-          <p:cNvPr id="3" name="그림 2"/>
+          <p:cNvPr id="4" name="내용 개체 틀 6"/>
           <p:cNvPicPr>
             <a:picLocks noChangeAspect="1"/>
           </p:cNvPicPr>
@@ -10856,227 +16735,8 @@
         </p:blipFill>
         <p:spPr>
           <a:xfrm>
-            <a:off x="611559" y="1682594"/>
-            <a:ext cx="4896545" cy="281141"/>
-          </a:xfrm>
-          <a:prstGeom prst="rect">
-            <a:avLst/>
-          </a:prstGeom>
-        </p:spPr>
-      </p:pic>
-      <p:graphicFrame>
-        <p:nvGraphicFramePr>
-          <p:cNvPr id="14" name="표 13"/>
-          <p:cNvGraphicFramePr>
-            <a:graphicFrameLocks noGrp="1"/>
-          </p:cNvGraphicFramePr>
-          <p:nvPr>
-            <p:extLst>
-              <p:ext uri="{D42A27DB-BD31-4B8C-83A1-F6EECF244321}">
-                <p14:modId xmlns:p14="http://schemas.microsoft.com/office/powerpoint/2010/main" val="1959908231"/>
-              </p:ext>
-            </p:extLst>
-          </p:nvPr>
-        </p:nvGraphicFramePr>
-        <p:xfrm>
-          <a:off x="323528" y="2122329"/>
-          <a:ext cx="8496944" cy="4056379"/>
-        </p:xfrm>
-        <a:graphic>
-          <a:graphicData uri="http://schemas.openxmlformats.org/drawingml/2006/table">
-            <a:tbl>
-              <a:tblPr firstRow="1" bandRow="1">
-                <a:tableStyleId>{5C22544A-7EE6-4342-B048-85BDC9FD1C3A}</a:tableStyleId>
-              </a:tblPr>
-              <a:tblGrid>
-                <a:gridCol w="4248472"/>
-                <a:gridCol w="4248472"/>
-              </a:tblGrid>
-              <a:tr h="341829">
-                <a:tc>
-                  <a:txBody>
-                    <a:bodyPr/>
-                    <a:lstStyle/>
-                    <a:p>
-                      <a:pPr latinLnBrk="1"/>
-                      <a:r>
-                        <a:rPr lang="en-US" altLang="ko-KR" dirty="0" smtClean="0"/>
-                        <a:t>MacBook</a:t>
-                      </a:r>
-                      <a:r>
-                        <a:rPr lang="en-US" altLang="ko-KR" baseline="0" dirty="0" smtClean="0"/>
-                        <a:t> Air EFI 2.9 </a:t>
-                      </a:r>
-                      <a:r>
-                        <a:rPr lang="ko-KR" altLang="en-US" baseline="0" dirty="0" smtClean="0"/>
-                        <a:t>펌웨어</a:t>
-                      </a:r>
-                      <a:endParaRPr lang="ko-KR" altLang="en-US" dirty="0"/>
-                    </a:p>
-                  </a:txBody>
-                  <a:tcPr/>
-                </a:tc>
-                <a:tc>
-                  <a:txBody>
-                    <a:bodyPr/>
-                    <a:lstStyle/>
-                    <a:p>
-                      <a:pPr latinLnBrk="1"/>
-                      <a:r>
-                        <a:rPr lang="en-US" altLang="ko-KR" dirty="0" smtClean="0"/>
-                        <a:t>EFI</a:t>
-                      </a:r>
-                      <a:r>
-                        <a:rPr lang="en-US" altLang="ko-KR" baseline="0" dirty="0" smtClean="0"/>
-                        <a:t> </a:t>
-                      </a:r>
-                      <a:r>
-                        <a:rPr lang="ko-KR" altLang="en-US" baseline="0" dirty="0" smtClean="0"/>
-                        <a:t>컴파일 결과물</a:t>
-                      </a:r>
-                      <a:endParaRPr lang="ko-KR" altLang="en-US" dirty="0"/>
-                    </a:p>
-                  </a:txBody>
-                  <a:tcPr/>
-                </a:tc>
-              </a:tr>
-              <a:tr h="3690619">
-                <a:tc>
-                  <a:txBody>
-                    <a:bodyPr/>
-                    <a:lstStyle/>
-                    <a:p>
-                      <a:pPr latinLnBrk="1"/>
-                      <a:endParaRPr lang="ko-KR" altLang="en-US" dirty="0"/>
-                    </a:p>
-                  </a:txBody>
-                  <a:tcPr/>
-                </a:tc>
-                <a:tc>
-                  <a:txBody>
-                    <a:bodyPr/>
-                    <a:lstStyle/>
-                    <a:p>
-                      <a:pPr latinLnBrk="1"/>
-                      <a:endParaRPr lang="ko-KR" altLang="en-US" dirty="0"/>
-                    </a:p>
-                  </a:txBody>
-                  <a:tcPr/>
-                </a:tc>
-              </a:tr>
-            </a:tbl>
-          </a:graphicData>
-        </a:graphic>
-      </p:graphicFrame>
-      <p:pic>
-        <p:nvPicPr>
-          <p:cNvPr id="15" name="내용 개체 틀 5"/>
-          <p:cNvPicPr>
-            <a:picLocks noGrp="1" noChangeAspect="1"/>
-          </p:cNvPicPr>
-          <p:nvPr>
-            <p:ph idx="1"/>
-          </p:nvPr>
-        </p:nvPicPr>
-        <p:blipFill rotWithShape="1">
-          <a:blip r:embed="rId3">
-            <a:extLst>
-              <a:ext uri="{28A0092B-C50C-407E-A947-70E740481C1C}">
-                <a14:useLocalDpi xmlns:a14="http://schemas.microsoft.com/office/drawing/2010/main" val="0"/>
-              </a:ext>
-            </a:extLst>
-          </a:blip>
-          <a:srcRect l="40722"/>
-          <a:stretch/>
-        </p:blipFill>
-        <p:spPr>
-          <a:xfrm>
-            <a:off x="1116471" y="2996952"/>
-            <a:ext cx="3353154" cy="2520280"/>
-          </a:xfrm>
-        </p:spPr>
-      </p:pic>
-      <p:pic>
-        <p:nvPicPr>
-          <p:cNvPr id="16" name="내용 개체 틀 5"/>
-          <p:cNvPicPr>
-            <a:picLocks noChangeAspect="1"/>
-          </p:cNvPicPr>
-          <p:nvPr/>
-        </p:nvPicPr>
-        <p:blipFill rotWithShape="1">
-          <a:blip r:embed="rId3">
-            <a:extLst>
-              <a:ext uri="{28A0092B-C50C-407E-A947-70E740481C1C}">
-                <a14:useLocalDpi xmlns:a14="http://schemas.microsoft.com/office/drawing/2010/main" val="0"/>
-              </a:ext>
-            </a:extLst>
-          </a:blip>
-          <a:srcRect r="88534"/>
-          <a:stretch/>
-        </p:blipFill>
-        <p:spPr>
-          <a:xfrm>
-            <a:off x="467544" y="2996952"/>
-            <a:ext cx="648927" cy="2520280"/>
-          </a:xfrm>
-          <a:prstGeom prst="rect">
-            <a:avLst/>
-          </a:prstGeom>
-        </p:spPr>
-      </p:pic>
-      <p:pic>
-        <p:nvPicPr>
-          <p:cNvPr id="8" name="그림 7"/>
-          <p:cNvPicPr>
-            <a:picLocks noChangeAspect="1"/>
-          </p:cNvPicPr>
-          <p:nvPr/>
-        </p:nvPicPr>
-        <p:blipFill rotWithShape="1">
-          <a:blip r:embed="rId4">
-            <a:extLst>
-              <a:ext uri="{28A0092B-C50C-407E-A947-70E740481C1C}">
-                <a14:useLocalDpi xmlns:a14="http://schemas.microsoft.com/office/drawing/2010/main" val="0"/>
-              </a:ext>
-            </a:extLst>
-          </a:blip>
-          <a:srcRect r="88556"/>
-          <a:stretch/>
-        </p:blipFill>
-        <p:spPr>
-          <a:xfrm>
-            <a:off x="4724710" y="2636912"/>
-            <a:ext cx="631583" cy="3330584"/>
-          </a:xfrm>
-          <a:prstGeom prst="rect">
-            <a:avLst/>
-          </a:prstGeom>
-        </p:spPr>
-      </p:pic>
-      <p:pic>
-        <p:nvPicPr>
-          <p:cNvPr id="18" name="그림 17"/>
-          <p:cNvPicPr>
-            <a:picLocks noChangeAspect="1"/>
-          </p:cNvPicPr>
-          <p:nvPr/>
-        </p:nvPicPr>
-        <p:blipFill rotWithShape="1">
-          <a:blip r:embed="rId4">
-            <a:extLst>
-              <a:ext uri="{28A0092B-C50C-407E-A947-70E740481C1C}">
-                <a14:useLocalDpi xmlns:a14="http://schemas.microsoft.com/office/drawing/2010/main" val="0"/>
-              </a:ext>
-            </a:extLst>
-          </a:blip>
-          <a:srcRect l="41661"/>
-          <a:stretch/>
-        </p:blipFill>
-        <p:spPr>
-          <a:xfrm>
-            <a:off x="5356293" y="2636912"/>
-            <a:ext cx="3219719" cy="3330584"/>
+            <a:off x="511661" y="1677318"/>
+            <a:ext cx="4441040" cy="4876800"/>
           </a:xfrm>
           <a:prstGeom prst="rect">
             <a:avLst/>
@@ -11086,13 +16746,20 @@
     </p:spTree>
     <p:extLst>
       <p:ext uri="{BB962C8B-B14F-4D97-AF65-F5344CB8AC3E}">
-        <p14:creationId xmlns:p14="http://schemas.microsoft.com/office/powerpoint/2010/main" val="735868641"/>
+        <p14:creationId xmlns:p14="http://schemas.microsoft.com/office/powerpoint/2010/main" val="1824935602"/>
       </p:ext>
     </p:extLst>
   </p:cSld>
   <p:clrMapOvr>
     <a:masterClrMapping/>
   </p:clrMapOvr>
+  <p:timing>
+    <p:tnLst>
+      <p:par>
+        <p:cTn id="1" dur="indefinite" restart="never" nodeType="tmRoot"/>
+      </p:par>
+    </p:tnLst>
+  </p:timing>
 </p:sld>
 </file>
 
